--- a/Innovation_Talk.pptx
+++ b/Innovation_Talk.pptx
@@ -5,13 +5,14 @@
     <p:sldMasterId id="2147483648" r:id="rId1"/>
   </p:sldMasterIdLst>
   <p:notesMasterIdLst>
-    <p:notesMasterId r:id="rId6"/>
+    <p:notesMasterId r:id="rId7"/>
   </p:notesMasterIdLst>
   <p:sldIdLst>
     <p:sldId id="256" r:id="rId2"/>
     <p:sldId id="257" r:id="rId3"/>
-    <p:sldId id="258" r:id="rId4"/>
-    <p:sldId id="259" r:id="rId5"/>
+    <p:sldId id="260" r:id="rId4"/>
+    <p:sldId id="258" r:id="rId5"/>
+    <p:sldId id="259" r:id="rId6"/>
   </p:sldIdLst>
   <p:sldSz cx="12192000" cy="6858000"/>
   <p:notesSz cx="6858000" cy="9144000"/>
@@ -200,7 +201,7 @@
           <a:p>
             <a:fld id="{2A711428-CEAD-4548-B0BB-2CA3286B10BC}" type="datetimeFigureOut">
               <a:rPr kumimoji="1" lang="zh-CN" altLang="en-US" smtClean="0"/>
-              <a:t>2017/9/10</a:t>
+              <a:t>2017/9/11</a:t>
             </a:fld>
             <a:endParaRPr kumimoji="1" lang="zh-CN" altLang="en-US"/>
           </a:p>
@@ -264,38 +265,37 @@
           <a:p>
             <a:pPr lvl="0"/>
             <a:r>
-              <a:rPr kumimoji="1" lang="zh-CN" altLang="en-US" smtClean="0"/>
+              <a:rPr kumimoji="1" lang="zh-CN" altLang="en-US"/>
               <a:t>单击此处编辑母版文本样式</a:t>
             </a:r>
           </a:p>
           <a:p>
             <a:pPr lvl="1"/>
             <a:r>
-              <a:rPr kumimoji="1" lang="zh-CN" altLang="en-US" smtClean="0"/>
+              <a:rPr kumimoji="1" lang="zh-CN" altLang="en-US"/>
               <a:t>二级</a:t>
             </a:r>
           </a:p>
           <a:p>
             <a:pPr lvl="2"/>
             <a:r>
-              <a:rPr kumimoji="1" lang="zh-CN" altLang="en-US" smtClean="0"/>
+              <a:rPr kumimoji="1" lang="zh-CN" altLang="en-US"/>
               <a:t>三级</a:t>
             </a:r>
           </a:p>
           <a:p>
             <a:pPr lvl="3"/>
             <a:r>
-              <a:rPr kumimoji="1" lang="zh-CN" altLang="en-US" smtClean="0"/>
+              <a:rPr kumimoji="1" lang="zh-CN" altLang="en-US"/>
               <a:t>四级</a:t>
             </a:r>
           </a:p>
           <a:p>
             <a:pPr lvl="4"/>
             <a:r>
-              <a:rPr kumimoji="1" lang="zh-CN" altLang="en-US" smtClean="0"/>
+              <a:rPr kumimoji="1" lang="zh-CN" altLang="en-US"/>
               <a:t>五级</a:t>
             </a:r>
-            <a:endParaRPr kumimoji="1" lang="zh-CN" altLang="en-US"/>
           </a:p>
         </p:txBody>
       </p:sp>
@@ -487,6 +487,132 @@
       </p:grpSpPr>
       <p:sp>
         <p:nvSpPr>
+          <p:cNvPr id="2" name="Slide Image Placeholder 1"/>
+          <p:cNvSpPr>
+            <a:spLocks noGrp="1" noRot="1" noChangeAspect="1"/>
+          </p:cNvSpPr>
+          <p:nvPr>
+            <p:ph type="sldImg"/>
+          </p:nvPr>
+        </p:nvSpPr>
+        <p:spPr/>
+      </p:sp>
+      <p:sp>
+        <p:nvSpPr>
+          <p:cNvPr id="3" name="Notes Placeholder 2"/>
+          <p:cNvSpPr>
+            <a:spLocks noGrp="1"/>
+          </p:cNvSpPr>
+          <p:nvPr>
+            <p:ph type="body" idx="1"/>
+          </p:nvPr>
+        </p:nvSpPr>
+        <p:spPr/>
+        <p:txBody>
+          <a:bodyPr/>
+          <a:lstStyle/>
+          <a:p>
+            <a:r>
+              <a:rPr lang="en-US" altLang="zh-CN" dirty="0"/>
+              <a:t>Hey</a:t>
+            </a:r>
+            <a:r>
+              <a:rPr lang="en-US" altLang="zh-CN" baseline="0" dirty="0"/>
+              <a:t> guys, how is it going? </a:t>
+            </a:r>
+            <a:r>
+              <a:rPr lang="en-US" altLang="zh-CN" baseline="0" dirty="0" err="1"/>
+              <a:t>Im</a:t>
+            </a:r>
+            <a:r>
+              <a:rPr lang="en-US" altLang="zh-CN" baseline="0" dirty="0"/>
+              <a:t> Zikun from APEX China, and I’m Jason’s Intern. Today I will give you a brief introduction about my intern project and also join the hackathon this July. Generally, this introduction will divided into three parts.</a:t>
+            </a:r>
+          </a:p>
+          <a:p>
+            <a:r>
+              <a:rPr lang="en-US" altLang="zh-CN" baseline="0" dirty="0"/>
+              <a:t>The first part is introduce the background, we do lots of brainstorm and investigate some advocates from last time which presented by my mentor, and we thought over and digging into it deeper.</a:t>
+            </a:r>
+          </a:p>
+          <a:p>
+            <a:r>
+              <a:rPr lang="en-US" altLang="zh-CN" baseline="0" dirty="0"/>
+              <a:t>The second part is about the current features of our release version so far.</a:t>
+            </a:r>
+          </a:p>
+          <a:p>
+            <a:r>
+              <a:rPr lang="en-US" altLang="zh-CN" baseline="0" dirty="0"/>
+              <a:t>And the last part, I will give you a completely scenario to show our demo.</a:t>
+            </a:r>
+          </a:p>
+          <a:p>
+            <a:r>
+              <a:rPr lang="en-US" altLang="zh-CN" baseline="0" dirty="0"/>
+              <a:t>So lets begin from the background</a:t>
+            </a:r>
+          </a:p>
+          <a:p>
+            <a:endParaRPr lang="en-US" altLang="zh-CN" baseline="0" dirty="0"/>
+          </a:p>
+        </p:txBody>
+      </p:sp>
+      <p:sp>
+        <p:nvSpPr>
+          <p:cNvPr id="4" name="Slide Number Placeholder 3"/>
+          <p:cNvSpPr>
+            <a:spLocks noGrp="1"/>
+          </p:cNvSpPr>
+          <p:nvPr>
+            <p:ph type="sldNum" sz="quarter" idx="10"/>
+          </p:nvPr>
+        </p:nvSpPr>
+        <p:spPr/>
+        <p:txBody>
+          <a:bodyPr/>
+          <a:lstStyle/>
+          <a:p>
+            <a:fld id="{6F9A4F90-AA5F-6149-B938-3D6B58F15966}" type="slidenum">
+              <a:rPr kumimoji="1" lang="zh-CN" altLang="en-US" smtClean="0"/>
+              <a:t>1</a:t>
+            </a:fld>
+            <a:endParaRPr kumimoji="1" lang="zh-CN" altLang="en-US"/>
+          </a:p>
+        </p:txBody>
+      </p:sp>
+    </p:spTree>
+    <p:extLst>
+      <p:ext uri="{BB962C8B-B14F-4D97-AF65-F5344CB8AC3E}">
+        <p14:creationId xmlns:p14="http://schemas.microsoft.com/office/powerpoint/2010/main" val="2164683536"/>
+      </p:ext>
+    </p:extLst>
+  </p:cSld>
+  <p:clrMapOvr>
+    <a:masterClrMapping/>
+  </p:clrMapOvr>
+</p:notes>
+</file>
+
+<file path=ppt/notesSlides/notesSlide2.xml><?xml version="1.0" encoding="utf-8"?>
+<p:notes xmlns:a="http://schemas.openxmlformats.org/drawingml/2006/main" xmlns:r="http://schemas.openxmlformats.org/officeDocument/2006/relationships" xmlns:p="http://schemas.openxmlformats.org/presentationml/2006/main">
+  <p:cSld>
+    <p:spTree>
+      <p:nvGrpSpPr>
+        <p:cNvPr id="1" name=""/>
+        <p:cNvGrpSpPr/>
+        <p:nvPr/>
+      </p:nvGrpSpPr>
+      <p:grpSpPr>
+        <a:xfrm>
+          <a:off x="0" y="0"/>
+          <a:ext cx="0" cy="0"/>
+          <a:chOff x="0" y="0"/>
+          <a:chExt cx="0" cy="0"/>
+        </a:xfrm>
+      </p:grpSpPr>
+      <p:sp>
+        <p:nvSpPr>
           <p:cNvPr id="2" name="幻灯片图像占位符 1"/>
           <p:cNvSpPr>
             <a:spLocks noGrp="1" noRot="1" noChangeAspect="1"/>
@@ -513,71 +639,122 @@
           <a:lstStyle/>
           <a:p>
             <a:r>
-              <a:rPr kumimoji="1" lang="en-US" altLang="zh-CN" dirty="0" smtClean="0"/>
+              <a:rPr kumimoji="1" lang="en-US" altLang="zh-CN" dirty="0"/>
               <a:t>After</a:t>
             </a:r>
             <a:r>
-              <a:rPr kumimoji="1" lang="en-US" altLang="zh-CN" baseline="0" dirty="0" smtClean="0"/>
-              <a:t> the first MAH innovation talk, we discuss more about daily work-flow of advocates and we want to know more about developer’s needs.</a:t>
-            </a:r>
-          </a:p>
-          <a:p>
-            <a:endParaRPr kumimoji="1" lang="zh-CN" altLang="en-US" dirty="0" smtClean="0"/>
-          </a:p>
-          <a:p>
-            <a:r>
-              <a:rPr kumimoji="1" lang="en-US" altLang="zh-CN" dirty="0" smtClean="0"/>
+              <a:rPr kumimoji="1" lang="en-US" altLang="zh-CN" baseline="0" dirty="0"/>
+              <a:t> the first innovation talk, we discussed a lot, we do some brainstorm discussing the </a:t>
+            </a:r>
+            <a:r>
+              <a:rPr kumimoji="1" lang="en-US" altLang="zh-CN" baseline="0" dirty="0" err="1"/>
+              <a:t>painpoint</a:t>
+            </a:r>
+            <a:r>
+              <a:rPr kumimoji="1" lang="en-US" altLang="zh-CN" baseline="0" dirty="0"/>
+              <a:t> of regular developers and the advocate’s daily work-flow.</a:t>
+            </a:r>
+            <a:endParaRPr kumimoji="1" lang="zh-CN" altLang="en-US" dirty="0"/>
+          </a:p>
+          <a:p>
+            <a:endParaRPr kumimoji="1" lang="en-US" altLang="zh-CN" dirty="0"/>
+          </a:p>
+          <a:p>
+            <a:r>
+              <a:rPr kumimoji="1" lang="en-US" altLang="zh-CN" dirty="0"/>
               <a:t>We</a:t>
             </a:r>
             <a:r>
-              <a:rPr kumimoji="1" lang="en-US" altLang="zh-CN" baseline="0" dirty="0" smtClean="0"/>
+              <a:rPr kumimoji="1" lang="en-US" altLang="zh-CN" baseline="0" dirty="0"/>
+              <a:t> also attended some tech conferences and talked with community guys including </a:t>
+            </a:r>
+            <a:r>
+              <a:rPr kumimoji="1" lang="en-US" altLang="zh-CN" baseline="0" dirty="0" err="1"/>
+              <a:t>KaiYuanShe</a:t>
+            </a:r>
+            <a:r>
+              <a:rPr kumimoji="1" lang="en-US" altLang="zh-CN" baseline="0" dirty="0"/>
+              <a:t> Community staff which is a big Open Source Community in China and the Google Community Promoter in China, we know that the regular developers embrace social medias, not just docs, they prefer to learn a new tech from conference and join online study or </a:t>
+            </a:r>
+            <a:r>
+              <a:rPr kumimoji="1" lang="en-US" altLang="zh-CN" baseline="0" dirty="0" err="1"/>
+              <a:t>sth</a:t>
+            </a:r>
+            <a:r>
+              <a:rPr kumimoji="1" lang="en-US" altLang="zh-CN" baseline="0" dirty="0"/>
+              <a:t>. </a:t>
+            </a:r>
+          </a:p>
+          <a:p>
+            <a:endParaRPr kumimoji="1" lang="zh-CN" altLang="en-US" baseline="0" dirty="0"/>
+          </a:p>
+          <a:p>
+            <a:r>
+              <a:rPr kumimoji="1" lang="en-US" altLang="zh-CN" baseline="0" dirty="0"/>
+              <a:t>So this is a blueprint which Jeff showed us in this year’s All-Hands about the next generation of Docs, Basically we need to combine social media, online webinar</a:t>
+            </a:r>
+            <a:r>
+              <a:rPr kumimoji="1" lang="zh-CN" altLang="en-US" baseline="0" dirty="0"/>
               <a:t> </a:t>
             </a:r>
             <a:r>
-              <a:rPr kumimoji="1" lang="en-US" altLang="zh-CN" baseline="0" dirty="0" smtClean="0"/>
-              <a:t>attend some tech conferences and talked with community guys including Open Source Community guys, Google Community Promoter in China, we know that developers embrace social medias, not just docs, they want to learn a new tech from conference and join online study or </a:t>
-            </a:r>
-            <a:r>
-              <a:rPr kumimoji="1" lang="en-US" altLang="zh-CN" baseline="0" dirty="0" err="1" smtClean="0"/>
-              <a:t>sth</a:t>
-            </a:r>
-            <a:r>
-              <a:rPr kumimoji="1" lang="en-US" altLang="zh-CN" baseline="0" dirty="0" smtClean="0"/>
-              <a:t>. </a:t>
-            </a:r>
-          </a:p>
-          <a:p>
-            <a:endParaRPr kumimoji="1" lang="zh-CN" altLang="en-US" baseline="0" dirty="0" smtClean="0"/>
-          </a:p>
-          <a:p>
-            <a:r>
-              <a:rPr kumimoji="1" lang="en-US" altLang="zh-CN" baseline="0" dirty="0" smtClean="0"/>
-              <a:t>That </a:t>
-            </a:r>
-            <a:r>
-              <a:rPr kumimoji="1" lang="en-US" altLang="zh-CN" baseline="0" dirty="0" smtClean="0"/>
-              <a:t>also </a:t>
-            </a:r>
-            <a:r>
-              <a:rPr kumimoji="1" lang="en-US" altLang="zh-CN" baseline="0" dirty="0" err="1" smtClean="0"/>
-              <a:t>jeff</a:t>
-            </a:r>
-            <a:r>
-              <a:rPr kumimoji="1" lang="en-US" altLang="zh-CN" baseline="0" dirty="0" smtClean="0"/>
-              <a:t> told us we need to join social media, online webinar</a:t>
-            </a:r>
-            <a:r>
-              <a:rPr kumimoji="1" lang="zh-CN" altLang="en-US" baseline="0" dirty="0" smtClean="0"/>
-              <a:t> </a:t>
-            </a:r>
-            <a:r>
-              <a:rPr kumimoji="1" lang="en-US" altLang="zh-CN" baseline="0" dirty="0" smtClean="0"/>
-              <a:t>or maybe live-study into our product. </a:t>
-            </a:r>
-            <a:endParaRPr kumimoji="1" lang="zh-CN" altLang="en-US" baseline="0" dirty="0" smtClean="0"/>
-          </a:p>
-          <a:p>
-            <a:endParaRPr kumimoji="1" lang="en-US" altLang="zh-CN" baseline="0" dirty="0" smtClean="0"/>
+              <a:rPr kumimoji="1" lang="en-US" altLang="zh-CN" baseline="0" dirty="0" err="1"/>
+              <a:t>Events&amp;Videos</a:t>
+            </a:r>
+            <a:r>
+              <a:rPr kumimoji="1" lang="en-US" altLang="zh-CN" baseline="0" dirty="0"/>
+              <a:t> or maybe live-study into our product. </a:t>
+            </a:r>
+          </a:p>
+          <a:p>
+            <a:endParaRPr kumimoji="1" lang="en-US" altLang="zh-CN" baseline="0" dirty="0"/>
+          </a:p>
+          <a:p>
+            <a:r>
+              <a:rPr kumimoji="1" lang="en-US" altLang="zh-CN" baseline="0" dirty="0"/>
+              <a:t>When I saw this picture, I did not understand it so well, so we digging it deeper about what is this means, after a long thinking, we figure that out, so we can simply change this blueprint into 2 parts(Official and Unofficial), The traditional docs belongs to the official parts which has no difference between all companies including Google, Facebook or twitter, this part gives developer a full and big support, which means they can find all kinds of technique documents here; On the contrary, we have the unofficial part, in this part developers can communicate with advocates or each other and they can also choose so many ways to learn techs.</a:t>
+            </a:r>
+          </a:p>
+          <a:p>
+            <a:endParaRPr kumimoji="1" lang="en-US" altLang="zh-CN" baseline="0" dirty="0"/>
+          </a:p>
+          <a:p>
+            <a:r>
+              <a:rPr kumimoji="1" lang="en-US" altLang="zh-CN" baseline="0" dirty="0"/>
+              <a:t>Here is a general compare of official part and unofficial part.</a:t>
+            </a:r>
+          </a:p>
+          <a:p>
+            <a:endParaRPr kumimoji="1" lang="en-US" altLang="zh-CN" baseline="0" dirty="0"/>
+          </a:p>
+          <a:p>
+            <a:r>
+              <a:rPr kumimoji="1" lang="en-US" altLang="zh-CN" baseline="0" dirty="0"/>
+              <a:t>So the solution for our docs site is building a unofficial brand-new connection between MS techs and developers which is driven by human not only docs, </a:t>
+            </a:r>
+            <a:r>
+              <a:rPr kumimoji="1" lang="en-US" altLang="zh-CN" baseline="0" dirty="0" err="1"/>
+              <a:t>congras</a:t>
+            </a:r>
+            <a:r>
+              <a:rPr kumimoji="1" lang="en-US" altLang="zh-CN" baseline="0" dirty="0"/>
+              <a:t>! We now have advocate developer department! </a:t>
+            </a:r>
+          </a:p>
+          <a:p>
+            <a:endParaRPr kumimoji="1" lang="en-US" altLang="zh-CN" baseline="0" dirty="0"/>
+          </a:p>
+          <a:p>
+            <a:r>
+              <a:rPr kumimoji="1" lang="en-US" altLang="zh-CN" baseline="0" dirty="0"/>
+              <a:t>…</a:t>
+            </a:r>
+          </a:p>
+          <a:p>
+            <a:endParaRPr kumimoji="1" lang="zh-CN" altLang="en-US" baseline="0" dirty="0"/>
+          </a:p>
+          <a:p>
+            <a:endParaRPr kumimoji="1" lang="en-US" altLang="zh-CN" baseline="0" dirty="0"/>
           </a:p>
           <a:p>
             <a:endParaRPr kumimoji="1" lang="zh-CN" altLang="en-US" dirty="0"/>
@@ -611,6 +788,373 @@
     <p:extLst>
       <p:ext uri="{BB962C8B-B14F-4D97-AF65-F5344CB8AC3E}">
         <p14:creationId xmlns:p14="http://schemas.microsoft.com/office/powerpoint/2010/main" val="1340425811"/>
+      </p:ext>
+    </p:extLst>
+  </p:cSld>
+  <p:clrMapOvr>
+    <a:masterClrMapping/>
+  </p:clrMapOvr>
+</p:notes>
+</file>
+
+<file path=ppt/notesSlides/notesSlide3.xml><?xml version="1.0" encoding="utf-8"?>
+<p:notes xmlns:a="http://schemas.openxmlformats.org/drawingml/2006/main" xmlns:r="http://schemas.openxmlformats.org/officeDocument/2006/relationships" xmlns:p="http://schemas.openxmlformats.org/presentationml/2006/main">
+  <p:cSld>
+    <p:spTree>
+      <p:nvGrpSpPr>
+        <p:cNvPr id="1" name=""/>
+        <p:cNvGrpSpPr/>
+        <p:nvPr/>
+      </p:nvGrpSpPr>
+      <p:grpSpPr>
+        <a:xfrm>
+          <a:off x="0" y="0"/>
+          <a:ext cx="0" cy="0"/>
+          <a:chOff x="0" y="0"/>
+          <a:chExt cx="0" cy="0"/>
+        </a:xfrm>
+      </p:grpSpPr>
+      <p:sp>
+        <p:nvSpPr>
+          <p:cNvPr id="2" name="幻灯片图像占位符 1"/>
+          <p:cNvSpPr>
+            <a:spLocks noGrp="1" noRot="1" noChangeAspect="1"/>
+          </p:cNvSpPr>
+          <p:nvPr>
+            <p:ph type="sldImg"/>
+          </p:nvPr>
+        </p:nvSpPr>
+        <p:spPr/>
+      </p:sp>
+      <p:sp>
+        <p:nvSpPr>
+          <p:cNvPr id="3" name="备注占位符 2"/>
+          <p:cNvSpPr>
+            <a:spLocks noGrp="1"/>
+          </p:cNvSpPr>
+          <p:nvPr>
+            <p:ph type="body" idx="1"/>
+          </p:nvPr>
+        </p:nvSpPr>
+        <p:spPr/>
+        <p:txBody>
+          <a:bodyPr/>
+          <a:lstStyle/>
+          <a:p>
+            <a:endParaRPr kumimoji="1" lang="en-US" altLang="zh-CN" baseline="0" dirty="0"/>
+          </a:p>
+          <a:p>
+            <a:r>
+              <a:rPr kumimoji="1" lang="en-US" altLang="zh-CN" dirty="0"/>
+              <a:t>So Next, image the daily work</a:t>
+            </a:r>
+            <a:r>
+              <a:rPr kumimoji="1" lang="en-US" altLang="zh-CN" baseline="0" dirty="0"/>
+              <a:t> of advocators, they need to be alive and publish maybe over 10 different social network channels including twitter, </a:t>
+            </a:r>
+            <a:r>
+              <a:rPr kumimoji="1" lang="en-US" altLang="zh-CN" baseline="0" dirty="0" err="1"/>
+              <a:t>facebook</a:t>
+            </a:r>
+            <a:r>
+              <a:rPr kumimoji="1" lang="en-US" altLang="zh-CN" baseline="0" dirty="0"/>
+              <a:t>, </a:t>
+            </a:r>
+            <a:r>
+              <a:rPr kumimoji="1" lang="en-US" altLang="zh-CN" baseline="0" dirty="0" err="1"/>
+              <a:t>github</a:t>
+            </a:r>
+            <a:r>
+              <a:rPr kumimoji="1" lang="en-US" altLang="zh-CN" baseline="0" dirty="0"/>
+              <a:t>, </a:t>
+            </a:r>
+            <a:r>
+              <a:rPr kumimoji="1" lang="en-US" altLang="zh-CN" baseline="0" dirty="0" err="1"/>
+              <a:t>linkedin</a:t>
+            </a:r>
+            <a:r>
+              <a:rPr kumimoji="1" lang="en-US" altLang="zh-CN" baseline="0" dirty="0"/>
+              <a:t> and their own homepage, and more, publish the event’s site.</a:t>
+            </a:r>
+          </a:p>
+          <a:p>
+            <a:endParaRPr kumimoji="1" lang="en-US" altLang="zh-CN" baseline="0" dirty="0"/>
+          </a:p>
+          <a:p>
+            <a:r>
+              <a:rPr kumimoji="1" lang="en-US" altLang="zh-CN" baseline="0" dirty="0"/>
+              <a:t>And the developers also need to follower all the channels to get the tech or advocates they like.</a:t>
+            </a:r>
+          </a:p>
+          <a:p>
+            <a:endParaRPr kumimoji="1" lang="en-US" altLang="zh-CN" baseline="0" dirty="0"/>
+          </a:p>
+          <a:p>
+            <a:r>
+              <a:rPr kumimoji="1" lang="en-US" altLang="zh-CN" baseline="0" dirty="0"/>
+              <a:t>So how about we integrate these information for both developers and advocates, this can totally simplify the daily work for both of them. and we also want more than this is our </a:t>
+            </a:r>
+            <a:r>
+              <a:rPr kumimoji="1" lang="en-US" altLang="zh-CN" baseline="0" dirty="0" err="1"/>
+              <a:t>AdvocateHub</a:t>
+            </a:r>
+            <a:r>
+              <a:rPr kumimoji="1" lang="en-US" altLang="zh-CN" baseline="0" dirty="0"/>
+              <a:t>.</a:t>
+            </a:r>
+            <a:endParaRPr kumimoji="1" lang="zh-CN" altLang="en-US" dirty="0"/>
+          </a:p>
+        </p:txBody>
+      </p:sp>
+      <p:sp>
+        <p:nvSpPr>
+          <p:cNvPr id="4" name="幻灯片编号占位符 3"/>
+          <p:cNvSpPr>
+            <a:spLocks noGrp="1"/>
+          </p:cNvSpPr>
+          <p:nvPr>
+            <p:ph type="sldNum" sz="quarter" idx="10"/>
+          </p:nvPr>
+        </p:nvSpPr>
+        <p:spPr/>
+        <p:txBody>
+          <a:bodyPr/>
+          <a:lstStyle/>
+          <a:p>
+            <a:fld id="{6F9A4F90-AA5F-6149-B938-3D6B58F15966}" type="slidenum">
+              <a:rPr kumimoji="1" lang="zh-CN" altLang="en-US" smtClean="0"/>
+              <a:t>3</a:t>
+            </a:fld>
+            <a:endParaRPr kumimoji="1" lang="zh-CN" altLang="en-US"/>
+          </a:p>
+        </p:txBody>
+      </p:sp>
+    </p:spTree>
+    <p:extLst>
+      <p:ext uri="{BB962C8B-B14F-4D97-AF65-F5344CB8AC3E}">
+        <p14:creationId xmlns:p14="http://schemas.microsoft.com/office/powerpoint/2010/main" val="4001355104"/>
+      </p:ext>
+    </p:extLst>
+  </p:cSld>
+  <p:clrMapOvr>
+    <a:masterClrMapping/>
+  </p:clrMapOvr>
+</p:notes>
+</file>
+
+<file path=ppt/notesSlides/notesSlide4.xml><?xml version="1.0" encoding="utf-8"?>
+<p:notes xmlns:a="http://schemas.openxmlformats.org/drawingml/2006/main" xmlns:r="http://schemas.openxmlformats.org/officeDocument/2006/relationships" xmlns:p="http://schemas.openxmlformats.org/presentationml/2006/main">
+  <p:cSld>
+    <p:spTree>
+      <p:nvGrpSpPr>
+        <p:cNvPr id="1" name=""/>
+        <p:cNvGrpSpPr/>
+        <p:nvPr/>
+      </p:nvGrpSpPr>
+      <p:grpSpPr>
+        <a:xfrm>
+          <a:off x="0" y="0"/>
+          <a:ext cx="0" cy="0"/>
+          <a:chOff x="0" y="0"/>
+          <a:chExt cx="0" cy="0"/>
+        </a:xfrm>
+      </p:grpSpPr>
+      <p:sp>
+        <p:nvSpPr>
+          <p:cNvPr id="2" name="Slide Image Placeholder 1"/>
+          <p:cNvSpPr>
+            <a:spLocks noGrp="1" noRot="1" noChangeAspect="1"/>
+          </p:cNvSpPr>
+          <p:nvPr>
+            <p:ph type="sldImg"/>
+          </p:nvPr>
+        </p:nvSpPr>
+        <p:spPr/>
+      </p:sp>
+      <p:sp>
+        <p:nvSpPr>
+          <p:cNvPr id="3" name="Notes Placeholder 2"/>
+          <p:cNvSpPr>
+            <a:spLocks noGrp="1"/>
+          </p:cNvSpPr>
+          <p:nvPr>
+            <p:ph type="body" idx="1"/>
+          </p:nvPr>
+        </p:nvSpPr>
+        <p:spPr/>
+        <p:txBody>
+          <a:bodyPr/>
+          <a:lstStyle/>
+          <a:p>
+            <a:r>
+              <a:rPr lang="en-US" altLang="zh-CN" baseline="0" dirty="0"/>
+              <a:t>And this site now contains three different aspect’s functions</a:t>
+            </a:r>
+          </a:p>
+          <a:p>
+            <a:r>
+              <a:rPr lang="en-US" altLang="zh-CN" baseline="0" dirty="0"/>
+              <a:t>The first one is about Event’s, …</a:t>
+            </a:r>
+          </a:p>
+          <a:p>
+            <a:r>
+              <a:rPr lang="en-US" altLang="zh-CN" baseline="0" dirty="0"/>
+              <a:t>The second part is about Social Media, first of all, you can binding </a:t>
+            </a:r>
+            <a:r>
+              <a:rPr lang="en-US" altLang="zh-CN" baseline="0" dirty="0" err="1"/>
+              <a:t>linkedin</a:t>
+            </a:r>
+            <a:r>
+              <a:rPr lang="en-US" altLang="zh-CN" baseline="0" dirty="0"/>
+              <a:t> and your own homepage to rich your profile, secondly, you can login with twitter, and last you can integrated with other social medias like </a:t>
+            </a:r>
+            <a:r>
+              <a:rPr lang="en-US" altLang="zh-CN" baseline="0" dirty="0" err="1"/>
+              <a:t>github</a:t>
+            </a:r>
+            <a:r>
+              <a:rPr lang="en-US" altLang="zh-CN" baseline="0" dirty="0"/>
+              <a:t> and </a:t>
+            </a:r>
+            <a:r>
+              <a:rPr lang="en-US" altLang="zh-CN" baseline="0" dirty="0" err="1"/>
+              <a:t>facebook</a:t>
+            </a:r>
+            <a:endParaRPr lang="en-US" altLang="zh-CN" baseline="0" dirty="0"/>
+          </a:p>
+          <a:p>
+            <a:r>
+              <a:rPr lang="en-US" altLang="zh-CN" baseline="0" dirty="0"/>
+              <a:t>The third part is we do recommendation based on your talk’s subject.</a:t>
+            </a:r>
+          </a:p>
+          <a:p>
+            <a:r>
+              <a:rPr lang="en-US" altLang="zh-CN" baseline="0" dirty="0"/>
+              <a:t>Totally developers can get the whole resources including videos, online ppt, and related docs. They can fully learned the tech they liked.</a:t>
+            </a:r>
+          </a:p>
+        </p:txBody>
+      </p:sp>
+      <p:sp>
+        <p:nvSpPr>
+          <p:cNvPr id="4" name="Slide Number Placeholder 3"/>
+          <p:cNvSpPr>
+            <a:spLocks noGrp="1"/>
+          </p:cNvSpPr>
+          <p:nvPr>
+            <p:ph type="sldNum" sz="quarter" idx="10"/>
+          </p:nvPr>
+        </p:nvSpPr>
+        <p:spPr/>
+        <p:txBody>
+          <a:bodyPr/>
+          <a:lstStyle/>
+          <a:p>
+            <a:fld id="{6F9A4F90-AA5F-6149-B938-3D6B58F15966}" type="slidenum">
+              <a:rPr kumimoji="1" lang="zh-CN" altLang="en-US" smtClean="0"/>
+              <a:t>4</a:t>
+            </a:fld>
+            <a:endParaRPr kumimoji="1" lang="zh-CN" altLang="en-US"/>
+          </a:p>
+        </p:txBody>
+      </p:sp>
+    </p:spTree>
+    <p:extLst>
+      <p:ext uri="{BB962C8B-B14F-4D97-AF65-F5344CB8AC3E}">
+        <p14:creationId xmlns:p14="http://schemas.microsoft.com/office/powerpoint/2010/main" val="2464998413"/>
+      </p:ext>
+    </p:extLst>
+  </p:cSld>
+  <p:clrMapOvr>
+    <a:masterClrMapping/>
+  </p:clrMapOvr>
+</p:notes>
+</file>
+
+<file path=ppt/notesSlides/notesSlide5.xml><?xml version="1.0" encoding="utf-8"?>
+<p:notes xmlns:a="http://schemas.openxmlformats.org/drawingml/2006/main" xmlns:r="http://schemas.openxmlformats.org/officeDocument/2006/relationships" xmlns:p="http://schemas.openxmlformats.org/presentationml/2006/main">
+  <p:cSld>
+    <p:spTree>
+      <p:nvGrpSpPr>
+        <p:cNvPr id="1" name=""/>
+        <p:cNvGrpSpPr/>
+        <p:nvPr/>
+      </p:nvGrpSpPr>
+      <p:grpSpPr>
+        <a:xfrm>
+          <a:off x="0" y="0"/>
+          <a:ext cx="0" cy="0"/>
+          <a:chOff x="0" y="0"/>
+          <a:chExt cx="0" cy="0"/>
+        </a:xfrm>
+      </p:grpSpPr>
+      <p:sp>
+        <p:nvSpPr>
+          <p:cNvPr id="2" name="Slide Image Placeholder 1"/>
+          <p:cNvSpPr>
+            <a:spLocks noGrp="1" noRot="1" noChangeAspect="1"/>
+          </p:cNvSpPr>
+          <p:nvPr>
+            <p:ph type="sldImg"/>
+          </p:nvPr>
+        </p:nvSpPr>
+        <p:spPr/>
+      </p:sp>
+      <p:sp>
+        <p:nvSpPr>
+          <p:cNvPr id="3" name="Notes Placeholder 2"/>
+          <p:cNvSpPr>
+            <a:spLocks noGrp="1"/>
+          </p:cNvSpPr>
+          <p:nvPr>
+            <p:ph type="body" idx="1"/>
+          </p:nvPr>
+        </p:nvSpPr>
+        <p:spPr/>
+        <p:txBody>
+          <a:bodyPr/>
+          <a:lstStyle/>
+          <a:p>
+            <a:r>
+              <a:rPr lang="en-US" altLang="zh-CN" dirty="0"/>
+              <a:t>The last one, I will show you about the online demo</a:t>
+            </a:r>
+          </a:p>
+          <a:p>
+            <a:endParaRPr lang="zh-CN" altLang="en-US" dirty="0"/>
+          </a:p>
+        </p:txBody>
+      </p:sp>
+      <p:sp>
+        <p:nvSpPr>
+          <p:cNvPr id="4" name="Slide Number Placeholder 3"/>
+          <p:cNvSpPr>
+            <a:spLocks noGrp="1"/>
+          </p:cNvSpPr>
+          <p:nvPr>
+            <p:ph type="sldNum" sz="quarter" idx="10"/>
+          </p:nvPr>
+        </p:nvSpPr>
+        <p:spPr/>
+        <p:txBody>
+          <a:bodyPr/>
+          <a:lstStyle/>
+          <a:p>
+            <a:fld id="{6F9A4F90-AA5F-6149-B938-3D6B58F15966}" type="slidenum">
+              <a:rPr kumimoji="1" lang="zh-CN" altLang="en-US" smtClean="0"/>
+              <a:t>5</a:t>
+            </a:fld>
+            <a:endParaRPr kumimoji="1" lang="zh-CN" altLang="en-US"/>
+          </a:p>
+        </p:txBody>
+      </p:sp>
+    </p:spTree>
+    <p:extLst>
+      <p:ext uri="{BB962C8B-B14F-4D97-AF65-F5344CB8AC3E}">
+        <p14:creationId xmlns:p14="http://schemas.microsoft.com/office/powerpoint/2010/main" val="1761553579"/>
       </p:ext>
     </p:extLst>
   </p:cSld>
@@ -662,10 +1206,9 @@
           </a:lstStyle>
           <a:p>
             <a:r>
-              <a:rPr kumimoji="1" lang="zh-CN" altLang="en-US" smtClean="0"/>
+              <a:rPr kumimoji="1" lang="zh-CN" altLang="en-US"/>
               <a:t>单击此处编辑母版标题样式</a:t>
             </a:r>
-            <a:endParaRPr kumimoji="1" lang="zh-CN" altLang="en-US"/>
           </a:p>
         </p:txBody>
       </p:sp>
@@ -727,10 +1270,9 @@
           </a:lstStyle>
           <a:p>
             <a:r>
-              <a:rPr kumimoji="1" lang="zh-CN" altLang="en-US" smtClean="0"/>
+              <a:rPr kumimoji="1" lang="zh-CN" altLang="en-US"/>
               <a:t>单击此处编辑母版副标题样式</a:t>
             </a:r>
-            <a:endParaRPr kumimoji="1" lang="zh-CN" altLang="en-US"/>
           </a:p>
         </p:txBody>
       </p:sp>
@@ -751,7 +1293,7 @@
           <a:p>
             <a:fld id="{DFBE7E61-7ADC-8E40-B84F-DCBE86CA3E63}" type="datetimeFigureOut">
               <a:rPr kumimoji="1" lang="zh-CN" altLang="en-US" smtClean="0"/>
-              <a:t>2017/9/10</a:t>
+              <a:t>2017/9/11</a:t>
             </a:fld>
             <a:endParaRPr kumimoji="1" lang="zh-CN" altLang="en-US"/>
           </a:p>
@@ -845,10 +1387,9 @@
           <a:lstStyle/>
           <a:p>
             <a:r>
-              <a:rPr kumimoji="1" lang="zh-CN" altLang="en-US" smtClean="0"/>
+              <a:rPr kumimoji="1" lang="zh-CN" altLang="en-US"/>
               <a:t>单击此处编辑母版标题样式</a:t>
             </a:r>
-            <a:endParaRPr kumimoji="1" lang="zh-CN" altLang="en-US"/>
           </a:p>
         </p:txBody>
       </p:sp>
@@ -869,38 +1410,37 @@
           <a:p>
             <a:pPr lvl="0"/>
             <a:r>
-              <a:rPr kumimoji="1" lang="zh-CN" altLang="en-US" smtClean="0"/>
+              <a:rPr kumimoji="1" lang="zh-CN" altLang="en-US"/>
               <a:t>单击此处编辑母版文本样式</a:t>
             </a:r>
           </a:p>
           <a:p>
             <a:pPr lvl="1"/>
             <a:r>
-              <a:rPr kumimoji="1" lang="zh-CN" altLang="en-US" smtClean="0"/>
+              <a:rPr kumimoji="1" lang="zh-CN" altLang="en-US"/>
               <a:t>二级</a:t>
             </a:r>
           </a:p>
           <a:p>
             <a:pPr lvl="2"/>
             <a:r>
-              <a:rPr kumimoji="1" lang="zh-CN" altLang="en-US" smtClean="0"/>
+              <a:rPr kumimoji="1" lang="zh-CN" altLang="en-US"/>
               <a:t>三级</a:t>
             </a:r>
           </a:p>
           <a:p>
             <a:pPr lvl="3"/>
             <a:r>
-              <a:rPr kumimoji="1" lang="zh-CN" altLang="en-US" smtClean="0"/>
+              <a:rPr kumimoji="1" lang="zh-CN" altLang="en-US"/>
               <a:t>四级</a:t>
             </a:r>
           </a:p>
           <a:p>
             <a:pPr lvl="4"/>
             <a:r>
-              <a:rPr kumimoji="1" lang="zh-CN" altLang="en-US" smtClean="0"/>
+              <a:rPr kumimoji="1" lang="zh-CN" altLang="en-US"/>
               <a:t>五级</a:t>
             </a:r>
-            <a:endParaRPr kumimoji="1" lang="zh-CN" altLang="en-US"/>
           </a:p>
         </p:txBody>
       </p:sp>
@@ -921,7 +1461,7 @@
           <a:p>
             <a:fld id="{DFBE7E61-7ADC-8E40-B84F-DCBE86CA3E63}" type="datetimeFigureOut">
               <a:rPr kumimoji="1" lang="zh-CN" altLang="en-US" smtClean="0"/>
-              <a:t>2017/9/10</a:t>
+              <a:t>2017/9/11</a:t>
             </a:fld>
             <a:endParaRPr kumimoji="1" lang="zh-CN" altLang="en-US"/>
           </a:p>
@@ -1020,10 +1560,9 @@
           <a:lstStyle/>
           <a:p>
             <a:r>
-              <a:rPr kumimoji="1" lang="zh-CN" altLang="en-US" smtClean="0"/>
+              <a:rPr kumimoji="1" lang="zh-CN" altLang="en-US"/>
               <a:t>单击此处编辑母版标题样式</a:t>
             </a:r>
-            <a:endParaRPr kumimoji="1" lang="zh-CN" altLang="en-US"/>
           </a:p>
         </p:txBody>
       </p:sp>
@@ -1049,38 +1588,37 @@
           <a:p>
             <a:pPr lvl="0"/>
             <a:r>
-              <a:rPr kumimoji="1" lang="zh-CN" altLang="en-US" smtClean="0"/>
+              <a:rPr kumimoji="1" lang="zh-CN" altLang="en-US"/>
               <a:t>单击此处编辑母版文本样式</a:t>
             </a:r>
           </a:p>
           <a:p>
             <a:pPr lvl="1"/>
             <a:r>
-              <a:rPr kumimoji="1" lang="zh-CN" altLang="en-US" smtClean="0"/>
+              <a:rPr kumimoji="1" lang="zh-CN" altLang="en-US"/>
               <a:t>二级</a:t>
             </a:r>
           </a:p>
           <a:p>
             <a:pPr lvl="2"/>
             <a:r>
-              <a:rPr kumimoji="1" lang="zh-CN" altLang="en-US" smtClean="0"/>
+              <a:rPr kumimoji="1" lang="zh-CN" altLang="en-US"/>
               <a:t>三级</a:t>
             </a:r>
           </a:p>
           <a:p>
             <a:pPr lvl="3"/>
             <a:r>
-              <a:rPr kumimoji="1" lang="zh-CN" altLang="en-US" smtClean="0"/>
+              <a:rPr kumimoji="1" lang="zh-CN" altLang="en-US"/>
               <a:t>四级</a:t>
             </a:r>
           </a:p>
           <a:p>
             <a:pPr lvl="4"/>
             <a:r>
-              <a:rPr kumimoji="1" lang="zh-CN" altLang="en-US" smtClean="0"/>
+              <a:rPr kumimoji="1" lang="zh-CN" altLang="en-US"/>
               <a:t>五级</a:t>
             </a:r>
-            <a:endParaRPr kumimoji="1" lang="zh-CN" altLang="en-US"/>
           </a:p>
         </p:txBody>
       </p:sp>
@@ -1101,7 +1639,7 @@
           <a:p>
             <a:fld id="{DFBE7E61-7ADC-8E40-B84F-DCBE86CA3E63}" type="datetimeFigureOut">
               <a:rPr kumimoji="1" lang="zh-CN" altLang="en-US" smtClean="0"/>
-              <a:t>2017/9/10</a:t>
+              <a:t>2017/9/11</a:t>
             </a:fld>
             <a:endParaRPr kumimoji="1" lang="zh-CN" altLang="en-US"/>
           </a:p>
@@ -1195,10 +1733,9 @@
           <a:lstStyle/>
           <a:p>
             <a:r>
-              <a:rPr kumimoji="1" lang="zh-CN" altLang="en-US" smtClean="0"/>
+              <a:rPr kumimoji="1" lang="zh-CN" altLang="en-US"/>
               <a:t>单击此处编辑母版标题样式</a:t>
             </a:r>
-            <a:endParaRPr kumimoji="1" lang="zh-CN" altLang="en-US"/>
           </a:p>
         </p:txBody>
       </p:sp>
@@ -1219,38 +1756,37 @@
           <a:p>
             <a:pPr lvl="0"/>
             <a:r>
-              <a:rPr kumimoji="1" lang="zh-CN" altLang="en-US" smtClean="0"/>
+              <a:rPr kumimoji="1" lang="zh-CN" altLang="en-US"/>
               <a:t>单击此处编辑母版文本样式</a:t>
             </a:r>
           </a:p>
           <a:p>
             <a:pPr lvl="1"/>
             <a:r>
-              <a:rPr kumimoji="1" lang="zh-CN" altLang="en-US" smtClean="0"/>
+              <a:rPr kumimoji="1" lang="zh-CN" altLang="en-US"/>
               <a:t>二级</a:t>
             </a:r>
           </a:p>
           <a:p>
             <a:pPr lvl="2"/>
             <a:r>
-              <a:rPr kumimoji="1" lang="zh-CN" altLang="en-US" smtClean="0"/>
+              <a:rPr kumimoji="1" lang="zh-CN" altLang="en-US"/>
               <a:t>三级</a:t>
             </a:r>
           </a:p>
           <a:p>
             <a:pPr lvl="3"/>
             <a:r>
-              <a:rPr kumimoji="1" lang="zh-CN" altLang="en-US" smtClean="0"/>
+              <a:rPr kumimoji="1" lang="zh-CN" altLang="en-US"/>
               <a:t>四级</a:t>
             </a:r>
           </a:p>
           <a:p>
             <a:pPr lvl="4"/>
             <a:r>
-              <a:rPr kumimoji="1" lang="zh-CN" altLang="en-US" smtClean="0"/>
+              <a:rPr kumimoji="1" lang="zh-CN" altLang="en-US"/>
               <a:t>五级</a:t>
             </a:r>
-            <a:endParaRPr kumimoji="1" lang="zh-CN" altLang="en-US"/>
           </a:p>
         </p:txBody>
       </p:sp>
@@ -1271,7 +1807,7 @@
           <a:p>
             <a:fld id="{DFBE7E61-7ADC-8E40-B84F-DCBE86CA3E63}" type="datetimeFigureOut">
               <a:rPr kumimoji="1" lang="zh-CN" altLang="en-US" smtClean="0"/>
-              <a:t>2017/9/10</a:t>
+              <a:t>2017/9/11</a:t>
             </a:fld>
             <a:endParaRPr kumimoji="1" lang="zh-CN" altLang="en-US"/>
           </a:p>
@@ -1374,10 +1910,9 @@
           </a:lstStyle>
           <a:p>
             <a:r>
-              <a:rPr kumimoji="1" lang="zh-CN" altLang="en-US" smtClean="0"/>
+              <a:rPr kumimoji="1" lang="zh-CN" altLang="en-US"/>
               <a:t>单击此处编辑母版标题样式</a:t>
             </a:r>
-            <a:endParaRPr kumimoji="1" lang="zh-CN" altLang="en-US"/>
           </a:p>
         </p:txBody>
       </p:sp>
@@ -1494,7 +2029,7 @@
           <a:p>
             <a:pPr lvl="0"/>
             <a:r>
-              <a:rPr kumimoji="1" lang="zh-CN" altLang="en-US" smtClean="0"/>
+              <a:rPr kumimoji="1" lang="zh-CN" altLang="en-US"/>
               <a:t>单击此处编辑母版文本样式</a:t>
             </a:r>
           </a:p>
@@ -1517,7 +2052,7 @@
           <a:p>
             <a:fld id="{DFBE7E61-7ADC-8E40-B84F-DCBE86CA3E63}" type="datetimeFigureOut">
               <a:rPr kumimoji="1" lang="zh-CN" altLang="en-US" smtClean="0"/>
-              <a:t>2017/9/10</a:t>
+              <a:t>2017/9/11</a:t>
             </a:fld>
             <a:endParaRPr kumimoji="1" lang="zh-CN" altLang="en-US"/>
           </a:p>
@@ -1611,10 +2146,9 @@
           <a:lstStyle/>
           <a:p>
             <a:r>
-              <a:rPr kumimoji="1" lang="zh-CN" altLang="en-US" smtClean="0"/>
+              <a:rPr kumimoji="1" lang="zh-CN" altLang="en-US"/>
               <a:t>单击此处编辑母版标题样式</a:t>
             </a:r>
-            <a:endParaRPr kumimoji="1" lang="zh-CN" altLang="en-US"/>
           </a:p>
         </p:txBody>
       </p:sp>
@@ -1640,38 +2174,37 @@
           <a:p>
             <a:pPr lvl="0"/>
             <a:r>
-              <a:rPr kumimoji="1" lang="zh-CN" altLang="en-US" smtClean="0"/>
+              <a:rPr kumimoji="1" lang="zh-CN" altLang="en-US"/>
               <a:t>单击此处编辑母版文本样式</a:t>
             </a:r>
           </a:p>
           <a:p>
             <a:pPr lvl="1"/>
             <a:r>
-              <a:rPr kumimoji="1" lang="zh-CN" altLang="en-US" smtClean="0"/>
+              <a:rPr kumimoji="1" lang="zh-CN" altLang="en-US"/>
               <a:t>二级</a:t>
             </a:r>
           </a:p>
           <a:p>
             <a:pPr lvl="2"/>
             <a:r>
-              <a:rPr kumimoji="1" lang="zh-CN" altLang="en-US" smtClean="0"/>
+              <a:rPr kumimoji="1" lang="zh-CN" altLang="en-US"/>
               <a:t>三级</a:t>
             </a:r>
           </a:p>
           <a:p>
             <a:pPr lvl="3"/>
             <a:r>
-              <a:rPr kumimoji="1" lang="zh-CN" altLang="en-US" smtClean="0"/>
+              <a:rPr kumimoji="1" lang="zh-CN" altLang="en-US"/>
               <a:t>四级</a:t>
             </a:r>
           </a:p>
           <a:p>
             <a:pPr lvl="4"/>
             <a:r>
-              <a:rPr kumimoji="1" lang="zh-CN" altLang="en-US" smtClean="0"/>
+              <a:rPr kumimoji="1" lang="zh-CN" altLang="en-US"/>
               <a:t>五级</a:t>
             </a:r>
-            <a:endParaRPr kumimoji="1" lang="zh-CN" altLang="en-US"/>
           </a:p>
         </p:txBody>
       </p:sp>
@@ -1697,38 +2230,37 @@
           <a:p>
             <a:pPr lvl="0"/>
             <a:r>
-              <a:rPr kumimoji="1" lang="zh-CN" altLang="en-US" smtClean="0"/>
+              <a:rPr kumimoji="1" lang="zh-CN" altLang="en-US"/>
               <a:t>单击此处编辑母版文本样式</a:t>
             </a:r>
           </a:p>
           <a:p>
             <a:pPr lvl="1"/>
             <a:r>
-              <a:rPr kumimoji="1" lang="zh-CN" altLang="en-US" smtClean="0"/>
+              <a:rPr kumimoji="1" lang="zh-CN" altLang="en-US"/>
               <a:t>二级</a:t>
             </a:r>
           </a:p>
           <a:p>
             <a:pPr lvl="2"/>
             <a:r>
-              <a:rPr kumimoji="1" lang="zh-CN" altLang="en-US" smtClean="0"/>
+              <a:rPr kumimoji="1" lang="zh-CN" altLang="en-US"/>
               <a:t>三级</a:t>
             </a:r>
           </a:p>
           <a:p>
             <a:pPr lvl="3"/>
             <a:r>
-              <a:rPr kumimoji="1" lang="zh-CN" altLang="en-US" smtClean="0"/>
+              <a:rPr kumimoji="1" lang="zh-CN" altLang="en-US"/>
               <a:t>四级</a:t>
             </a:r>
           </a:p>
           <a:p>
             <a:pPr lvl="4"/>
             <a:r>
-              <a:rPr kumimoji="1" lang="zh-CN" altLang="en-US" smtClean="0"/>
+              <a:rPr kumimoji="1" lang="zh-CN" altLang="en-US"/>
               <a:t>五级</a:t>
             </a:r>
-            <a:endParaRPr kumimoji="1" lang="zh-CN" altLang="en-US"/>
           </a:p>
         </p:txBody>
       </p:sp>
@@ -1749,7 +2281,7 @@
           <a:p>
             <a:fld id="{DFBE7E61-7ADC-8E40-B84F-DCBE86CA3E63}" type="datetimeFigureOut">
               <a:rPr kumimoji="1" lang="zh-CN" altLang="en-US" smtClean="0"/>
-              <a:t>2017/9/10</a:t>
+              <a:t>2017/9/11</a:t>
             </a:fld>
             <a:endParaRPr kumimoji="1" lang="zh-CN" altLang="en-US"/>
           </a:p>
@@ -1848,10 +2380,9 @@
           <a:lstStyle/>
           <a:p>
             <a:r>
-              <a:rPr kumimoji="1" lang="zh-CN" altLang="en-US" smtClean="0"/>
+              <a:rPr kumimoji="1" lang="zh-CN" altLang="en-US"/>
               <a:t>单击此处编辑母版标题样式</a:t>
             </a:r>
-            <a:endParaRPr kumimoji="1" lang="zh-CN" altLang="en-US"/>
           </a:p>
         </p:txBody>
       </p:sp>
@@ -1914,7 +2445,7 @@
           <a:p>
             <a:pPr lvl="0"/>
             <a:r>
-              <a:rPr kumimoji="1" lang="zh-CN" altLang="en-US" smtClean="0"/>
+              <a:rPr kumimoji="1" lang="zh-CN" altLang="en-US"/>
               <a:t>单击此处编辑母版文本样式</a:t>
             </a:r>
           </a:p>
@@ -1942,38 +2473,37 @@
           <a:p>
             <a:pPr lvl="0"/>
             <a:r>
-              <a:rPr kumimoji="1" lang="zh-CN" altLang="en-US" smtClean="0"/>
+              <a:rPr kumimoji="1" lang="zh-CN" altLang="en-US"/>
               <a:t>单击此处编辑母版文本样式</a:t>
             </a:r>
           </a:p>
           <a:p>
             <a:pPr lvl="1"/>
             <a:r>
-              <a:rPr kumimoji="1" lang="zh-CN" altLang="en-US" smtClean="0"/>
+              <a:rPr kumimoji="1" lang="zh-CN" altLang="en-US"/>
               <a:t>二级</a:t>
             </a:r>
           </a:p>
           <a:p>
             <a:pPr lvl="2"/>
             <a:r>
-              <a:rPr kumimoji="1" lang="zh-CN" altLang="en-US" smtClean="0"/>
+              <a:rPr kumimoji="1" lang="zh-CN" altLang="en-US"/>
               <a:t>三级</a:t>
             </a:r>
           </a:p>
           <a:p>
             <a:pPr lvl="3"/>
             <a:r>
-              <a:rPr kumimoji="1" lang="zh-CN" altLang="en-US" smtClean="0"/>
+              <a:rPr kumimoji="1" lang="zh-CN" altLang="en-US"/>
               <a:t>四级</a:t>
             </a:r>
           </a:p>
           <a:p>
             <a:pPr lvl="4"/>
             <a:r>
-              <a:rPr kumimoji="1" lang="zh-CN" altLang="en-US" smtClean="0"/>
+              <a:rPr kumimoji="1" lang="zh-CN" altLang="en-US"/>
               <a:t>五级</a:t>
             </a:r>
-            <a:endParaRPr kumimoji="1" lang="zh-CN" altLang="en-US"/>
           </a:p>
         </p:txBody>
       </p:sp>
@@ -2036,7 +2566,7 @@
           <a:p>
             <a:pPr lvl="0"/>
             <a:r>
-              <a:rPr kumimoji="1" lang="zh-CN" altLang="en-US" smtClean="0"/>
+              <a:rPr kumimoji="1" lang="zh-CN" altLang="en-US"/>
               <a:t>单击此处编辑母版文本样式</a:t>
             </a:r>
           </a:p>
@@ -2064,38 +2594,37 @@
           <a:p>
             <a:pPr lvl="0"/>
             <a:r>
-              <a:rPr kumimoji="1" lang="zh-CN" altLang="en-US" smtClean="0"/>
+              <a:rPr kumimoji="1" lang="zh-CN" altLang="en-US"/>
               <a:t>单击此处编辑母版文本样式</a:t>
             </a:r>
           </a:p>
           <a:p>
             <a:pPr lvl="1"/>
             <a:r>
-              <a:rPr kumimoji="1" lang="zh-CN" altLang="en-US" smtClean="0"/>
+              <a:rPr kumimoji="1" lang="zh-CN" altLang="en-US"/>
               <a:t>二级</a:t>
             </a:r>
           </a:p>
           <a:p>
             <a:pPr lvl="2"/>
             <a:r>
-              <a:rPr kumimoji="1" lang="zh-CN" altLang="en-US" smtClean="0"/>
+              <a:rPr kumimoji="1" lang="zh-CN" altLang="en-US"/>
               <a:t>三级</a:t>
             </a:r>
           </a:p>
           <a:p>
             <a:pPr lvl="3"/>
             <a:r>
-              <a:rPr kumimoji="1" lang="zh-CN" altLang="en-US" smtClean="0"/>
+              <a:rPr kumimoji="1" lang="zh-CN" altLang="en-US"/>
               <a:t>四级</a:t>
             </a:r>
           </a:p>
           <a:p>
             <a:pPr lvl="4"/>
             <a:r>
-              <a:rPr kumimoji="1" lang="zh-CN" altLang="en-US" smtClean="0"/>
+              <a:rPr kumimoji="1" lang="zh-CN" altLang="en-US"/>
               <a:t>五级</a:t>
             </a:r>
-            <a:endParaRPr kumimoji="1" lang="zh-CN" altLang="en-US"/>
           </a:p>
         </p:txBody>
       </p:sp>
@@ -2116,7 +2645,7 @@
           <a:p>
             <a:fld id="{DFBE7E61-7ADC-8E40-B84F-DCBE86CA3E63}" type="datetimeFigureOut">
               <a:rPr kumimoji="1" lang="zh-CN" altLang="en-US" smtClean="0"/>
-              <a:t>2017/9/10</a:t>
+              <a:t>2017/9/11</a:t>
             </a:fld>
             <a:endParaRPr kumimoji="1" lang="zh-CN" altLang="en-US"/>
           </a:p>
@@ -2210,10 +2739,9 @@
           <a:lstStyle/>
           <a:p>
             <a:r>
-              <a:rPr kumimoji="1" lang="zh-CN" altLang="en-US" smtClean="0"/>
+              <a:rPr kumimoji="1" lang="zh-CN" altLang="en-US"/>
               <a:t>单击此处编辑母版标题样式</a:t>
             </a:r>
-            <a:endParaRPr kumimoji="1" lang="zh-CN" altLang="en-US"/>
           </a:p>
         </p:txBody>
       </p:sp>
@@ -2234,7 +2762,7 @@
           <a:p>
             <a:fld id="{DFBE7E61-7ADC-8E40-B84F-DCBE86CA3E63}" type="datetimeFigureOut">
               <a:rPr kumimoji="1" lang="zh-CN" altLang="en-US" smtClean="0"/>
-              <a:t>2017/9/10</a:t>
+              <a:t>2017/9/11</a:t>
             </a:fld>
             <a:endParaRPr kumimoji="1" lang="zh-CN" altLang="en-US"/>
           </a:p>
@@ -2329,7 +2857,7 @@
           <a:p>
             <a:fld id="{DFBE7E61-7ADC-8E40-B84F-DCBE86CA3E63}" type="datetimeFigureOut">
               <a:rPr kumimoji="1" lang="zh-CN" altLang="en-US" smtClean="0"/>
-              <a:t>2017/9/10</a:t>
+              <a:t>2017/9/11</a:t>
             </a:fld>
             <a:endParaRPr kumimoji="1" lang="zh-CN" altLang="en-US"/>
           </a:p>
@@ -2432,10 +2960,9 @@
           </a:lstStyle>
           <a:p>
             <a:r>
-              <a:rPr kumimoji="1" lang="zh-CN" altLang="en-US" smtClean="0"/>
+              <a:rPr kumimoji="1" lang="zh-CN" altLang="en-US"/>
               <a:t>单击此处编辑母版标题样式</a:t>
             </a:r>
-            <a:endParaRPr kumimoji="1" lang="zh-CN" altLang="en-US"/>
           </a:p>
         </p:txBody>
       </p:sp>
@@ -2489,38 +3016,37 @@
           <a:p>
             <a:pPr lvl="0"/>
             <a:r>
-              <a:rPr kumimoji="1" lang="zh-CN" altLang="en-US" smtClean="0"/>
+              <a:rPr kumimoji="1" lang="zh-CN" altLang="en-US"/>
               <a:t>单击此处编辑母版文本样式</a:t>
             </a:r>
           </a:p>
           <a:p>
             <a:pPr lvl="1"/>
             <a:r>
-              <a:rPr kumimoji="1" lang="zh-CN" altLang="en-US" smtClean="0"/>
+              <a:rPr kumimoji="1" lang="zh-CN" altLang="en-US"/>
               <a:t>二级</a:t>
             </a:r>
           </a:p>
           <a:p>
             <a:pPr lvl="2"/>
             <a:r>
-              <a:rPr kumimoji="1" lang="zh-CN" altLang="en-US" smtClean="0"/>
+              <a:rPr kumimoji="1" lang="zh-CN" altLang="en-US"/>
               <a:t>三级</a:t>
             </a:r>
           </a:p>
           <a:p>
             <a:pPr lvl="3"/>
             <a:r>
-              <a:rPr kumimoji="1" lang="zh-CN" altLang="en-US" smtClean="0"/>
+              <a:rPr kumimoji="1" lang="zh-CN" altLang="en-US"/>
               <a:t>四级</a:t>
             </a:r>
           </a:p>
           <a:p>
             <a:pPr lvl="4"/>
             <a:r>
-              <a:rPr kumimoji="1" lang="zh-CN" altLang="en-US" smtClean="0"/>
+              <a:rPr kumimoji="1" lang="zh-CN" altLang="en-US"/>
               <a:t>五级</a:t>
             </a:r>
-            <a:endParaRPr kumimoji="1" lang="zh-CN" altLang="en-US"/>
           </a:p>
         </p:txBody>
       </p:sp>
@@ -2583,7 +3109,7 @@
           <a:p>
             <a:pPr lvl="0"/>
             <a:r>
-              <a:rPr kumimoji="1" lang="zh-CN" altLang="en-US" smtClean="0"/>
+              <a:rPr kumimoji="1" lang="zh-CN" altLang="en-US"/>
               <a:t>单击此处编辑母版文本样式</a:t>
             </a:r>
           </a:p>
@@ -2606,7 +3132,7 @@
           <a:p>
             <a:fld id="{DFBE7E61-7ADC-8E40-B84F-DCBE86CA3E63}" type="datetimeFigureOut">
               <a:rPr kumimoji="1" lang="zh-CN" altLang="en-US" smtClean="0"/>
-              <a:t>2017/9/10</a:t>
+              <a:t>2017/9/11</a:t>
             </a:fld>
             <a:endParaRPr kumimoji="1" lang="zh-CN" altLang="en-US"/>
           </a:p>
@@ -2709,10 +3235,9 @@
           </a:lstStyle>
           <a:p>
             <a:r>
-              <a:rPr kumimoji="1" lang="zh-CN" altLang="en-US" smtClean="0"/>
+              <a:rPr kumimoji="1" lang="zh-CN" altLang="en-US"/>
               <a:t>单击此处编辑母版标题样式</a:t>
             </a:r>
-            <a:endParaRPr kumimoji="1" lang="zh-CN" altLang="en-US"/>
           </a:p>
         </p:txBody>
       </p:sp>
@@ -2836,7 +3361,7 @@
           <a:p>
             <a:pPr lvl="0"/>
             <a:r>
-              <a:rPr kumimoji="1" lang="zh-CN" altLang="en-US" smtClean="0"/>
+              <a:rPr kumimoji="1" lang="zh-CN" altLang="en-US"/>
               <a:t>单击此处编辑母版文本样式</a:t>
             </a:r>
           </a:p>
@@ -2859,7 +3384,7 @@
           <a:p>
             <a:fld id="{DFBE7E61-7ADC-8E40-B84F-DCBE86CA3E63}" type="datetimeFigureOut">
               <a:rPr kumimoji="1" lang="zh-CN" altLang="en-US" smtClean="0"/>
-              <a:t>2017/9/10</a:t>
+              <a:t>2017/9/11</a:t>
             </a:fld>
             <a:endParaRPr kumimoji="1" lang="zh-CN" altLang="en-US"/>
           </a:p>
@@ -2973,10 +3498,9 @@
           <a:lstStyle/>
           <a:p>
             <a:r>
-              <a:rPr kumimoji="1" lang="zh-CN" altLang="en-US" smtClean="0"/>
+              <a:rPr kumimoji="1" lang="zh-CN" altLang="en-US"/>
               <a:t>单击此处编辑母版标题样式</a:t>
             </a:r>
-            <a:endParaRPr kumimoji="1" lang="zh-CN" altLang="en-US"/>
           </a:p>
         </p:txBody>
       </p:sp>
@@ -3007,38 +3531,37 @@
           <a:p>
             <a:pPr lvl="0"/>
             <a:r>
-              <a:rPr kumimoji="1" lang="zh-CN" altLang="en-US" smtClean="0"/>
+              <a:rPr kumimoji="1" lang="zh-CN" altLang="en-US"/>
               <a:t>单击此处编辑母版文本样式</a:t>
             </a:r>
           </a:p>
           <a:p>
             <a:pPr lvl="1"/>
             <a:r>
-              <a:rPr kumimoji="1" lang="zh-CN" altLang="en-US" smtClean="0"/>
+              <a:rPr kumimoji="1" lang="zh-CN" altLang="en-US"/>
               <a:t>二级</a:t>
             </a:r>
           </a:p>
           <a:p>
             <a:pPr lvl="2"/>
             <a:r>
-              <a:rPr kumimoji="1" lang="zh-CN" altLang="en-US" smtClean="0"/>
+              <a:rPr kumimoji="1" lang="zh-CN" altLang="en-US"/>
               <a:t>三级</a:t>
             </a:r>
           </a:p>
           <a:p>
             <a:pPr lvl="3"/>
             <a:r>
-              <a:rPr kumimoji="1" lang="zh-CN" altLang="en-US" smtClean="0"/>
+              <a:rPr kumimoji="1" lang="zh-CN" altLang="en-US"/>
               <a:t>四级</a:t>
             </a:r>
           </a:p>
           <a:p>
             <a:pPr lvl="4"/>
             <a:r>
-              <a:rPr kumimoji="1" lang="zh-CN" altLang="en-US" smtClean="0"/>
+              <a:rPr kumimoji="1" lang="zh-CN" altLang="en-US"/>
               <a:t>五级</a:t>
             </a:r>
-            <a:endParaRPr kumimoji="1" lang="zh-CN" altLang="en-US"/>
           </a:p>
         </p:txBody>
       </p:sp>
@@ -3077,7 +3600,7 @@
           <a:p>
             <a:fld id="{DFBE7E61-7ADC-8E40-B84F-DCBE86CA3E63}" type="datetimeFigureOut">
               <a:rPr kumimoji="1" lang="zh-CN" altLang="en-US" smtClean="0"/>
-              <a:t>2017/9/10</a:t>
+              <a:t>2017/9/11</a:t>
             </a:fld>
             <a:endParaRPr kumimoji="1" lang="zh-CN" altLang="en-US"/>
           </a:p>
@@ -3468,6 +3991,14 @@
 <file path=ppt/slides/slide1.xml><?xml version="1.0" encoding="utf-8"?>
 <p:sld xmlns:a="http://schemas.openxmlformats.org/drawingml/2006/main" xmlns:r="http://schemas.openxmlformats.org/officeDocument/2006/relationships" xmlns:p="http://schemas.openxmlformats.org/presentationml/2006/main">
   <p:cSld>
+    <p:bg>
+      <p:bgPr>
+        <a:solidFill>
+          <a:schemeClr val="bg1"/>
+        </a:solidFill>
+        <a:effectLst/>
+      </p:bgPr>
+    </p:bg>
     <p:spTree>
       <p:nvGrpSpPr>
         <p:cNvPr id="1" name=""/>
@@ -3554,7 +4085,7 @@
           <a:p>
             <a:pPr algn="l"/>
             <a:r>
-              <a:rPr kumimoji="1" lang="en-US" altLang="zh-CN" sz="5400" dirty="0" smtClean="0">
+              <a:rPr kumimoji="1" lang="en-US" altLang="zh-CN" sz="5400" dirty="0">
                 <a:solidFill>
                   <a:schemeClr val="tx1">
                     <a:lumMod val="75000"/>
@@ -3568,7 +4099,7 @@
               <a:t>Microsoft</a:t>
             </a:r>
             <a:r>
-              <a:rPr kumimoji="1" lang="zh-CN" altLang="en-US" sz="5400" dirty="0" smtClean="0">
+              <a:rPr kumimoji="1" lang="zh-CN" altLang="en-US" sz="5400" dirty="0">
                 <a:solidFill>
                   <a:schemeClr val="tx1">
                     <a:lumMod val="75000"/>
@@ -3593,24 +4124,10 @@
                 <a:ea typeface="Century Gothic" charset="0"/>
                 <a:cs typeface="Century Gothic" charset="0"/>
               </a:rPr>
-              <a:t> </a:t>
-            </a:r>
-            <a:r>
-              <a:rPr kumimoji="1" lang="en-US" altLang="zh-CN" sz="6700" dirty="0" smtClean="0">
-                <a:solidFill>
-                  <a:schemeClr val="tx1">
-                    <a:lumMod val="75000"/>
-                    <a:lumOff val="25000"/>
-                  </a:schemeClr>
-                </a:solidFill>
-                <a:latin typeface="Century Gothic" charset="0"/>
-                <a:ea typeface="Century Gothic" charset="0"/>
-                <a:cs typeface="Century Gothic" charset="0"/>
-              </a:rPr>
-              <a:t>  </a:t>
-            </a:r>
-            <a:r>
-              <a:rPr kumimoji="1" lang="en-US" altLang="zh-CN" sz="5400" dirty="0" err="1" smtClean="0">
+              <a:t>   </a:t>
+            </a:r>
+            <a:r>
+              <a:rPr kumimoji="1" lang="en-US" altLang="zh-CN" sz="5400" dirty="0" err="1">
                 <a:solidFill>
                   <a:schemeClr val="tx1">
                     <a:lumMod val="75000"/>
@@ -3624,7 +4141,7 @@
               <a:t>dvocate</a:t>
             </a:r>
             <a:r>
-              <a:rPr kumimoji="1" lang="zh-CN" altLang="en-US" sz="5400" dirty="0" smtClean="0">
+              <a:rPr kumimoji="1" lang="zh-CN" altLang="en-US" sz="5400" dirty="0">
                 <a:solidFill>
                   <a:schemeClr val="tx1">
                     <a:lumMod val="75000"/>
@@ -3649,24 +4166,10 @@
                 <a:ea typeface="Century Gothic" charset="0"/>
                 <a:cs typeface="Century Gothic" charset="0"/>
               </a:rPr>
-              <a:t> </a:t>
-            </a:r>
-            <a:r>
-              <a:rPr kumimoji="1" lang="en-US" altLang="zh-CN" sz="6700" dirty="0" smtClean="0">
-                <a:solidFill>
-                  <a:schemeClr val="tx1">
-                    <a:lumMod val="75000"/>
-                    <a:lumOff val="25000"/>
-                  </a:schemeClr>
-                </a:solidFill>
-                <a:latin typeface="Century Gothic" charset="0"/>
-                <a:ea typeface="Century Gothic" charset="0"/>
-                <a:cs typeface="Century Gothic" charset="0"/>
-              </a:rPr>
-              <a:t>  </a:t>
-            </a:r>
-            <a:r>
-              <a:rPr kumimoji="1" lang="en-US" altLang="zh-CN" sz="5400" dirty="0" err="1" smtClean="0">
+              <a:t>   </a:t>
+            </a:r>
+            <a:r>
+              <a:rPr kumimoji="1" lang="en-US" altLang="zh-CN" sz="5400" dirty="0" err="1">
                 <a:solidFill>
                   <a:schemeClr val="tx1">
                     <a:lumMod val="75000"/>
@@ -3736,7 +4239,7 @@
           <a:p>
             <a:pPr algn="l"/>
             <a:r>
-              <a:rPr kumimoji="1" lang="en-US" altLang="zh-CN" sz="1800" i="1" dirty="0" smtClean="0">
+              <a:rPr kumimoji="1" lang="en-US" altLang="zh-CN" sz="1800" i="1" dirty="0">
                 <a:solidFill>
                   <a:schemeClr val="bg1"/>
                 </a:solidFill>
@@ -3750,7 +4253,7 @@
           <a:p>
             <a:pPr algn="l"/>
             <a:r>
-              <a:rPr kumimoji="1" lang="en-US" altLang="zh-CN" sz="1800" i="1" dirty="0" smtClean="0">
+              <a:rPr kumimoji="1" lang="en-US" altLang="zh-CN" sz="1800" i="1" dirty="0">
                 <a:solidFill>
                   <a:schemeClr val="bg1"/>
                 </a:solidFill>
@@ -3793,7 +4296,7 @@
           <a:lstStyle/>
           <a:p>
             <a:r>
-              <a:rPr kumimoji="1" lang="en-US" altLang="zh-CN" sz="6000" b="1" dirty="0" smtClean="0">
+              <a:rPr kumimoji="1" lang="en-US" altLang="zh-CN" sz="6000" b="1" dirty="0">
                 <a:solidFill>
                   <a:schemeClr val="tx1">
                     <a:lumMod val="75000"/>
@@ -3839,7 +4342,7 @@
           <a:lstStyle/>
           <a:p>
             <a:r>
-              <a:rPr kumimoji="1" lang="en-US" altLang="zh-CN" sz="6000" b="1" dirty="0" smtClean="0">
+              <a:rPr kumimoji="1" lang="en-US" altLang="zh-CN" sz="6000" b="1" dirty="0">
                 <a:solidFill>
                   <a:schemeClr val="tx1">
                     <a:lumMod val="75000"/>
@@ -3872,7 +4375,7 @@
           <p:nvPr/>
         </p:nvPicPr>
         <p:blipFill>
-          <a:blip r:embed="rId2">
+          <a:blip r:embed="rId3">
             <a:extLst>
               <a:ext uri="{28A0092B-C50C-407E-A947-70E740481C1C}">
                 <a14:useLocalDpi xmlns:a14="http://schemas.microsoft.com/office/drawing/2010/main" val="0"/>
@@ -3956,7 +4459,7 @@
               <a:t>{ </a:t>
             </a:r>
             <a:r>
-              <a:rPr lang="zh-CN" altLang="en-US" sz="2800" b="1" dirty="0" smtClean="0">
+              <a:rPr lang="zh-CN" altLang="en-US" sz="2800" b="1" dirty="0">
                 <a:solidFill>
                   <a:schemeClr val="bg1"/>
                 </a:solidFill>
@@ -3965,7 +4468,7 @@
               <a:t>    </a:t>
             </a:r>
             <a:r>
-              <a:rPr lang="en-US" altLang="zh-CN" sz="2800" b="1" dirty="0" smtClean="0">
+              <a:rPr lang="en-US" altLang="zh-CN" sz="2800" b="1" dirty="0">
                 <a:solidFill>
                   <a:schemeClr val="bg1"/>
                 </a:solidFill>
@@ -3974,7 +4477,7 @@
               <a:t> </a:t>
             </a:r>
             <a:r>
-              <a:rPr lang="zh-CN" altLang="en-US" sz="2800" b="1" dirty="0" smtClean="0">
+              <a:rPr lang="zh-CN" altLang="en-US" sz="2800" b="1" dirty="0">
                 <a:solidFill>
                   <a:schemeClr val="bg1"/>
                 </a:solidFill>
@@ -3983,7 +4486,7 @@
               <a:t> </a:t>
             </a:r>
             <a:r>
-              <a:rPr lang="en-US" altLang="zh-CN" sz="2800" b="1" dirty="0" smtClean="0">
+              <a:rPr lang="en-US" altLang="zh-CN" sz="2800" b="1" dirty="0">
                 <a:solidFill>
                   <a:schemeClr val="bg1"/>
                 </a:solidFill>
@@ -4303,7 +4806,7 @@
           <a:p>
             <a:pPr algn="l"/>
             <a:r>
-              <a:rPr kumimoji="1" lang="en-US" altLang="zh-CN" sz="2800" i="1" dirty="0" smtClean="0">
+              <a:rPr kumimoji="1" lang="en-US" altLang="zh-CN" sz="2800" i="1" dirty="0">
                 <a:solidFill>
                   <a:schemeClr val="tx1">
                     <a:lumMod val="75000"/>
@@ -4315,34 +4818,6 @@
                 <a:cs typeface="Century Gothic" charset="0"/>
               </a:rPr>
               <a:t>APEX</a:t>
-            </a:r>
-            <a:r>
-              <a:rPr kumimoji="1" lang="zh-CN" altLang="en-US" sz="2800" i="1" dirty="0" smtClean="0">
-                <a:solidFill>
-                  <a:schemeClr val="tx1">
-                    <a:lumMod val="75000"/>
-                    <a:lumOff val="25000"/>
-                  </a:schemeClr>
-                </a:solidFill>
-                <a:latin typeface="Century Gothic" charset="0"/>
-                <a:ea typeface="Century Gothic" charset="0"/>
-                <a:cs typeface="Century Gothic" charset="0"/>
-              </a:rPr>
-              <a:t> </a:t>
-            </a:r>
-            <a:r>
-              <a:rPr kumimoji="1" lang="en-US" altLang="zh-CN" sz="2800" i="1" dirty="0" smtClean="0">
-                <a:solidFill>
-                  <a:schemeClr val="tx1">
-                    <a:lumMod val="75000"/>
-                    <a:lumOff val="25000"/>
-                  </a:schemeClr>
-                </a:solidFill>
-                <a:latin typeface="Century Gothic" charset="0"/>
-                <a:ea typeface="Century Gothic" charset="0"/>
-                <a:cs typeface="Century Gothic" charset="0"/>
-              </a:rPr>
-              <a:t>Innovation</a:t>
             </a:r>
             <a:r>
               <a:rPr kumimoji="1" lang="zh-CN" altLang="en-US" sz="2800" i="1" dirty="0">
@@ -4359,7 +4834,35 @@
               <a:t> </a:t>
             </a:r>
             <a:r>
-              <a:rPr kumimoji="1" lang="en-US" altLang="zh-CN" sz="2800" i="1" dirty="0" smtClean="0">
+              <a:rPr kumimoji="1" lang="en-US" altLang="zh-CN" sz="2800" i="1" dirty="0">
+                <a:solidFill>
+                  <a:schemeClr val="tx1">
+                    <a:lumMod val="75000"/>
+                    <a:lumOff val="25000"/>
+                  </a:schemeClr>
+                </a:solidFill>
+                <a:latin typeface="Century Gothic" charset="0"/>
+                <a:ea typeface="Century Gothic" charset="0"/>
+                <a:cs typeface="Century Gothic" charset="0"/>
+              </a:rPr>
+              <a:t>Innovation</a:t>
+            </a:r>
+            <a:r>
+              <a:rPr kumimoji="1" lang="zh-CN" altLang="en-US" sz="2800" i="1" dirty="0">
+                <a:solidFill>
+                  <a:schemeClr val="tx1">
+                    <a:lumMod val="75000"/>
+                    <a:lumOff val="25000"/>
+                  </a:schemeClr>
+                </a:solidFill>
+                <a:latin typeface="Century Gothic" charset="0"/>
+                <a:ea typeface="Century Gothic" charset="0"/>
+                <a:cs typeface="Century Gothic" charset="0"/>
+              </a:rPr>
+              <a:t> </a:t>
+            </a:r>
+            <a:r>
+              <a:rPr kumimoji="1" lang="en-US" altLang="zh-CN" sz="2800" i="1" dirty="0">
                 <a:solidFill>
                   <a:schemeClr val="tx1">
                     <a:lumMod val="75000"/>
@@ -4429,7 +4932,7 @@
           <a:p>
             <a:pPr algn="l"/>
             <a:r>
-              <a:rPr kumimoji="1" lang="en-US" altLang="zh-CN" sz="1800" i="1" dirty="0" smtClean="0">
+              <a:rPr kumimoji="1" lang="en-US" altLang="zh-CN" sz="1800" i="1" dirty="0">
                 <a:solidFill>
                   <a:schemeClr val="bg1"/>
                 </a:solidFill>
@@ -4443,7 +4946,7 @@
           <a:p>
             <a:pPr algn="l"/>
             <a:r>
-              <a:rPr kumimoji="1" lang="en-US" altLang="zh-CN" sz="1800" i="1" dirty="0" smtClean="0">
+              <a:rPr kumimoji="1" lang="en-US" altLang="zh-CN" sz="1800" i="1" dirty="0">
                 <a:solidFill>
                   <a:schemeClr val="bg1"/>
                 </a:solidFill>
@@ -4499,7 +5002,7 @@
           <a:p>
             <a:pPr algn="l"/>
             <a:r>
-              <a:rPr kumimoji="1" lang="en-US" altLang="zh-CN" sz="1800" i="1" dirty="0" smtClean="0">
+              <a:rPr kumimoji="1" lang="en-US" altLang="zh-CN" sz="1800" i="1" dirty="0">
                 <a:solidFill>
                   <a:schemeClr val="bg1"/>
                 </a:solidFill>
@@ -4513,7 +5016,7 @@
           <a:p>
             <a:pPr algn="l"/>
             <a:r>
-              <a:rPr kumimoji="1" lang="en-US" altLang="zh-CN" sz="1800" i="1" dirty="0" smtClean="0">
+              <a:rPr kumimoji="1" lang="en-US" altLang="zh-CN" sz="1800" i="1" dirty="0">
                 <a:solidFill>
                   <a:schemeClr val="bg1"/>
                 </a:solidFill>
@@ -4535,7 +5038,7 @@
           <p:nvPr/>
         </p:nvPicPr>
         <p:blipFill>
-          <a:blip r:embed="rId3">
+          <a:blip r:embed="rId4">
             <a:extLst>
               <a:ext uri="{28A0092B-C50C-407E-A947-70E740481C1C}">
                 <a14:useLocalDpi xmlns:a14="http://schemas.microsoft.com/office/drawing/2010/main" val="0"/>
@@ -4565,7 +5068,7 @@
           <p:nvPr/>
         </p:nvPicPr>
         <p:blipFill>
-          <a:blip r:embed="rId4">
+          <a:blip r:embed="rId5">
             <a:extLst>
               <a:ext uri="{28A0092B-C50C-407E-A947-70E740481C1C}">
                 <a14:useLocalDpi xmlns:a14="http://schemas.microsoft.com/office/drawing/2010/main" val="0"/>
@@ -4595,7 +5098,7 @@
           <p:nvPr/>
         </p:nvPicPr>
         <p:blipFill>
-          <a:blip r:embed="rId5">
+          <a:blip r:embed="rId6">
             <a:extLst>
               <a:ext uri="{28A0092B-C50C-407E-A947-70E740481C1C}">
                 <a14:useLocalDpi xmlns:a14="http://schemas.microsoft.com/office/drawing/2010/main" val="0"/>
@@ -4760,7 +5263,7 @@
                                     <p:cond delay="300"/>
                                   </p:stCondLst>
                                   <p:childTnLst>
-                                    <p:animMotion origin="layout" path="M -0.00664 -0.00092 L 0.16341 -0.39143 " pathEditMode="relative" rAng="0" ptsTypes="AA">
+                                    <p:animMotion origin="layout" path="M -0.00664 0.00023 L 0.16341 -0.39143 " pathEditMode="relative" rAng="0" ptsTypes="AA">
                                       <p:cBhvr>
                                         <p:cTn id="15" dur="1000" fill="hold"/>
                                         <p:tgtEl>
@@ -4775,7 +5278,7 @@
                                           <p:attrName>ppt_y</p:attrName>
                                         </p:attrNameLst>
                                       </p:cBhvr>
-                                      <p:rCtr x="8503" y="-19537"/>
+                                      <p:rCtr x="8503" y="-19583"/>
                                     </p:animMotion>
                                   </p:childTnLst>
                                 </p:cTn>
@@ -5532,7 +6035,7 @@
       </p:grpSpPr>
       <p:sp>
         <p:nvSpPr>
-          <p:cNvPr id="21" name="标题 1"/>
+          <p:cNvPr id="24" name="标题 1"/>
           <p:cNvSpPr txBox="1">
             <a:spLocks/>
           </p:cNvSpPr>
@@ -5540,8 +6043,8 @@
         </p:nvSpPr>
         <p:spPr>
           <a:xfrm>
-            <a:off x="1162373" y="2389983"/>
-            <a:ext cx="3921070" cy="2682705"/>
+            <a:off x="7326822" y="2355527"/>
+            <a:ext cx="4110924" cy="2682705"/>
           </a:xfrm>
           <a:prstGeom prst="rect">
             <a:avLst/>
@@ -5579,7 +6082,200 @@
               <a:buChar char="•"/>
             </a:pPr>
             <a:r>
-              <a:rPr kumimoji="1" lang="en-US" altLang="zh-CN" sz="2400" i="1" dirty="0" smtClean="0">
+              <a:rPr kumimoji="1" lang="en-US" altLang="zh-CN" sz="2400" b="1" i="1" dirty="0">
+                <a:solidFill>
+                  <a:srgbClr val="FFFF00"/>
+                </a:solidFill>
+                <a:latin typeface="Century Gothic" charset="0"/>
+                <a:ea typeface="Century Gothic" charset="0"/>
+                <a:cs typeface="Century Gothic" charset="0"/>
+              </a:rPr>
+              <a:t>Totally</a:t>
+            </a:r>
+            <a:r>
+              <a:rPr kumimoji="1" lang="en-US" altLang="zh-CN" sz="2400" i="1" dirty="0">
+                <a:solidFill>
+                  <a:srgbClr val="FFFF00"/>
+                </a:solidFill>
+                <a:latin typeface="Century Gothic" charset="0"/>
+                <a:ea typeface="Century Gothic" charset="0"/>
+                <a:cs typeface="Century Gothic" charset="0"/>
+              </a:rPr>
+              <a:t> </a:t>
+            </a:r>
+            <a:r>
+              <a:rPr kumimoji="1" lang="en-US" altLang="zh-CN" sz="2400" i="1" dirty="0">
+                <a:solidFill>
+                  <a:schemeClr val="bg1"/>
+                </a:solidFill>
+                <a:latin typeface="Century Gothic" charset="0"/>
+                <a:ea typeface="Century Gothic" charset="0"/>
+                <a:cs typeface="Century Gothic" charset="0"/>
+              </a:rPr>
+              <a:t>communication-based</a:t>
+            </a:r>
+            <a:endParaRPr kumimoji="1" lang="zh-CN" altLang="en-US" sz="2400" i="1" dirty="0">
+              <a:solidFill>
+                <a:schemeClr val="bg1"/>
+              </a:solidFill>
+              <a:latin typeface="Century Gothic" charset="0"/>
+              <a:ea typeface="Century Gothic" charset="0"/>
+              <a:cs typeface="Century Gothic" charset="0"/>
+            </a:endParaRPr>
+          </a:p>
+          <a:p>
+            <a:pPr marL="342900" indent="-342900" algn="l">
+              <a:lnSpc>
+                <a:spcPct val="100000"/>
+              </a:lnSpc>
+              <a:buFont typeface="Arial" charset="0"/>
+              <a:buChar char="•"/>
+            </a:pPr>
+            <a:r>
+              <a:rPr kumimoji="1" lang="en-US" altLang="zh-CN" sz="2400" i="1" dirty="0">
+                <a:solidFill>
+                  <a:schemeClr val="bg1"/>
+                </a:solidFill>
+                <a:latin typeface="Century Gothic" charset="0"/>
+                <a:ea typeface="Century Gothic" charset="0"/>
+                <a:cs typeface="Century Gothic" charset="0"/>
+              </a:rPr>
+              <a:t>Can publish </a:t>
+            </a:r>
+            <a:r>
+              <a:rPr kumimoji="1" lang="en-US" altLang="zh-CN" sz="2400" b="1" i="1" dirty="0">
+                <a:solidFill>
+                  <a:srgbClr val="FFFF00"/>
+                </a:solidFill>
+                <a:latin typeface="Century Gothic" charset="0"/>
+                <a:ea typeface="Century Gothic" charset="0"/>
+                <a:cs typeface="Century Gothic" charset="0"/>
+              </a:rPr>
+              <a:t>all kinds of content</a:t>
+            </a:r>
+            <a:r>
+              <a:rPr kumimoji="1" lang="en-US" altLang="zh-CN" sz="2400" i="1" dirty="0">
+                <a:solidFill>
+                  <a:schemeClr val="bg1"/>
+                </a:solidFill>
+                <a:latin typeface="Century Gothic" charset="0"/>
+                <a:ea typeface="Century Gothic" charset="0"/>
+                <a:cs typeface="Century Gothic" charset="0"/>
+              </a:rPr>
+              <a:t> </a:t>
+            </a:r>
+            <a:r>
+              <a:rPr kumimoji="1" lang="en-US" altLang="zh-CN" sz="2400" b="1" i="1" dirty="0">
+                <a:solidFill>
+                  <a:srgbClr val="FFFF00"/>
+                </a:solidFill>
+                <a:latin typeface="Century Gothic" charset="0"/>
+                <a:ea typeface="Century Gothic" charset="0"/>
+                <a:cs typeface="Century Gothic" charset="0"/>
+              </a:rPr>
+              <a:t>in different ways</a:t>
+            </a:r>
+          </a:p>
+          <a:p>
+            <a:pPr marL="342900" indent="-342900" algn="l">
+              <a:lnSpc>
+                <a:spcPct val="100000"/>
+              </a:lnSpc>
+              <a:buFont typeface="Arial" charset="0"/>
+              <a:buChar char="•"/>
+            </a:pPr>
+            <a:r>
+              <a:rPr kumimoji="1" lang="en-US" altLang="zh-CN" sz="2400" i="1" dirty="0">
+                <a:solidFill>
+                  <a:schemeClr val="bg1"/>
+                </a:solidFill>
+                <a:latin typeface="Century Gothic" charset="0"/>
+                <a:ea typeface="Century Gothic" charset="0"/>
+                <a:cs typeface="Century Gothic" charset="0"/>
+              </a:rPr>
+              <a:t>Can subscribe developers’ own </a:t>
+            </a:r>
+            <a:r>
+              <a:rPr kumimoji="1" lang="en-US" altLang="zh-CN" sz="2400" b="1" i="1" dirty="0">
+                <a:solidFill>
+                  <a:srgbClr val="FFFF00"/>
+                </a:solidFill>
+                <a:latin typeface="Century Gothic" charset="0"/>
+                <a:ea typeface="Century Gothic" charset="0"/>
+                <a:cs typeface="Century Gothic" charset="0"/>
+              </a:rPr>
+              <a:t>interests techs</a:t>
+            </a:r>
+          </a:p>
+          <a:p>
+            <a:pPr marL="457200" indent="-457200" algn="l">
+              <a:lnSpc>
+                <a:spcPct val="100000"/>
+              </a:lnSpc>
+              <a:buFont typeface="Arial" charset="0"/>
+              <a:buChar char="•"/>
+            </a:pPr>
+            <a:endParaRPr kumimoji="1" lang="en-US" altLang="zh-CN" sz="2400" i="1" dirty="0">
+              <a:solidFill>
+                <a:schemeClr val="bg1"/>
+              </a:solidFill>
+              <a:latin typeface="Century Gothic" charset="0"/>
+              <a:ea typeface="Century Gothic" charset="0"/>
+              <a:cs typeface="Century Gothic" charset="0"/>
+            </a:endParaRPr>
+          </a:p>
+        </p:txBody>
+      </p:sp>
+      <p:sp>
+        <p:nvSpPr>
+          <p:cNvPr id="21" name="标题 1"/>
+          <p:cNvSpPr txBox="1">
+            <a:spLocks/>
+          </p:cNvSpPr>
+          <p:nvPr/>
+        </p:nvSpPr>
+        <p:spPr>
+          <a:xfrm>
+            <a:off x="976392" y="2110248"/>
+            <a:ext cx="3921071" cy="2682705"/>
+          </a:xfrm>
+          <a:prstGeom prst="rect">
+            <a:avLst/>
+          </a:prstGeom>
+        </p:spPr>
+        <p:txBody>
+          <a:bodyPr vert="horz" lIns="91440" tIns="45720" rIns="91440" bIns="45720" rtlCol="0" anchor="ctr">
+            <a:noAutofit/>
+          </a:bodyPr>
+          <a:lstStyle>
+            <a:lvl1pPr algn="ctr" defTabSz="914400" rtl="0" eaLnBrk="1" latinLnBrk="0" hangingPunct="1">
+              <a:lnSpc>
+                <a:spcPct val="90000"/>
+              </a:lnSpc>
+              <a:spcBef>
+                <a:spcPct val="0"/>
+              </a:spcBef>
+              <a:buNone/>
+              <a:defRPr sz="6000" kern="1200">
+                <a:solidFill>
+                  <a:schemeClr val="tx1"/>
+                </a:solidFill>
+                <a:latin typeface="+mj-lt"/>
+                <a:ea typeface="+mj-ea"/>
+                <a:cs typeface="+mj-cs"/>
+              </a:defRPr>
+            </a:lvl1pPr>
+          </a:lstStyle>
+          <a:p>
+            <a:pPr marL="342900" indent="-342900" algn="l">
+              <a:lnSpc>
+                <a:spcPct val="100000"/>
+              </a:lnSpc>
+              <a:buFont typeface="Arial" charset="0"/>
+              <a:buChar char="•"/>
+            </a:pPr>
+            <a:r>
+              <a:rPr kumimoji="1" lang="en-US" altLang="zh-CN" sz="2400" i="1" dirty="0">
                 <a:solidFill>
                   <a:schemeClr val="bg1"/>
                 </a:solidFill>
@@ -5590,7 +6286,7 @@
               <a:t>Lack of </a:t>
             </a:r>
             <a:r>
-              <a:rPr kumimoji="1" lang="en-US" altLang="zh-CN" sz="2400" b="1" i="1" dirty="0" smtClean="0">
+              <a:rPr kumimoji="1" lang="en-US" altLang="zh-CN" sz="2400" b="1" i="1" dirty="0">
                 <a:solidFill>
                   <a:srgbClr val="FFFF00"/>
                 </a:solidFill>
@@ -5600,7 +6296,7 @@
               </a:rPr>
               <a:t>communication</a:t>
             </a:r>
-            <a:endParaRPr kumimoji="1" lang="zh-CN" altLang="en-US" sz="2400" b="1" i="1" dirty="0" smtClean="0">
+            <a:endParaRPr kumimoji="1" lang="zh-CN" altLang="en-US" sz="2400" b="1" i="1" dirty="0">
               <a:solidFill>
                 <a:srgbClr val="FFFF00"/>
               </a:solidFill>
@@ -5618,18 +6314,7 @@
               <a:buChar char="•"/>
             </a:pPr>
             <a:r>
-              <a:rPr kumimoji="1" lang="en-US" altLang="zh-CN" sz="2400" i="1" dirty="0" smtClean="0">
-                <a:solidFill>
-                  <a:schemeClr val="bg1"/>
-                </a:solidFill>
-                <a:latin typeface="Century Gothic" charset="0"/>
-                <a:ea typeface="Century Gothic" charset="0"/>
-                <a:cs typeface="Century Gothic" charset="0"/>
-              </a:rPr>
-              <a:t>Need to be </a:t>
-            </a:r>
-            <a:r>
-              <a:rPr kumimoji="1" lang="en-US" altLang="zh-CN" sz="2400" b="1" i="1" dirty="0" smtClean="0">
+              <a:rPr kumimoji="1" lang="en-US" altLang="zh-CN" sz="2400" b="1" i="1" dirty="0">
                 <a:solidFill>
                   <a:srgbClr val="FFFF00"/>
                 </a:solidFill>
@@ -5637,7 +6322,7 @@
                 <a:ea typeface="Century Gothic" charset="0"/>
                 <a:cs typeface="Century Gothic" charset="0"/>
               </a:rPr>
-              <a:t>accurate and formal</a:t>
+              <a:t>Accurate and formal</a:t>
             </a:r>
           </a:p>
           <a:p>
@@ -5649,7 +6334,7 @@
               <a:buChar char="•"/>
             </a:pPr>
             <a:r>
-              <a:rPr kumimoji="1" lang="en-US" altLang="zh-CN" sz="2400" i="1" dirty="0" smtClean="0">
+              <a:rPr kumimoji="1" lang="en-US" altLang="zh-CN" sz="2400" i="1" dirty="0">
                 <a:solidFill>
                   <a:schemeClr val="bg1"/>
                 </a:solidFill>
@@ -5660,7 +6345,7 @@
               <a:t>Hard to find </a:t>
             </a:r>
             <a:r>
-              <a:rPr kumimoji="1" lang="en-US" altLang="zh-CN" sz="2400" b="1" i="1" dirty="0" smtClean="0">
+              <a:rPr kumimoji="1" lang="en-US" altLang="zh-CN" sz="2400" b="1" i="1" dirty="0">
                 <a:solidFill>
                   <a:srgbClr val="FFFF00"/>
                 </a:solidFill>
@@ -5680,7 +6365,7 @@
               <a:buChar char="•"/>
             </a:pPr>
             <a:r>
-              <a:rPr kumimoji="1" lang="en-US" altLang="zh-CN" sz="2400" i="1" dirty="0" smtClean="0">
+              <a:rPr kumimoji="1" lang="en-US" altLang="zh-CN" sz="2400" i="1" dirty="0">
                 <a:solidFill>
                   <a:schemeClr val="bg1"/>
                 </a:solidFill>
@@ -5691,7 +6376,7 @@
               <a:t>Hard to follow </a:t>
             </a:r>
             <a:r>
-              <a:rPr kumimoji="1" lang="en-US" altLang="zh-CN" sz="2400" b="1" i="1" dirty="0" smtClean="0">
+              <a:rPr kumimoji="1" lang="en-US" altLang="zh-CN" sz="2400" b="1" i="1" dirty="0">
                 <a:solidFill>
                   <a:srgbClr val="FFFF00"/>
                 </a:solidFill>
@@ -5710,7 +6395,7 @@
               <a:buFont typeface="Arial" charset="0"/>
               <a:buChar char="•"/>
             </a:pPr>
-            <a:endParaRPr kumimoji="1" lang="en-US" altLang="zh-CN" sz="2400" i="1" dirty="0" smtClean="0">
+            <a:endParaRPr kumimoji="1" lang="en-US" altLang="zh-CN" sz="2400" i="1" dirty="0">
               <a:solidFill>
                 <a:schemeClr val="bg1"/>
               </a:solidFill>
@@ -5729,7 +6414,7 @@
         </p:nvGrpSpPr>
         <p:grpSpPr>
           <a:xfrm>
-            <a:off x="4204464" y="285332"/>
+            <a:off x="4090164" y="285332"/>
             <a:ext cx="4164624" cy="552750"/>
             <a:chOff x="4018483" y="238837"/>
             <a:chExt cx="4164624" cy="552750"/>
@@ -5789,7 +6474,7 @@
                 <a:t>{ </a:t>
               </a:r>
               <a:r>
-                <a:rPr lang="en-US" altLang="zh-CN" sz="3200" dirty="0" smtClean="0">
+                <a:rPr lang="en-US" altLang="zh-CN" sz="3200" dirty="0">
                   <a:solidFill>
                     <a:schemeClr val="bg1"/>
                   </a:solidFill>
@@ -5800,7 +6485,7 @@
                 <a:t>AH</a:t>
               </a:r>
               <a:r>
-                <a:rPr lang="zh-CN" altLang="en-US" sz="2800" dirty="0" smtClean="0">
+                <a:rPr lang="zh-CN" altLang="en-US" sz="2800" dirty="0">
                   <a:solidFill>
                     <a:schemeClr val="bg1"/>
                   </a:solidFill>
@@ -5811,7 +6496,7 @@
                 <a:t> </a:t>
               </a:r>
               <a:r>
-                <a:rPr lang="en-US" altLang="zh-CN" sz="2800" dirty="0" smtClean="0">
+                <a:rPr lang="en-US" altLang="zh-CN" sz="2800" dirty="0">
                   <a:solidFill>
                     <a:schemeClr val="bg1"/>
                   </a:solidFill>
@@ -5822,7 +6507,7 @@
                 <a:t>} ·</a:t>
               </a:r>
               <a:r>
-                <a:rPr lang="zh-CN" altLang="en-US" sz="2800" dirty="0" smtClean="0">
+                <a:rPr lang="zh-CN" altLang="en-US" sz="2800" dirty="0">
                   <a:solidFill>
                     <a:schemeClr val="bg1"/>
                   </a:solidFill>
@@ -5833,7 +6518,7 @@
                 <a:t> </a:t>
               </a:r>
               <a:r>
-                <a:rPr lang="en-US" altLang="zh-CN" sz="2800" dirty="0" smtClean="0">
+                <a:rPr lang="en-US" altLang="zh-CN" sz="2800" dirty="0">
                   <a:solidFill>
                     <a:schemeClr val="bg1"/>
                   </a:solidFill>
@@ -5934,7 +6619,7 @@
           <a:p>
             <a:pPr algn="ctr"/>
             <a:r>
-              <a:rPr kumimoji="1" lang="en-US" altLang="zh-CN" sz="2400" i="1" dirty="0" smtClean="0">
+              <a:rPr kumimoji="1" lang="en-US" altLang="zh-CN" sz="2400" i="1" dirty="0">
                 <a:solidFill>
                   <a:schemeClr val="accent1">
                     <a:lumMod val="75000"/>
@@ -6002,7 +6687,7 @@
           <a:p>
             <a:pPr algn="ctr"/>
             <a:r>
-              <a:rPr kumimoji="1" lang="en-US" altLang="zh-CN" sz="2000" dirty="0" smtClean="0">
+              <a:rPr kumimoji="1" lang="en-US" altLang="zh-CN" sz="2000" dirty="0">
                 <a:solidFill>
                   <a:schemeClr val="accent1">
                     <a:lumMod val="75000"/>
@@ -6015,7 +6700,7 @@
               <a:t>Social</a:t>
             </a:r>
             <a:r>
-              <a:rPr kumimoji="1" lang="zh-CN" altLang="en-US" sz="2000" dirty="0" smtClean="0">
+              <a:rPr kumimoji="1" lang="zh-CN" altLang="en-US" sz="2000" dirty="0">
                 <a:solidFill>
                   <a:schemeClr val="accent1">
                     <a:lumMod val="75000"/>
@@ -6028,7 +6713,7 @@
               <a:t> </a:t>
             </a:r>
             <a:r>
-              <a:rPr kumimoji="1" lang="en-US" altLang="zh-CN" sz="2000" dirty="0" smtClean="0">
+              <a:rPr kumimoji="1" lang="en-US" altLang="zh-CN" sz="2000" dirty="0">
                 <a:solidFill>
                   <a:schemeClr val="accent1">
                     <a:lumMod val="75000"/>
@@ -6096,7 +6781,7 @@
           <a:p>
             <a:pPr algn="ctr"/>
             <a:r>
-              <a:rPr kumimoji="1" lang="en-US" altLang="zh-CN" sz="2000" dirty="0" smtClean="0">
+              <a:rPr kumimoji="1" lang="en-US" altLang="zh-CN" sz="2000" dirty="0">
                 <a:solidFill>
                   <a:schemeClr val="accent1">
                     <a:lumMod val="75000"/>
@@ -6106,7 +6791,7 @@
                 <a:ea typeface="Century Gothic" charset="0"/>
                 <a:cs typeface="Century Gothic" charset="0"/>
               </a:rPr>
-              <a:t>Webinar</a:t>
+              <a:t>Webinars</a:t>
             </a:r>
             <a:endParaRPr kumimoji="1" lang="zh-CN" altLang="en-US" sz="2000" dirty="0">
               <a:solidFill>
@@ -6164,7 +6849,7 @@
           <a:p>
             <a:pPr algn="ctr"/>
             <a:r>
-              <a:rPr kumimoji="1" lang="en-US" altLang="zh-CN" sz="2000" smtClean="0">
+              <a:rPr kumimoji="1" lang="en-US" altLang="zh-CN" sz="2000">
                 <a:solidFill>
                   <a:schemeClr val="accent1">
                     <a:lumMod val="75000"/>
@@ -6232,7 +6917,7 @@
           <a:p>
             <a:pPr algn="ctr"/>
             <a:r>
-              <a:rPr kumimoji="1" lang="en-US" altLang="zh-CN" sz="2000" dirty="0" smtClean="0">
+              <a:rPr kumimoji="1" lang="en-US" altLang="zh-CN" sz="2000" dirty="0">
                 <a:solidFill>
                   <a:schemeClr val="accent1">
                     <a:lumMod val="75000"/>
@@ -6242,10 +6927,13 @@
                 <a:ea typeface="Century Gothic" charset="0"/>
                 <a:cs typeface="Century Gothic" charset="0"/>
               </a:rPr>
-              <a:t>3</a:t>
-            </a:r>
-            <a:r>
-              <a:rPr kumimoji="1" lang="en-US" altLang="zh-CN" sz="2000" baseline="30000" dirty="0" smtClean="0">
+              <a:t>Events&amp;</a:t>
+            </a:r>
+          </a:p>
+          <a:p>
+            <a:pPr algn="ctr"/>
+            <a:r>
+              <a:rPr kumimoji="1" lang="en-US" altLang="zh-CN" sz="2000" dirty="0">
                 <a:solidFill>
                   <a:schemeClr val="accent1">
                     <a:lumMod val="75000"/>
@@ -6255,62 +6943,7 @@
                 <a:ea typeface="Century Gothic" charset="0"/>
                 <a:cs typeface="Century Gothic" charset="0"/>
               </a:rPr>
-              <a:t>rd</a:t>
-            </a:r>
-            <a:r>
-              <a:rPr kumimoji="1" lang="zh-CN" altLang="en-US" sz="2000" dirty="0" smtClean="0">
-                <a:solidFill>
-                  <a:schemeClr val="accent1">
-                    <a:lumMod val="75000"/>
-                  </a:schemeClr>
-                </a:solidFill>
-                <a:latin typeface="Century Gothic" charset="0"/>
-                <a:ea typeface="Century Gothic" charset="0"/>
-                <a:cs typeface="Century Gothic" charset="0"/>
-              </a:rPr>
-              <a:t> </a:t>
-            </a:r>
-          </a:p>
-          <a:p>
-            <a:pPr algn="ctr"/>
-            <a:r>
-              <a:rPr kumimoji="1" lang="en-US" altLang="zh-CN" sz="2000" dirty="0" smtClean="0">
-                <a:solidFill>
-                  <a:schemeClr val="accent1">
-                    <a:lumMod val="75000"/>
-                  </a:schemeClr>
-                </a:solidFill>
-                <a:latin typeface="Century Gothic" charset="0"/>
-                <a:ea typeface="Century Gothic" charset="0"/>
-                <a:cs typeface="Century Gothic" charset="0"/>
-              </a:rPr>
-              <a:t>Docs</a:t>
-            </a:r>
-            <a:r>
-              <a:rPr kumimoji="1" lang="zh-CN" altLang="en-US" sz="2000" dirty="0" smtClean="0">
-                <a:solidFill>
-                  <a:schemeClr val="accent1">
-                    <a:lumMod val="75000"/>
-                  </a:schemeClr>
-                </a:solidFill>
-                <a:latin typeface="Century Gothic" charset="0"/>
-                <a:ea typeface="Century Gothic" charset="0"/>
-                <a:cs typeface="Century Gothic" charset="0"/>
-              </a:rPr>
-              <a:t> </a:t>
-            </a:r>
-            <a:r>
-              <a:rPr kumimoji="1" lang="en-US" altLang="zh-CN" sz="2000" dirty="0" smtClean="0">
-                <a:solidFill>
-                  <a:schemeClr val="accent1">
-                    <a:lumMod val="75000"/>
-                  </a:schemeClr>
-                </a:solidFill>
-                <a:latin typeface="Century Gothic" charset="0"/>
-                <a:ea typeface="Century Gothic" charset="0"/>
-                <a:cs typeface="Century Gothic" charset="0"/>
-              </a:rPr>
-              <a:t>Site</a:t>
+              <a:t>Videos</a:t>
             </a:r>
             <a:endParaRPr kumimoji="1" lang="zh-CN" altLang="en-US" sz="2000" dirty="0">
               <a:solidFill>
@@ -6603,7 +7236,7 @@
           </a:lstStyle>
           <a:p>
             <a:r>
-              <a:rPr kumimoji="1" lang="en-US" altLang="zh-CN" sz="2400" i="1" dirty="0" smtClean="0">
+              <a:rPr kumimoji="1" lang="en-US" altLang="zh-CN" sz="2400" i="1" dirty="0">
                 <a:solidFill>
                   <a:schemeClr val="bg1"/>
                 </a:solidFill>
@@ -6613,14 +7246,6 @@
               </a:rPr>
               <a:t>Official</a:t>
             </a:r>
-            <a:endParaRPr kumimoji="1" lang="en-US" altLang="zh-CN" sz="2400" i="1" dirty="0" smtClean="0">
-              <a:solidFill>
-                <a:schemeClr val="bg1"/>
-              </a:solidFill>
-              <a:latin typeface="Century Gothic" charset="0"/>
-              <a:ea typeface="Century Gothic" charset="0"/>
-              <a:cs typeface="Century Gothic" charset="0"/>
-            </a:endParaRPr>
           </a:p>
         </p:txBody>
       </p:sp>
@@ -6666,7 +7291,7 @@
           </a:lstStyle>
           <a:p>
             <a:r>
-              <a:rPr kumimoji="1" lang="en-US" altLang="zh-CN" sz="2400" i="1" smtClean="0">
+              <a:rPr kumimoji="1" lang="en-US" altLang="zh-CN" sz="2400" i="1">
                 <a:solidFill>
                   <a:schemeClr val="bg1"/>
                 </a:solidFill>
@@ -6674,210 +7299,9 @@
                 <a:ea typeface="Century Gothic" charset="0"/>
                 <a:cs typeface="Century Gothic" charset="0"/>
               </a:rPr>
-              <a:t>Uno</a:t>
-            </a:r>
-            <a:r>
-              <a:rPr kumimoji="1" lang="en-US" altLang="zh-CN" sz="2400" i="1" smtClean="0">
-                <a:solidFill>
-                  <a:schemeClr val="bg1"/>
-                </a:solidFill>
-                <a:latin typeface="Century Gothic" charset="0"/>
-                <a:ea typeface="Century Gothic" charset="0"/>
-                <a:cs typeface="Century Gothic" charset="0"/>
-              </a:rPr>
-              <a:t>fficial</a:t>
-            </a:r>
-            <a:endParaRPr kumimoji="1" lang="en-US" altLang="zh-CN" sz="2400" i="1" dirty="0" smtClean="0">
-              <a:solidFill>
-                <a:schemeClr val="bg1"/>
-              </a:solidFill>
-              <a:latin typeface="Century Gothic" charset="0"/>
-              <a:ea typeface="Century Gothic" charset="0"/>
-              <a:cs typeface="Century Gothic" charset="0"/>
-            </a:endParaRPr>
-          </a:p>
-        </p:txBody>
-      </p:sp>
-      <p:sp>
-        <p:nvSpPr>
-          <p:cNvPr id="24" name="标题 1"/>
-          <p:cNvSpPr txBox="1">
-            <a:spLocks/>
-          </p:cNvSpPr>
-          <p:nvPr/>
-        </p:nvSpPr>
-        <p:spPr>
-          <a:xfrm>
-            <a:off x="7437248" y="2102808"/>
-            <a:ext cx="3921070" cy="2682705"/>
-          </a:xfrm>
-          <a:prstGeom prst="rect">
-            <a:avLst/>
-          </a:prstGeom>
-        </p:spPr>
-        <p:txBody>
-          <a:bodyPr vert="horz" lIns="91440" tIns="45720" rIns="91440" bIns="45720" rtlCol="0" anchor="ctr">
-            <a:noAutofit/>
-          </a:bodyPr>
-          <a:lstStyle>
-            <a:lvl1pPr algn="ctr" defTabSz="914400" rtl="0" eaLnBrk="1" latinLnBrk="0" hangingPunct="1">
-              <a:lnSpc>
-                <a:spcPct val="90000"/>
-              </a:lnSpc>
-              <a:spcBef>
-                <a:spcPct val="0"/>
-              </a:spcBef>
-              <a:buNone/>
-              <a:defRPr sz="6000" kern="1200">
-                <a:solidFill>
-                  <a:schemeClr val="tx1"/>
-                </a:solidFill>
-                <a:latin typeface="+mj-lt"/>
-                <a:ea typeface="+mj-ea"/>
-                <a:cs typeface="+mj-cs"/>
-              </a:defRPr>
-            </a:lvl1pPr>
-          </a:lstStyle>
-          <a:p>
-            <a:pPr marL="342900" indent="-342900" algn="l">
-              <a:lnSpc>
-                <a:spcPct val="100000"/>
-              </a:lnSpc>
-              <a:buFont typeface="Arial" charset="0"/>
-              <a:buChar char="•"/>
-            </a:pPr>
-            <a:r>
-              <a:rPr kumimoji="1" lang="en-US" altLang="zh-CN" sz="2400" b="1" i="1" dirty="0" smtClean="0">
-                <a:solidFill>
-                  <a:srgbClr val="FFFF00"/>
-                </a:solidFill>
-                <a:latin typeface="Century Gothic" charset="0"/>
-                <a:ea typeface="Century Gothic" charset="0"/>
-                <a:cs typeface="Century Gothic" charset="0"/>
-              </a:rPr>
-              <a:t>Total</a:t>
-            </a:r>
-            <a:r>
-              <a:rPr kumimoji="1" lang="en-US" altLang="zh-CN" sz="2400" b="1" i="1" dirty="0" smtClean="0">
-                <a:solidFill>
-                  <a:schemeClr val="bg1"/>
-                </a:solidFill>
-                <a:latin typeface="Century Gothic" charset="0"/>
-                <a:ea typeface="Century Gothic" charset="0"/>
-                <a:cs typeface="Century Gothic" charset="0"/>
-              </a:rPr>
-              <a:t>ly</a:t>
-            </a:r>
-            <a:r>
-              <a:rPr kumimoji="1" lang="en-US" altLang="zh-CN" sz="2400" i="1" dirty="0" smtClean="0">
-                <a:solidFill>
-                  <a:schemeClr val="bg1"/>
-                </a:solidFill>
-                <a:latin typeface="Century Gothic" charset="0"/>
-                <a:ea typeface="Century Gothic" charset="0"/>
-                <a:cs typeface="Century Gothic" charset="0"/>
-              </a:rPr>
-              <a:t> communication</a:t>
-            </a:r>
-            <a:endParaRPr kumimoji="1" lang="zh-CN" altLang="en-US" sz="2400" i="1" dirty="0" smtClean="0">
-              <a:solidFill>
-                <a:schemeClr val="bg1"/>
-              </a:solidFill>
-              <a:latin typeface="Century Gothic" charset="0"/>
-              <a:ea typeface="Century Gothic" charset="0"/>
-              <a:cs typeface="Century Gothic" charset="0"/>
-            </a:endParaRPr>
-          </a:p>
-          <a:p>
-            <a:pPr marL="342900" indent="-342900" algn="l">
-              <a:lnSpc>
-                <a:spcPct val="100000"/>
-              </a:lnSpc>
-              <a:buFont typeface="Arial" charset="0"/>
-              <a:buChar char="•"/>
-            </a:pPr>
-            <a:r>
-              <a:rPr kumimoji="1" lang="en-US" altLang="zh-CN" sz="2400" i="1" dirty="0" smtClean="0">
-                <a:solidFill>
-                  <a:schemeClr val="bg1"/>
-                </a:solidFill>
-                <a:latin typeface="Century Gothic" charset="0"/>
-                <a:ea typeface="Century Gothic" charset="0"/>
-                <a:cs typeface="Century Gothic" charset="0"/>
-              </a:rPr>
-              <a:t>Can publish </a:t>
-            </a:r>
-            <a:r>
-              <a:rPr kumimoji="1" lang="en-US" altLang="zh-CN" sz="2400" b="1" i="1" dirty="0" smtClean="0">
-                <a:solidFill>
-                  <a:srgbClr val="FFFF00"/>
-                </a:solidFill>
-                <a:latin typeface="Century Gothic" charset="0"/>
-                <a:ea typeface="Century Gothic" charset="0"/>
-                <a:cs typeface="Century Gothic" charset="0"/>
-              </a:rPr>
-              <a:t>all kinds of articles</a:t>
-            </a:r>
-            <a:r>
-              <a:rPr kumimoji="1" lang="en-US" altLang="zh-CN" sz="2400" i="1" dirty="0" smtClean="0">
-                <a:solidFill>
-                  <a:schemeClr val="bg1"/>
-                </a:solidFill>
-                <a:latin typeface="Century Gothic" charset="0"/>
-                <a:ea typeface="Century Gothic" charset="0"/>
-                <a:cs typeface="Century Gothic" charset="0"/>
-              </a:rPr>
-              <a:t> in different sites</a:t>
-            </a:r>
-          </a:p>
-          <a:p>
-            <a:pPr marL="342900" indent="-342900" algn="l">
-              <a:lnSpc>
-                <a:spcPct val="100000"/>
-              </a:lnSpc>
-              <a:buFont typeface="Arial" charset="0"/>
-              <a:buChar char="•"/>
-            </a:pPr>
-            <a:r>
-              <a:rPr kumimoji="1" lang="en-US" altLang="zh-CN" sz="2400" i="1" dirty="0" smtClean="0">
-                <a:solidFill>
-                  <a:schemeClr val="bg1"/>
-                </a:solidFill>
-                <a:latin typeface="Century Gothic" charset="0"/>
-                <a:ea typeface="Century Gothic" charset="0"/>
-                <a:cs typeface="Century Gothic" charset="0"/>
-              </a:rPr>
-              <a:t>Can only subscribe own </a:t>
-            </a:r>
-            <a:r>
-              <a:rPr kumimoji="1" lang="en-US" altLang="zh-CN" sz="2400" b="1" i="1" dirty="0" smtClean="0">
-                <a:solidFill>
-                  <a:srgbClr val="FFFF00"/>
-                </a:solidFill>
-                <a:latin typeface="Century Gothic" charset="0"/>
-                <a:ea typeface="Century Gothic" charset="0"/>
-                <a:cs typeface="Century Gothic" charset="0"/>
-              </a:rPr>
-              <a:t>interests techs</a:t>
-            </a:r>
-            <a:endParaRPr kumimoji="1" lang="en-US" altLang="zh-CN" sz="2400" b="1" i="1" dirty="0" smtClean="0">
-              <a:solidFill>
-                <a:srgbClr val="FFFF00"/>
-              </a:solidFill>
-              <a:latin typeface="Century Gothic" charset="0"/>
-              <a:ea typeface="Century Gothic" charset="0"/>
-              <a:cs typeface="Century Gothic" charset="0"/>
-            </a:endParaRPr>
-          </a:p>
-          <a:p>
-            <a:pPr marL="457200" indent="-457200" algn="l">
-              <a:lnSpc>
-                <a:spcPct val="100000"/>
-              </a:lnSpc>
-              <a:buFont typeface="Arial" charset="0"/>
-              <a:buChar char="•"/>
-            </a:pPr>
-            <a:endParaRPr kumimoji="1" lang="en-US" altLang="zh-CN" sz="2400" i="1" dirty="0" smtClean="0">
+              <a:t>Unofficial</a:t>
+            </a:r>
+            <a:endParaRPr kumimoji="1" lang="en-US" altLang="zh-CN" sz="2400" i="1" dirty="0">
               <a:solidFill>
                 <a:schemeClr val="bg1"/>
               </a:solidFill>
@@ -6936,7 +7360,7 @@
           <a:p>
             <a:pPr algn="ctr"/>
             <a:r>
-              <a:rPr kumimoji="1" lang="en-US" altLang="zh-CN" sz="2400" dirty="0" smtClean="0">
+              <a:rPr kumimoji="1" lang="en-US" altLang="zh-CN" sz="2400" dirty="0">
                 <a:solidFill>
                   <a:schemeClr val="bg1"/>
                 </a:solidFill>
@@ -7999,6 +8423,7 @@
       </p:par>
     </p:tnLst>
     <p:bldLst>
+      <p:bldP spid="24" grpId="1"/>
       <p:bldP spid="21" grpId="1"/>
       <p:bldP spid="10" grpId="0" animBg="1"/>
       <p:bldP spid="10" grpId="1" animBg="1"/>
@@ -8018,7 +8443,6 @@
       <p:bldP spid="17" grpId="0" animBg="1"/>
       <p:bldP spid="19" grpId="0"/>
       <p:bldP spid="20" grpId="0"/>
-      <p:bldP spid="24" grpId="1"/>
       <p:bldP spid="3" grpId="0" animBg="1"/>
     </p:bldLst>
   </p:timing>
@@ -8050,7 +8474,3662 @@
         </p:nvGrpSpPr>
         <p:grpSpPr>
           <a:xfrm>
-            <a:off x="4514428" y="254335"/>
+            <a:off x="3937764" y="285332"/>
+            <a:ext cx="4553946" cy="552750"/>
+            <a:chOff x="4018483" y="238837"/>
+            <a:chExt cx="4164624" cy="552750"/>
+          </a:xfrm>
+        </p:grpSpPr>
+        <p:sp>
+          <p:nvSpPr>
+            <p:cNvPr id="12" name="Title 1"/>
+            <p:cNvSpPr txBox="1">
+              <a:spLocks/>
+            </p:cNvSpPr>
+            <p:nvPr/>
+          </p:nvSpPr>
+          <p:spPr>
+            <a:xfrm>
+              <a:off x="4461571" y="238837"/>
+              <a:ext cx="3721536" cy="552750"/>
+            </a:xfrm>
+            <a:prstGeom prst="rect">
+              <a:avLst/>
+            </a:prstGeom>
+          </p:spPr>
+          <p:txBody>
+            <a:bodyPr vert="horz" lIns="91440" tIns="45720" rIns="91440" bIns="45720" rtlCol="0" anchor="b">
+              <a:normAutofit/>
+            </a:bodyPr>
+            <a:lstStyle>
+              <a:lvl1pPr algn="ctr" defTabSz="914400" rtl="0" eaLnBrk="1" latinLnBrk="0" hangingPunct="1">
+                <a:lnSpc>
+                  <a:spcPct val="90000"/>
+                </a:lnSpc>
+                <a:spcBef>
+                  <a:spcPct val="0"/>
+                </a:spcBef>
+                <a:buNone/>
+                <a:defRPr sz="6000" kern="1200">
+                  <a:solidFill>
+                    <a:schemeClr val="tx1"/>
+                  </a:solidFill>
+                  <a:latin typeface="+mj-lt"/>
+                  <a:ea typeface="+mj-ea"/>
+                  <a:cs typeface="+mj-cs"/>
+                </a:defRPr>
+              </a:lvl1pPr>
+            </a:lstStyle>
+            <a:p>
+              <a:pPr algn="l"/>
+              <a:r>
+                <a:rPr lang="en-US" altLang="zh-CN" sz="2800" dirty="0">
+                  <a:solidFill>
+                    <a:schemeClr val="bg1"/>
+                  </a:solidFill>
+                  <a:latin typeface="Century Gothic" charset="0"/>
+                  <a:ea typeface="Century Gothic" charset="0"/>
+                  <a:cs typeface="Century Gothic" charset="0"/>
+                </a:rPr>
+                <a:t>{ </a:t>
+              </a:r>
+              <a:r>
+                <a:rPr lang="en-US" altLang="zh-CN" sz="3200" dirty="0">
+                  <a:solidFill>
+                    <a:schemeClr val="bg1"/>
+                  </a:solidFill>
+                  <a:latin typeface="Century Gothic" charset="0"/>
+                  <a:ea typeface="Century Gothic" charset="0"/>
+                  <a:cs typeface="Century Gothic" charset="0"/>
+                </a:rPr>
+                <a:t>AH</a:t>
+              </a:r>
+              <a:r>
+                <a:rPr lang="zh-CN" altLang="en-US" sz="2800" dirty="0">
+                  <a:solidFill>
+                    <a:schemeClr val="bg1"/>
+                  </a:solidFill>
+                  <a:latin typeface="Century Gothic" charset="0"/>
+                  <a:ea typeface="Century Gothic" charset="0"/>
+                  <a:cs typeface="Century Gothic" charset="0"/>
+                </a:rPr>
+                <a:t> </a:t>
+              </a:r>
+              <a:r>
+                <a:rPr lang="en-US" altLang="zh-CN" sz="2800" dirty="0">
+                  <a:solidFill>
+                    <a:schemeClr val="bg1"/>
+                  </a:solidFill>
+                  <a:latin typeface="Century Gothic" charset="0"/>
+                  <a:ea typeface="Century Gothic" charset="0"/>
+                  <a:cs typeface="Century Gothic" charset="0"/>
+                </a:rPr>
+                <a:t>} ·</a:t>
+              </a:r>
+              <a:r>
+                <a:rPr lang="zh-CN" altLang="en-US" sz="2800" dirty="0">
+                  <a:solidFill>
+                    <a:schemeClr val="bg1"/>
+                  </a:solidFill>
+                  <a:latin typeface="Century Gothic" charset="0"/>
+                  <a:ea typeface="Century Gothic" charset="0"/>
+                  <a:cs typeface="Century Gothic" charset="0"/>
+                </a:rPr>
+                <a:t> </a:t>
+              </a:r>
+              <a:r>
+                <a:rPr lang="en-US" altLang="zh-CN" sz="2800" dirty="0">
+                  <a:solidFill>
+                    <a:schemeClr val="bg1"/>
+                  </a:solidFill>
+                  <a:latin typeface="Century Gothic" charset="0"/>
+                  <a:ea typeface="Century Gothic" charset="0"/>
+                  <a:cs typeface="Century Gothic" charset="0"/>
+                </a:rPr>
+                <a:t>Requirements</a:t>
+              </a:r>
+              <a:endParaRPr lang="zh-CN" altLang="en-US" sz="2800" dirty="0">
+                <a:solidFill>
+                  <a:schemeClr val="bg1"/>
+                </a:solidFill>
+                <a:latin typeface="Century Gothic" charset="0"/>
+                <a:ea typeface="Century Gothic" charset="0"/>
+                <a:cs typeface="Century Gothic" charset="0"/>
+              </a:endParaRPr>
+            </a:p>
+          </p:txBody>
+        </p:sp>
+        <p:pic>
+          <p:nvPicPr>
+            <p:cNvPr id="9" name="图片 8"/>
+            <p:cNvPicPr>
+              <a:picLocks noChangeAspect="1"/>
+            </p:cNvPicPr>
+            <p:nvPr/>
+          </p:nvPicPr>
+          <p:blipFill>
+            <a:blip r:embed="rId3">
+              <a:extLst>
+                <a:ext uri="{28A0092B-C50C-407E-A947-70E740481C1C}">
+                  <a14:useLocalDpi xmlns:a14="http://schemas.microsoft.com/office/drawing/2010/main" val="0"/>
+                </a:ext>
+              </a:extLst>
+            </a:blip>
+            <a:stretch>
+              <a:fillRect/>
+            </a:stretch>
+          </p:blipFill>
+          <p:spPr>
+            <a:xfrm>
+              <a:off x="4018483" y="348499"/>
+              <a:ext cx="443088" cy="443088"/>
+            </a:xfrm>
+            <a:prstGeom prst="rect">
+              <a:avLst/>
+            </a:prstGeom>
+          </p:spPr>
+        </p:pic>
+      </p:grpSp>
+      <p:sp>
+        <p:nvSpPr>
+          <p:cNvPr id="39" name="标题 1"/>
+          <p:cNvSpPr txBox="1">
+            <a:spLocks/>
+          </p:cNvSpPr>
+          <p:nvPr/>
+        </p:nvSpPr>
+        <p:spPr>
+          <a:xfrm>
+            <a:off x="1014482" y="3349825"/>
+            <a:ext cx="1981704" cy="556568"/>
+          </a:xfrm>
+          <a:prstGeom prst="rect">
+            <a:avLst/>
+          </a:prstGeom>
+        </p:spPr>
+        <p:txBody>
+          <a:bodyPr vert="horz" lIns="91440" tIns="45720" rIns="91440" bIns="45720" rtlCol="0" anchor="ctr">
+            <a:noAutofit/>
+          </a:bodyPr>
+          <a:lstStyle>
+            <a:lvl1pPr algn="ctr" defTabSz="914400" rtl="0" eaLnBrk="1" latinLnBrk="0" hangingPunct="1">
+              <a:lnSpc>
+                <a:spcPct val="90000"/>
+              </a:lnSpc>
+              <a:spcBef>
+                <a:spcPct val="0"/>
+              </a:spcBef>
+              <a:buNone/>
+              <a:defRPr sz="6000" kern="1200">
+                <a:solidFill>
+                  <a:schemeClr val="tx1"/>
+                </a:solidFill>
+                <a:latin typeface="+mj-lt"/>
+                <a:ea typeface="+mj-ea"/>
+                <a:cs typeface="+mj-cs"/>
+              </a:defRPr>
+            </a:lvl1pPr>
+          </a:lstStyle>
+          <a:p>
+            <a:r>
+              <a:rPr kumimoji="1" lang="en-US" altLang="zh-CN" sz="2400" i="1" dirty="0">
+                <a:solidFill>
+                  <a:schemeClr val="bg1"/>
+                </a:solidFill>
+                <a:latin typeface="Century Gothic" charset="0"/>
+                <a:ea typeface="Century Gothic" charset="0"/>
+                <a:cs typeface="Century Gothic" charset="0"/>
+              </a:rPr>
+              <a:t>Advocators</a:t>
+            </a:r>
+          </a:p>
+        </p:txBody>
+      </p:sp>
+      <p:sp>
+        <p:nvSpPr>
+          <p:cNvPr id="40" name="标题 1"/>
+          <p:cNvSpPr txBox="1">
+            <a:spLocks/>
+          </p:cNvSpPr>
+          <p:nvPr/>
+        </p:nvSpPr>
+        <p:spPr>
+          <a:xfrm>
+            <a:off x="9221164" y="3325338"/>
+            <a:ext cx="1981704" cy="556568"/>
+          </a:xfrm>
+          <a:prstGeom prst="rect">
+            <a:avLst/>
+          </a:prstGeom>
+        </p:spPr>
+        <p:txBody>
+          <a:bodyPr vert="horz" lIns="91440" tIns="45720" rIns="91440" bIns="45720" rtlCol="0" anchor="ctr">
+            <a:noAutofit/>
+          </a:bodyPr>
+          <a:lstStyle>
+            <a:lvl1pPr algn="ctr" defTabSz="914400" rtl="0" eaLnBrk="1" latinLnBrk="0" hangingPunct="1">
+              <a:lnSpc>
+                <a:spcPct val="90000"/>
+              </a:lnSpc>
+              <a:spcBef>
+                <a:spcPct val="0"/>
+              </a:spcBef>
+              <a:buNone/>
+              <a:defRPr sz="6000" kern="1200">
+                <a:solidFill>
+                  <a:schemeClr val="tx1"/>
+                </a:solidFill>
+                <a:latin typeface="+mj-lt"/>
+                <a:ea typeface="+mj-ea"/>
+                <a:cs typeface="+mj-cs"/>
+              </a:defRPr>
+            </a:lvl1pPr>
+          </a:lstStyle>
+          <a:p>
+            <a:r>
+              <a:rPr kumimoji="1" lang="en-US" altLang="zh-CN" sz="2400" i="1" dirty="0">
+                <a:solidFill>
+                  <a:schemeClr val="bg1"/>
+                </a:solidFill>
+                <a:latin typeface="Century Gothic" charset="0"/>
+                <a:ea typeface="Century Gothic" charset="0"/>
+                <a:cs typeface="Century Gothic" charset="0"/>
+              </a:rPr>
+              <a:t>Developers</a:t>
+            </a:r>
+          </a:p>
+        </p:txBody>
+      </p:sp>
+      <p:pic>
+        <p:nvPicPr>
+          <p:cNvPr id="5" name="Picture 4"/>
+          <p:cNvPicPr>
+            <a:picLocks noChangeAspect="1"/>
+          </p:cNvPicPr>
+          <p:nvPr/>
+        </p:nvPicPr>
+        <p:blipFill>
+          <a:blip r:embed="rId4"/>
+          <a:stretch>
+            <a:fillRect/>
+          </a:stretch>
+        </p:blipFill>
+        <p:spPr>
+          <a:xfrm>
+            <a:off x="5874790" y="3783238"/>
+            <a:ext cx="506733" cy="506733"/>
+          </a:xfrm>
+          <a:prstGeom prst="rect">
+            <a:avLst/>
+          </a:prstGeom>
+        </p:spPr>
+      </p:pic>
+      <p:pic>
+        <p:nvPicPr>
+          <p:cNvPr id="7" name="Picture 6"/>
+          <p:cNvPicPr>
+            <a:picLocks noChangeAspect="1"/>
+          </p:cNvPicPr>
+          <p:nvPr/>
+        </p:nvPicPr>
+        <p:blipFill>
+          <a:blip r:embed="rId5"/>
+          <a:stretch>
+            <a:fillRect/>
+          </a:stretch>
+        </p:blipFill>
+        <p:spPr>
+          <a:xfrm>
+            <a:off x="5874789" y="2209449"/>
+            <a:ext cx="506733" cy="506733"/>
+          </a:xfrm>
+          <a:prstGeom prst="rect">
+            <a:avLst/>
+          </a:prstGeom>
+        </p:spPr>
+      </p:pic>
+      <p:pic>
+        <p:nvPicPr>
+          <p:cNvPr id="25" name="Picture 24"/>
+          <p:cNvPicPr>
+            <a:picLocks noChangeAspect="1"/>
+          </p:cNvPicPr>
+          <p:nvPr/>
+        </p:nvPicPr>
+        <p:blipFill>
+          <a:blip r:embed="rId6"/>
+          <a:stretch>
+            <a:fillRect/>
+          </a:stretch>
+        </p:blipFill>
+        <p:spPr>
+          <a:xfrm>
+            <a:off x="5836229" y="2973985"/>
+            <a:ext cx="545293" cy="545293"/>
+          </a:xfrm>
+          <a:prstGeom prst="rect">
+            <a:avLst/>
+          </a:prstGeom>
+        </p:spPr>
+      </p:pic>
+      <p:pic>
+        <p:nvPicPr>
+          <p:cNvPr id="27" name="Picture 26"/>
+          <p:cNvPicPr>
+            <a:picLocks noChangeAspect="1"/>
+          </p:cNvPicPr>
+          <p:nvPr/>
+        </p:nvPicPr>
+        <p:blipFill>
+          <a:blip r:embed="rId7"/>
+          <a:stretch>
+            <a:fillRect/>
+          </a:stretch>
+        </p:blipFill>
+        <p:spPr>
+          <a:xfrm>
+            <a:off x="5874790" y="1444914"/>
+            <a:ext cx="506732" cy="506732"/>
+          </a:xfrm>
+          <a:prstGeom prst="rect">
+            <a:avLst/>
+          </a:prstGeom>
+        </p:spPr>
+      </p:pic>
+      <p:sp>
+        <p:nvSpPr>
+          <p:cNvPr id="41" name="标题 1"/>
+          <p:cNvSpPr txBox="1">
+            <a:spLocks/>
+          </p:cNvSpPr>
+          <p:nvPr/>
+        </p:nvSpPr>
+        <p:spPr>
+          <a:xfrm>
+            <a:off x="5383621" y="4503056"/>
+            <a:ext cx="1489067" cy="556568"/>
+          </a:xfrm>
+          <a:prstGeom prst="rect">
+            <a:avLst/>
+          </a:prstGeom>
+        </p:spPr>
+        <p:txBody>
+          <a:bodyPr vert="horz" lIns="91440" tIns="45720" rIns="91440" bIns="45720" rtlCol="0" anchor="ctr">
+            <a:noAutofit/>
+          </a:bodyPr>
+          <a:lstStyle>
+            <a:lvl1pPr algn="ctr" defTabSz="914400" rtl="0" eaLnBrk="1" latinLnBrk="0" hangingPunct="1">
+              <a:lnSpc>
+                <a:spcPct val="90000"/>
+              </a:lnSpc>
+              <a:spcBef>
+                <a:spcPct val="0"/>
+              </a:spcBef>
+              <a:buNone/>
+              <a:defRPr sz="6000" kern="1200">
+                <a:solidFill>
+                  <a:schemeClr val="tx1"/>
+                </a:solidFill>
+                <a:latin typeface="+mj-lt"/>
+                <a:ea typeface="+mj-ea"/>
+                <a:cs typeface="+mj-cs"/>
+              </a:defRPr>
+            </a:lvl1pPr>
+          </a:lstStyle>
+          <a:p>
+            <a:r>
+              <a:rPr kumimoji="1" lang="en-US" altLang="zh-CN" sz="1800" b="1" dirty="0">
+                <a:solidFill>
+                  <a:schemeClr val="bg1"/>
+                </a:solidFill>
+                <a:latin typeface="Century Gothic" charset="0"/>
+                <a:ea typeface="Century Gothic" charset="0"/>
+                <a:cs typeface="Century Gothic" charset="0"/>
+              </a:rPr>
+              <a:t>Homepage</a:t>
+            </a:r>
+          </a:p>
+        </p:txBody>
+      </p:sp>
+      <p:sp>
+        <p:nvSpPr>
+          <p:cNvPr id="42" name="标题 1"/>
+          <p:cNvSpPr txBox="1">
+            <a:spLocks/>
+          </p:cNvSpPr>
+          <p:nvPr/>
+        </p:nvSpPr>
+        <p:spPr>
+          <a:xfrm>
+            <a:off x="5364341" y="5091485"/>
+            <a:ext cx="1489067" cy="556568"/>
+          </a:xfrm>
+          <a:prstGeom prst="rect">
+            <a:avLst/>
+          </a:prstGeom>
+        </p:spPr>
+        <p:txBody>
+          <a:bodyPr vert="horz" lIns="91440" tIns="45720" rIns="91440" bIns="45720" rtlCol="0" anchor="ctr">
+            <a:noAutofit/>
+          </a:bodyPr>
+          <a:lstStyle>
+            <a:lvl1pPr algn="ctr" defTabSz="914400" rtl="0" eaLnBrk="1" latinLnBrk="0" hangingPunct="1">
+              <a:lnSpc>
+                <a:spcPct val="90000"/>
+              </a:lnSpc>
+              <a:spcBef>
+                <a:spcPct val="0"/>
+              </a:spcBef>
+              <a:buNone/>
+              <a:defRPr sz="6000" kern="1200">
+                <a:solidFill>
+                  <a:schemeClr val="tx1"/>
+                </a:solidFill>
+                <a:latin typeface="+mj-lt"/>
+                <a:ea typeface="+mj-ea"/>
+                <a:cs typeface="+mj-cs"/>
+              </a:defRPr>
+            </a:lvl1pPr>
+          </a:lstStyle>
+          <a:p>
+            <a:r>
+              <a:rPr kumimoji="1" lang="en-US" altLang="zh-CN" sz="1800" b="1" dirty="0">
+                <a:solidFill>
+                  <a:schemeClr val="bg1"/>
+                </a:solidFill>
+                <a:latin typeface="Century Gothic" charset="0"/>
+                <a:ea typeface="Century Gothic" charset="0"/>
+                <a:cs typeface="Century Gothic" charset="0"/>
+              </a:rPr>
+              <a:t>Event’s site</a:t>
+            </a:r>
+          </a:p>
+        </p:txBody>
+      </p:sp>
+      <p:cxnSp>
+        <p:nvCxnSpPr>
+          <p:cNvPr id="1031" name="Straight Arrow Connector 1030"/>
+          <p:cNvCxnSpPr>
+            <a:stCxn id="39" idx="3"/>
+          </p:cNvCxnSpPr>
+          <p:nvPr/>
+        </p:nvCxnSpPr>
+        <p:spPr>
+          <a:xfrm flipV="1">
+            <a:off x="2996186" y="1713029"/>
+            <a:ext cx="2532524" cy="1915080"/>
+          </a:xfrm>
+          <a:prstGeom prst="straightConnector1">
+            <a:avLst/>
+          </a:prstGeom>
+          <a:ln w="19050">
+            <a:solidFill>
+              <a:schemeClr val="bg1"/>
+            </a:solidFill>
+            <a:tailEnd type="triangle"/>
+          </a:ln>
+        </p:spPr>
+        <p:style>
+          <a:lnRef idx="1">
+            <a:schemeClr val="accent1"/>
+          </a:lnRef>
+          <a:fillRef idx="0">
+            <a:schemeClr val="accent1"/>
+          </a:fillRef>
+          <a:effectRef idx="0">
+            <a:schemeClr val="accent1"/>
+          </a:effectRef>
+          <a:fontRef idx="minor">
+            <a:schemeClr val="tx1"/>
+          </a:fontRef>
+        </p:style>
+      </p:cxnSp>
+      <p:cxnSp>
+        <p:nvCxnSpPr>
+          <p:cNvPr id="47" name="Straight Arrow Connector 46"/>
+          <p:cNvCxnSpPr>
+            <a:stCxn id="39" idx="3"/>
+          </p:cNvCxnSpPr>
+          <p:nvPr/>
+        </p:nvCxnSpPr>
+        <p:spPr>
+          <a:xfrm flipV="1">
+            <a:off x="2996186" y="2474878"/>
+            <a:ext cx="2532524" cy="1153231"/>
+          </a:xfrm>
+          <a:prstGeom prst="straightConnector1">
+            <a:avLst/>
+          </a:prstGeom>
+          <a:ln w="19050">
+            <a:solidFill>
+              <a:schemeClr val="bg1"/>
+            </a:solidFill>
+            <a:tailEnd type="triangle"/>
+          </a:ln>
+        </p:spPr>
+        <p:style>
+          <a:lnRef idx="1">
+            <a:schemeClr val="accent1"/>
+          </a:lnRef>
+          <a:fillRef idx="0">
+            <a:schemeClr val="accent1"/>
+          </a:fillRef>
+          <a:effectRef idx="0">
+            <a:schemeClr val="accent1"/>
+          </a:effectRef>
+          <a:fontRef idx="minor">
+            <a:schemeClr val="tx1"/>
+          </a:fontRef>
+        </p:style>
+      </p:cxnSp>
+      <p:cxnSp>
+        <p:nvCxnSpPr>
+          <p:cNvPr id="53" name="Straight Arrow Connector 52"/>
+          <p:cNvCxnSpPr>
+            <a:stCxn id="39" idx="3"/>
+          </p:cNvCxnSpPr>
+          <p:nvPr/>
+        </p:nvCxnSpPr>
+        <p:spPr>
+          <a:xfrm flipV="1">
+            <a:off x="2996186" y="3268200"/>
+            <a:ext cx="2532524" cy="359909"/>
+          </a:xfrm>
+          <a:prstGeom prst="straightConnector1">
+            <a:avLst/>
+          </a:prstGeom>
+          <a:ln w="19050">
+            <a:solidFill>
+              <a:schemeClr val="bg1"/>
+            </a:solidFill>
+            <a:tailEnd type="triangle"/>
+          </a:ln>
+        </p:spPr>
+        <p:style>
+          <a:lnRef idx="1">
+            <a:schemeClr val="accent1"/>
+          </a:lnRef>
+          <a:fillRef idx="0">
+            <a:schemeClr val="accent1"/>
+          </a:fillRef>
+          <a:effectRef idx="0">
+            <a:schemeClr val="accent1"/>
+          </a:effectRef>
+          <a:fontRef idx="minor">
+            <a:schemeClr val="tx1"/>
+          </a:fontRef>
+        </p:style>
+      </p:cxnSp>
+      <p:cxnSp>
+        <p:nvCxnSpPr>
+          <p:cNvPr id="54" name="Straight Arrow Connector 53"/>
+          <p:cNvCxnSpPr>
+            <a:stCxn id="39" idx="3"/>
+          </p:cNvCxnSpPr>
+          <p:nvPr/>
+        </p:nvCxnSpPr>
+        <p:spPr>
+          <a:xfrm>
+            <a:off x="2996186" y="3628109"/>
+            <a:ext cx="2532524" cy="408495"/>
+          </a:xfrm>
+          <a:prstGeom prst="straightConnector1">
+            <a:avLst/>
+          </a:prstGeom>
+          <a:ln w="19050">
+            <a:solidFill>
+              <a:schemeClr val="bg1"/>
+            </a:solidFill>
+            <a:tailEnd type="triangle"/>
+          </a:ln>
+        </p:spPr>
+        <p:style>
+          <a:lnRef idx="1">
+            <a:schemeClr val="accent1"/>
+          </a:lnRef>
+          <a:fillRef idx="0">
+            <a:schemeClr val="accent1"/>
+          </a:fillRef>
+          <a:effectRef idx="0">
+            <a:schemeClr val="accent1"/>
+          </a:effectRef>
+          <a:fontRef idx="minor">
+            <a:schemeClr val="tx1"/>
+          </a:fontRef>
+        </p:style>
+      </p:cxnSp>
+      <p:cxnSp>
+        <p:nvCxnSpPr>
+          <p:cNvPr id="67" name="Straight Arrow Connector 66"/>
+          <p:cNvCxnSpPr>
+            <a:stCxn id="39" idx="3"/>
+            <a:endCxn id="41" idx="1"/>
+          </p:cNvCxnSpPr>
+          <p:nvPr/>
+        </p:nvCxnSpPr>
+        <p:spPr>
+          <a:xfrm>
+            <a:off x="2996186" y="3628109"/>
+            <a:ext cx="2387435" cy="1153231"/>
+          </a:xfrm>
+          <a:prstGeom prst="straightConnector1">
+            <a:avLst/>
+          </a:prstGeom>
+          <a:ln w="19050">
+            <a:solidFill>
+              <a:schemeClr val="bg1"/>
+            </a:solidFill>
+            <a:tailEnd type="triangle"/>
+          </a:ln>
+        </p:spPr>
+        <p:style>
+          <a:lnRef idx="1">
+            <a:schemeClr val="accent1"/>
+          </a:lnRef>
+          <a:fillRef idx="0">
+            <a:schemeClr val="accent1"/>
+          </a:fillRef>
+          <a:effectRef idx="0">
+            <a:schemeClr val="accent1"/>
+          </a:effectRef>
+          <a:fontRef idx="minor">
+            <a:schemeClr val="tx1"/>
+          </a:fontRef>
+        </p:style>
+      </p:cxnSp>
+      <p:cxnSp>
+        <p:nvCxnSpPr>
+          <p:cNvPr id="71" name="Straight Arrow Connector 70"/>
+          <p:cNvCxnSpPr>
+            <a:stCxn id="39" idx="3"/>
+            <a:endCxn id="42" idx="1"/>
+          </p:cNvCxnSpPr>
+          <p:nvPr/>
+        </p:nvCxnSpPr>
+        <p:spPr>
+          <a:xfrm>
+            <a:off x="2996186" y="3628109"/>
+            <a:ext cx="2368155" cy="1741660"/>
+          </a:xfrm>
+          <a:prstGeom prst="straightConnector1">
+            <a:avLst/>
+          </a:prstGeom>
+          <a:ln w="19050">
+            <a:solidFill>
+              <a:schemeClr val="bg1"/>
+            </a:solidFill>
+            <a:tailEnd type="triangle"/>
+          </a:ln>
+        </p:spPr>
+        <p:style>
+          <a:lnRef idx="1">
+            <a:schemeClr val="accent1"/>
+          </a:lnRef>
+          <a:fillRef idx="0">
+            <a:schemeClr val="accent1"/>
+          </a:fillRef>
+          <a:effectRef idx="0">
+            <a:schemeClr val="accent1"/>
+          </a:effectRef>
+          <a:fontRef idx="minor">
+            <a:schemeClr val="tx1"/>
+          </a:fontRef>
+        </p:style>
+      </p:cxnSp>
+      <p:cxnSp>
+        <p:nvCxnSpPr>
+          <p:cNvPr id="74" name="Straight Arrow Connector 73"/>
+          <p:cNvCxnSpPr>
+            <a:stCxn id="40" idx="1"/>
+          </p:cNvCxnSpPr>
+          <p:nvPr/>
+        </p:nvCxnSpPr>
+        <p:spPr>
+          <a:xfrm flipH="1" flipV="1">
+            <a:off x="6624938" y="1713029"/>
+            <a:ext cx="2596226" cy="1890593"/>
+          </a:xfrm>
+          <a:prstGeom prst="straightConnector1">
+            <a:avLst/>
+          </a:prstGeom>
+          <a:ln w="19050">
+            <a:solidFill>
+              <a:schemeClr val="bg1"/>
+            </a:solidFill>
+            <a:tailEnd type="triangle"/>
+          </a:ln>
+        </p:spPr>
+        <p:style>
+          <a:lnRef idx="1">
+            <a:schemeClr val="accent1"/>
+          </a:lnRef>
+          <a:fillRef idx="0">
+            <a:schemeClr val="accent1"/>
+          </a:fillRef>
+          <a:effectRef idx="0">
+            <a:schemeClr val="accent1"/>
+          </a:effectRef>
+          <a:fontRef idx="minor">
+            <a:schemeClr val="tx1"/>
+          </a:fontRef>
+        </p:style>
+      </p:cxnSp>
+      <p:cxnSp>
+        <p:nvCxnSpPr>
+          <p:cNvPr id="75" name="Straight Arrow Connector 74"/>
+          <p:cNvCxnSpPr>
+            <a:stCxn id="40" idx="1"/>
+          </p:cNvCxnSpPr>
+          <p:nvPr/>
+        </p:nvCxnSpPr>
+        <p:spPr>
+          <a:xfrm flipH="1" flipV="1">
+            <a:off x="6624938" y="2460307"/>
+            <a:ext cx="2596226" cy="1143315"/>
+          </a:xfrm>
+          <a:prstGeom prst="straightConnector1">
+            <a:avLst/>
+          </a:prstGeom>
+          <a:ln w="19050">
+            <a:solidFill>
+              <a:schemeClr val="bg1"/>
+            </a:solidFill>
+            <a:tailEnd type="triangle"/>
+          </a:ln>
+        </p:spPr>
+        <p:style>
+          <a:lnRef idx="1">
+            <a:schemeClr val="accent1"/>
+          </a:lnRef>
+          <a:fillRef idx="0">
+            <a:schemeClr val="accent1"/>
+          </a:fillRef>
+          <a:effectRef idx="0">
+            <a:schemeClr val="accent1"/>
+          </a:effectRef>
+          <a:fontRef idx="minor">
+            <a:schemeClr val="tx1"/>
+          </a:fontRef>
+        </p:style>
+      </p:cxnSp>
+      <p:cxnSp>
+        <p:nvCxnSpPr>
+          <p:cNvPr id="76" name="Straight Arrow Connector 75"/>
+          <p:cNvCxnSpPr>
+            <a:stCxn id="40" idx="1"/>
+          </p:cNvCxnSpPr>
+          <p:nvPr/>
+        </p:nvCxnSpPr>
+        <p:spPr>
+          <a:xfrm flipH="1" flipV="1">
+            <a:off x="6689041" y="3268200"/>
+            <a:ext cx="2532123" cy="335422"/>
+          </a:xfrm>
+          <a:prstGeom prst="straightConnector1">
+            <a:avLst/>
+          </a:prstGeom>
+          <a:ln w="19050">
+            <a:solidFill>
+              <a:schemeClr val="bg1"/>
+            </a:solidFill>
+            <a:tailEnd type="triangle"/>
+          </a:ln>
+        </p:spPr>
+        <p:style>
+          <a:lnRef idx="1">
+            <a:schemeClr val="accent1"/>
+          </a:lnRef>
+          <a:fillRef idx="0">
+            <a:schemeClr val="accent1"/>
+          </a:fillRef>
+          <a:effectRef idx="0">
+            <a:schemeClr val="accent1"/>
+          </a:effectRef>
+          <a:fontRef idx="minor">
+            <a:schemeClr val="tx1"/>
+          </a:fontRef>
+        </p:style>
+      </p:cxnSp>
+      <p:cxnSp>
+        <p:nvCxnSpPr>
+          <p:cNvPr id="77" name="Straight Arrow Connector 76"/>
+          <p:cNvCxnSpPr>
+            <a:stCxn id="40" idx="1"/>
+          </p:cNvCxnSpPr>
+          <p:nvPr/>
+        </p:nvCxnSpPr>
+        <p:spPr>
+          <a:xfrm flipH="1">
+            <a:off x="6727603" y="3603622"/>
+            <a:ext cx="2493561" cy="410265"/>
+          </a:xfrm>
+          <a:prstGeom prst="straightConnector1">
+            <a:avLst/>
+          </a:prstGeom>
+          <a:ln w="19050">
+            <a:solidFill>
+              <a:schemeClr val="bg1"/>
+            </a:solidFill>
+            <a:tailEnd type="triangle"/>
+          </a:ln>
+        </p:spPr>
+        <p:style>
+          <a:lnRef idx="1">
+            <a:schemeClr val="accent1"/>
+          </a:lnRef>
+          <a:fillRef idx="0">
+            <a:schemeClr val="accent1"/>
+          </a:fillRef>
+          <a:effectRef idx="0">
+            <a:schemeClr val="accent1"/>
+          </a:effectRef>
+          <a:fontRef idx="minor">
+            <a:schemeClr val="tx1"/>
+          </a:fontRef>
+        </p:style>
+      </p:cxnSp>
+      <p:cxnSp>
+        <p:nvCxnSpPr>
+          <p:cNvPr id="78" name="Straight Arrow Connector 77"/>
+          <p:cNvCxnSpPr>
+            <a:stCxn id="40" idx="1"/>
+            <a:endCxn id="41" idx="3"/>
+          </p:cNvCxnSpPr>
+          <p:nvPr/>
+        </p:nvCxnSpPr>
+        <p:spPr>
+          <a:xfrm flipH="1">
+            <a:off x="6872688" y="3603622"/>
+            <a:ext cx="2348476" cy="1177718"/>
+          </a:xfrm>
+          <a:prstGeom prst="straightConnector1">
+            <a:avLst/>
+          </a:prstGeom>
+          <a:ln w="19050">
+            <a:solidFill>
+              <a:schemeClr val="bg1"/>
+            </a:solidFill>
+            <a:tailEnd type="triangle"/>
+          </a:ln>
+        </p:spPr>
+        <p:style>
+          <a:lnRef idx="1">
+            <a:schemeClr val="accent1"/>
+          </a:lnRef>
+          <a:fillRef idx="0">
+            <a:schemeClr val="accent1"/>
+          </a:fillRef>
+          <a:effectRef idx="0">
+            <a:schemeClr val="accent1"/>
+          </a:effectRef>
+          <a:fontRef idx="minor">
+            <a:schemeClr val="tx1"/>
+          </a:fontRef>
+        </p:style>
+      </p:cxnSp>
+      <p:cxnSp>
+        <p:nvCxnSpPr>
+          <p:cNvPr id="79" name="Straight Arrow Connector 78"/>
+          <p:cNvCxnSpPr>
+            <a:stCxn id="40" idx="1"/>
+            <a:endCxn id="42" idx="3"/>
+          </p:cNvCxnSpPr>
+          <p:nvPr/>
+        </p:nvCxnSpPr>
+        <p:spPr>
+          <a:xfrm flipH="1">
+            <a:off x="6853408" y="3603622"/>
+            <a:ext cx="2367756" cy="1766147"/>
+          </a:xfrm>
+          <a:prstGeom prst="straightConnector1">
+            <a:avLst/>
+          </a:prstGeom>
+          <a:ln w="19050">
+            <a:solidFill>
+              <a:schemeClr val="bg1"/>
+            </a:solidFill>
+            <a:tailEnd type="triangle"/>
+          </a:ln>
+        </p:spPr>
+        <p:style>
+          <a:lnRef idx="1">
+            <a:schemeClr val="accent1"/>
+          </a:lnRef>
+          <a:fillRef idx="0">
+            <a:schemeClr val="accent1"/>
+          </a:fillRef>
+          <a:effectRef idx="0">
+            <a:schemeClr val="accent1"/>
+          </a:effectRef>
+          <a:fontRef idx="minor">
+            <a:schemeClr val="tx1"/>
+          </a:fontRef>
+        </p:style>
+      </p:cxnSp>
+      <p:sp>
+        <p:nvSpPr>
+          <p:cNvPr id="56" name="Oval 55"/>
+          <p:cNvSpPr/>
+          <p:nvPr/>
+        </p:nvSpPr>
+        <p:spPr>
+          <a:xfrm>
+            <a:off x="3679605" y="3453072"/>
+            <a:ext cx="350073" cy="350073"/>
+          </a:xfrm>
+          <a:prstGeom prst="ellipse">
+            <a:avLst/>
+          </a:prstGeom>
+          <a:solidFill>
+            <a:srgbClr val="FFFF00"/>
+          </a:solidFill>
+          <a:ln>
+            <a:noFill/>
+          </a:ln>
+        </p:spPr>
+        <p:style>
+          <a:lnRef idx="2">
+            <a:schemeClr val="accent1">
+              <a:shade val="50000"/>
+            </a:schemeClr>
+          </a:lnRef>
+          <a:fillRef idx="1">
+            <a:schemeClr val="accent1"/>
+          </a:fillRef>
+          <a:effectRef idx="0">
+            <a:schemeClr val="accent1"/>
+          </a:effectRef>
+          <a:fontRef idx="minor">
+            <a:schemeClr val="lt1"/>
+          </a:fontRef>
+        </p:style>
+        <p:txBody>
+          <a:bodyPr rtlCol="0" anchor="ctr"/>
+          <a:lstStyle/>
+          <a:p>
+            <a:pPr algn="ctr"/>
+            <a:endParaRPr lang="zh-CN" altLang="en-US"/>
+          </a:p>
+        </p:txBody>
+      </p:sp>
+      <p:sp>
+        <p:nvSpPr>
+          <p:cNvPr id="97" name="Oval 96"/>
+          <p:cNvSpPr/>
+          <p:nvPr/>
+        </p:nvSpPr>
+        <p:spPr>
+          <a:xfrm>
+            <a:off x="8301594" y="3450729"/>
+            <a:ext cx="350073" cy="350073"/>
+          </a:xfrm>
+          <a:prstGeom prst="ellipse">
+            <a:avLst/>
+          </a:prstGeom>
+          <a:solidFill>
+            <a:srgbClr val="FFFF00"/>
+          </a:solidFill>
+          <a:ln>
+            <a:noFill/>
+          </a:ln>
+        </p:spPr>
+        <p:style>
+          <a:lnRef idx="2">
+            <a:schemeClr val="accent1">
+              <a:shade val="50000"/>
+            </a:schemeClr>
+          </a:lnRef>
+          <a:fillRef idx="1">
+            <a:schemeClr val="accent1"/>
+          </a:fillRef>
+          <a:effectRef idx="0">
+            <a:schemeClr val="accent1"/>
+          </a:effectRef>
+          <a:fontRef idx="minor">
+            <a:schemeClr val="lt1"/>
+          </a:fontRef>
+        </p:style>
+        <p:txBody>
+          <a:bodyPr rtlCol="0" anchor="ctr"/>
+          <a:lstStyle/>
+          <a:p>
+            <a:pPr algn="ctr"/>
+            <a:endParaRPr lang="zh-CN" altLang="en-US"/>
+          </a:p>
+        </p:txBody>
+      </p:sp>
+      <p:sp>
+        <p:nvSpPr>
+          <p:cNvPr id="57" name="Left Brace 56"/>
+          <p:cNvSpPr/>
+          <p:nvPr/>
+        </p:nvSpPr>
+        <p:spPr>
+          <a:xfrm>
+            <a:off x="4483833" y="1496538"/>
+            <a:ext cx="633410" cy="4099892"/>
+          </a:xfrm>
+          <a:prstGeom prst="leftBrace">
+            <a:avLst>
+              <a:gd name="adj1" fmla="val 144976"/>
+              <a:gd name="adj2" fmla="val 51927"/>
+            </a:avLst>
+          </a:prstGeom>
+          <a:ln w="22225">
+            <a:solidFill>
+              <a:schemeClr val="bg1"/>
+            </a:solidFill>
+          </a:ln>
+        </p:spPr>
+        <p:style>
+          <a:lnRef idx="1">
+            <a:schemeClr val="accent1"/>
+          </a:lnRef>
+          <a:fillRef idx="0">
+            <a:schemeClr val="accent1"/>
+          </a:fillRef>
+          <a:effectRef idx="0">
+            <a:schemeClr val="accent1"/>
+          </a:effectRef>
+          <a:fontRef idx="minor">
+            <a:schemeClr val="tx1"/>
+          </a:fontRef>
+        </p:style>
+        <p:txBody>
+          <a:bodyPr rtlCol="0" anchor="ctr"/>
+          <a:lstStyle/>
+          <a:p>
+            <a:pPr algn="ctr"/>
+            <a:endParaRPr lang="zh-CN" altLang="en-US"/>
+          </a:p>
+        </p:txBody>
+      </p:sp>
+      <p:sp>
+        <p:nvSpPr>
+          <p:cNvPr id="100" name="Left Brace 99"/>
+          <p:cNvSpPr/>
+          <p:nvPr/>
+        </p:nvSpPr>
+        <p:spPr>
+          <a:xfrm rot="10800000">
+            <a:off x="7189695" y="1496538"/>
+            <a:ext cx="633410" cy="4099892"/>
+          </a:xfrm>
+          <a:prstGeom prst="leftBrace">
+            <a:avLst>
+              <a:gd name="adj1" fmla="val 144976"/>
+              <a:gd name="adj2" fmla="val 47797"/>
+            </a:avLst>
+          </a:prstGeom>
+          <a:ln w="22225">
+            <a:solidFill>
+              <a:schemeClr val="bg1"/>
+            </a:solidFill>
+          </a:ln>
+        </p:spPr>
+        <p:style>
+          <a:lnRef idx="1">
+            <a:schemeClr val="accent1"/>
+          </a:lnRef>
+          <a:fillRef idx="0">
+            <a:schemeClr val="accent1"/>
+          </a:fillRef>
+          <a:effectRef idx="0">
+            <a:schemeClr val="accent1"/>
+          </a:effectRef>
+          <a:fontRef idx="minor">
+            <a:schemeClr val="tx1"/>
+          </a:fontRef>
+        </p:style>
+        <p:txBody>
+          <a:bodyPr rtlCol="0" anchor="ctr"/>
+          <a:lstStyle/>
+          <a:p>
+            <a:pPr algn="ctr"/>
+            <a:endParaRPr lang="zh-CN" altLang="en-US"/>
+          </a:p>
+        </p:txBody>
+      </p:sp>
+      <p:sp>
+        <p:nvSpPr>
+          <p:cNvPr id="101" name="左右箭头 2"/>
+          <p:cNvSpPr/>
+          <p:nvPr/>
+        </p:nvSpPr>
+        <p:spPr>
+          <a:xfrm>
+            <a:off x="2438826" y="3391411"/>
+            <a:ext cx="948779" cy="485235"/>
+          </a:xfrm>
+          <a:prstGeom prst="leftRightArrow">
+            <a:avLst/>
+          </a:prstGeom>
+          <a:solidFill>
+            <a:schemeClr val="bg2">
+              <a:lumMod val="25000"/>
+              <a:alpha val="88000"/>
+            </a:schemeClr>
+          </a:solidFill>
+          <a:ln w="31750">
+            <a:solidFill>
+              <a:srgbClr val="FFFF00"/>
+            </a:solidFill>
+          </a:ln>
+        </p:spPr>
+        <p:style>
+          <a:lnRef idx="2">
+            <a:schemeClr val="accent1">
+              <a:shade val="50000"/>
+            </a:schemeClr>
+          </a:lnRef>
+          <a:fillRef idx="1">
+            <a:schemeClr val="accent1"/>
+          </a:fillRef>
+          <a:effectRef idx="0">
+            <a:schemeClr val="accent1"/>
+          </a:effectRef>
+          <a:fontRef idx="minor">
+            <a:schemeClr val="lt1"/>
+          </a:fontRef>
+        </p:style>
+        <p:txBody>
+          <a:bodyPr rtlCol="0" anchor="ctr"/>
+          <a:lstStyle/>
+          <a:p>
+            <a:pPr algn="ctr"/>
+            <a:endParaRPr kumimoji="1" lang="zh-CN" altLang="en-US" sz="2400" dirty="0">
+              <a:solidFill>
+                <a:schemeClr val="bg1"/>
+              </a:solidFill>
+              <a:latin typeface="Century Gothic" charset="0"/>
+              <a:ea typeface="Century Gothic" charset="0"/>
+              <a:cs typeface="Century Gothic" charset="0"/>
+            </a:endParaRPr>
+          </a:p>
+        </p:txBody>
+      </p:sp>
+      <p:sp>
+        <p:nvSpPr>
+          <p:cNvPr id="102" name="左右箭头 2"/>
+          <p:cNvSpPr/>
+          <p:nvPr/>
+        </p:nvSpPr>
+        <p:spPr>
+          <a:xfrm>
+            <a:off x="8870357" y="3349825"/>
+            <a:ext cx="948779" cy="485235"/>
+          </a:xfrm>
+          <a:prstGeom prst="leftRightArrow">
+            <a:avLst/>
+          </a:prstGeom>
+          <a:solidFill>
+            <a:schemeClr val="bg2">
+              <a:lumMod val="25000"/>
+              <a:alpha val="88000"/>
+            </a:schemeClr>
+          </a:solidFill>
+          <a:ln w="31750">
+            <a:solidFill>
+              <a:srgbClr val="FFFF00"/>
+            </a:solidFill>
+          </a:ln>
+        </p:spPr>
+        <p:style>
+          <a:lnRef idx="2">
+            <a:schemeClr val="accent1">
+              <a:shade val="50000"/>
+            </a:schemeClr>
+          </a:lnRef>
+          <a:fillRef idx="1">
+            <a:schemeClr val="accent1"/>
+          </a:fillRef>
+          <a:effectRef idx="0">
+            <a:schemeClr val="accent1"/>
+          </a:effectRef>
+          <a:fontRef idx="minor">
+            <a:schemeClr val="lt1"/>
+          </a:fontRef>
+        </p:style>
+        <p:txBody>
+          <a:bodyPr rtlCol="0" anchor="ctr"/>
+          <a:lstStyle/>
+          <a:p>
+            <a:pPr algn="ctr"/>
+            <a:endParaRPr kumimoji="1" lang="zh-CN" altLang="en-US" sz="2400" dirty="0">
+              <a:solidFill>
+                <a:schemeClr val="bg1"/>
+              </a:solidFill>
+              <a:latin typeface="Century Gothic" charset="0"/>
+              <a:ea typeface="Century Gothic" charset="0"/>
+              <a:cs typeface="Century Gothic" charset="0"/>
+            </a:endParaRPr>
+          </a:p>
+        </p:txBody>
+      </p:sp>
+      <p:sp>
+        <p:nvSpPr>
+          <p:cNvPr id="111" name="标题 1"/>
+          <p:cNvSpPr txBox="1">
+            <a:spLocks/>
+          </p:cNvSpPr>
+          <p:nvPr/>
+        </p:nvSpPr>
+        <p:spPr>
+          <a:xfrm>
+            <a:off x="4788081" y="2486802"/>
+            <a:ext cx="2640028" cy="556568"/>
+          </a:xfrm>
+          <a:prstGeom prst="rect">
+            <a:avLst/>
+          </a:prstGeom>
+        </p:spPr>
+        <p:txBody>
+          <a:bodyPr vert="horz" lIns="91440" tIns="45720" rIns="91440" bIns="45720" rtlCol="0" anchor="ctr">
+            <a:noAutofit/>
+          </a:bodyPr>
+          <a:lstStyle>
+            <a:lvl1pPr algn="ctr" defTabSz="914400" rtl="0" eaLnBrk="1" latinLnBrk="0" hangingPunct="1">
+              <a:lnSpc>
+                <a:spcPct val="90000"/>
+              </a:lnSpc>
+              <a:spcBef>
+                <a:spcPct val="0"/>
+              </a:spcBef>
+              <a:buNone/>
+              <a:defRPr sz="6000" kern="1200">
+                <a:solidFill>
+                  <a:schemeClr val="tx1"/>
+                </a:solidFill>
+                <a:latin typeface="+mj-lt"/>
+                <a:ea typeface="+mj-ea"/>
+                <a:cs typeface="+mj-cs"/>
+              </a:defRPr>
+            </a:lvl1pPr>
+          </a:lstStyle>
+          <a:p>
+            <a:r>
+              <a:rPr kumimoji="1" lang="en-US" altLang="zh-CN" sz="2400" i="1" dirty="0">
+                <a:solidFill>
+                  <a:srgbClr val="FFFF00"/>
+                </a:solidFill>
+                <a:latin typeface="Century Gothic" charset="0"/>
+                <a:ea typeface="Century Gothic" charset="0"/>
+                <a:cs typeface="Century Gothic" charset="0"/>
+              </a:rPr>
+              <a:t>Advocate Hub</a:t>
+            </a:r>
+          </a:p>
+        </p:txBody>
+      </p:sp>
+    </p:spTree>
+    <p:extLst>
+      <p:ext uri="{BB962C8B-B14F-4D97-AF65-F5344CB8AC3E}">
+        <p14:creationId xmlns:p14="http://schemas.microsoft.com/office/powerpoint/2010/main" val="3967885368"/>
+      </p:ext>
+    </p:extLst>
+  </p:cSld>
+  <p:clrMapOvr>
+    <a:masterClrMapping/>
+  </p:clrMapOvr>
+  <p:transition spd="slow">
+    <p:push/>
+  </p:transition>
+  <p:timing>
+    <p:tnLst>
+      <p:par>
+        <p:cTn id="1" dur="indefinite" restart="never" nodeType="tmRoot">
+          <p:childTnLst>
+            <p:seq concurrent="1" nextAc="seek">
+              <p:cTn id="2" dur="indefinite" nodeType="mainSeq">
+                <p:childTnLst>
+                  <p:par>
+                    <p:cTn id="3" fill="hold">
+                      <p:stCondLst>
+                        <p:cond delay="indefinite"/>
+                      </p:stCondLst>
+                      <p:childTnLst>
+                        <p:par>
+                          <p:cTn id="4" fill="hold">
+                            <p:stCondLst>
+                              <p:cond delay="0"/>
+                            </p:stCondLst>
+                            <p:childTnLst>
+                              <p:par>
+                                <p:cTn id="5" presetID="53" presetClass="entr" presetSubtype="16" fill="hold" nodeType="clickEffect">
+                                  <p:stCondLst>
+                                    <p:cond delay="0"/>
+                                  </p:stCondLst>
+                                  <p:childTnLst>
+                                    <p:set>
+                                      <p:cBhvr>
+                                        <p:cTn id="6" dur="1" fill="hold">
+                                          <p:stCondLst>
+                                            <p:cond delay="0"/>
+                                          </p:stCondLst>
+                                        </p:cTn>
+                                        <p:tgtEl>
+                                          <p:spTgt spid="27"/>
+                                        </p:tgtEl>
+                                        <p:attrNameLst>
+                                          <p:attrName>style.visibility</p:attrName>
+                                        </p:attrNameLst>
+                                      </p:cBhvr>
+                                      <p:to>
+                                        <p:strVal val="visible"/>
+                                      </p:to>
+                                    </p:set>
+                                    <p:anim calcmode="lin" valueType="num">
+                                      <p:cBhvr>
+                                        <p:cTn id="7" dur="500" fill="hold"/>
+                                        <p:tgtEl>
+                                          <p:spTgt spid="27"/>
+                                        </p:tgtEl>
+                                        <p:attrNameLst>
+                                          <p:attrName>ppt_w</p:attrName>
+                                        </p:attrNameLst>
+                                      </p:cBhvr>
+                                      <p:tavLst>
+                                        <p:tav tm="0">
+                                          <p:val>
+                                            <p:fltVal val="0"/>
+                                          </p:val>
+                                        </p:tav>
+                                        <p:tav tm="100000">
+                                          <p:val>
+                                            <p:strVal val="#ppt_w"/>
+                                          </p:val>
+                                        </p:tav>
+                                      </p:tavLst>
+                                    </p:anim>
+                                    <p:anim calcmode="lin" valueType="num">
+                                      <p:cBhvr>
+                                        <p:cTn id="8" dur="500" fill="hold"/>
+                                        <p:tgtEl>
+                                          <p:spTgt spid="27"/>
+                                        </p:tgtEl>
+                                        <p:attrNameLst>
+                                          <p:attrName>ppt_h</p:attrName>
+                                        </p:attrNameLst>
+                                      </p:cBhvr>
+                                      <p:tavLst>
+                                        <p:tav tm="0">
+                                          <p:val>
+                                            <p:fltVal val="0"/>
+                                          </p:val>
+                                        </p:tav>
+                                        <p:tav tm="100000">
+                                          <p:val>
+                                            <p:strVal val="#ppt_h"/>
+                                          </p:val>
+                                        </p:tav>
+                                      </p:tavLst>
+                                    </p:anim>
+                                    <p:animEffect transition="in" filter="fade">
+                                      <p:cBhvr>
+                                        <p:cTn id="9" dur="500"/>
+                                        <p:tgtEl>
+                                          <p:spTgt spid="27"/>
+                                        </p:tgtEl>
+                                      </p:cBhvr>
+                                    </p:animEffect>
+                                  </p:childTnLst>
+                                </p:cTn>
+                              </p:par>
+                              <p:par>
+                                <p:cTn id="10" presetID="53" presetClass="entr" presetSubtype="16" fill="hold" nodeType="withEffect">
+                                  <p:stCondLst>
+                                    <p:cond delay="100"/>
+                                  </p:stCondLst>
+                                  <p:childTnLst>
+                                    <p:set>
+                                      <p:cBhvr>
+                                        <p:cTn id="11" dur="1" fill="hold">
+                                          <p:stCondLst>
+                                            <p:cond delay="0"/>
+                                          </p:stCondLst>
+                                        </p:cTn>
+                                        <p:tgtEl>
+                                          <p:spTgt spid="7"/>
+                                        </p:tgtEl>
+                                        <p:attrNameLst>
+                                          <p:attrName>style.visibility</p:attrName>
+                                        </p:attrNameLst>
+                                      </p:cBhvr>
+                                      <p:to>
+                                        <p:strVal val="visible"/>
+                                      </p:to>
+                                    </p:set>
+                                    <p:anim calcmode="lin" valueType="num">
+                                      <p:cBhvr>
+                                        <p:cTn id="12" dur="500" fill="hold"/>
+                                        <p:tgtEl>
+                                          <p:spTgt spid="7"/>
+                                        </p:tgtEl>
+                                        <p:attrNameLst>
+                                          <p:attrName>ppt_w</p:attrName>
+                                        </p:attrNameLst>
+                                      </p:cBhvr>
+                                      <p:tavLst>
+                                        <p:tav tm="0">
+                                          <p:val>
+                                            <p:fltVal val="0"/>
+                                          </p:val>
+                                        </p:tav>
+                                        <p:tav tm="100000">
+                                          <p:val>
+                                            <p:strVal val="#ppt_w"/>
+                                          </p:val>
+                                        </p:tav>
+                                      </p:tavLst>
+                                    </p:anim>
+                                    <p:anim calcmode="lin" valueType="num">
+                                      <p:cBhvr>
+                                        <p:cTn id="13" dur="500" fill="hold"/>
+                                        <p:tgtEl>
+                                          <p:spTgt spid="7"/>
+                                        </p:tgtEl>
+                                        <p:attrNameLst>
+                                          <p:attrName>ppt_h</p:attrName>
+                                        </p:attrNameLst>
+                                      </p:cBhvr>
+                                      <p:tavLst>
+                                        <p:tav tm="0">
+                                          <p:val>
+                                            <p:fltVal val="0"/>
+                                          </p:val>
+                                        </p:tav>
+                                        <p:tav tm="100000">
+                                          <p:val>
+                                            <p:strVal val="#ppt_h"/>
+                                          </p:val>
+                                        </p:tav>
+                                      </p:tavLst>
+                                    </p:anim>
+                                    <p:animEffect transition="in" filter="fade">
+                                      <p:cBhvr>
+                                        <p:cTn id="14" dur="500"/>
+                                        <p:tgtEl>
+                                          <p:spTgt spid="7"/>
+                                        </p:tgtEl>
+                                      </p:cBhvr>
+                                    </p:animEffect>
+                                  </p:childTnLst>
+                                </p:cTn>
+                              </p:par>
+                              <p:par>
+                                <p:cTn id="15" presetID="53" presetClass="entr" presetSubtype="16" fill="hold" nodeType="withEffect">
+                                  <p:stCondLst>
+                                    <p:cond delay="200"/>
+                                  </p:stCondLst>
+                                  <p:childTnLst>
+                                    <p:set>
+                                      <p:cBhvr>
+                                        <p:cTn id="16" dur="1" fill="hold">
+                                          <p:stCondLst>
+                                            <p:cond delay="0"/>
+                                          </p:stCondLst>
+                                        </p:cTn>
+                                        <p:tgtEl>
+                                          <p:spTgt spid="25"/>
+                                        </p:tgtEl>
+                                        <p:attrNameLst>
+                                          <p:attrName>style.visibility</p:attrName>
+                                        </p:attrNameLst>
+                                      </p:cBhvr>
+                                      <p:to>
+                                        <p:strVal val="visible"/>
+                                      </p:to>
+                                    </p:set>
+                                    <p:anim calcmode="lin" valueType="num">
+                                      <p:cBhvr>
+                                        <p:cTn id="17" dur="500" fill="hold"/>
+                                        <p:tgtEl>
+                                          <p:spTgt spid="25"/>
+                                        </p:tgtEl>
+                                        <p:attrNameLst>
+                                          <p:attrName>ppt_w</p:attrName>
+                                        </p:attrNameLst>
+                                      </p:cBhvr>
+                                      <p:tavLst>
+                                        <p:tav tm="0">
+                                          <p:val>
+                                            <p:fltVal val="0"/>
+                                          </p:val>
+                                        </p:tav>
+                                        <p:tav tm="100000">
+                                          <p:val>
+                                            <p:strVal val="#ppt_w"/>
+                                          </p:val>
+                                        </p:tav>
+                                      </p:tavLst>
+                                    </p:anim>
+                                    <p:anim calcmode="lin" valueType="num">
+                                      <p:cBhvr>
+                                        <p:cTn id="18" dur="500" fill="hold"/>
+                                        <p:tgtEl>
+                                          <p:spTgt spid="25"/>
+                                        </p:tgtEl>
+                                        <p:attrNameLst>
+                                          <p:attrName>ppt_h</p:attrName>
+                                        </p:attrNameLst>
+                                      </p:cBhvr>
+                                      <p:tavLst>
+                                        <p:tav tm="0">
+                                          <p:val>
+                                            <p:fltVal val="0"/>
+                                          </p:val>
+                                        </p:tav>
+                                        <p:tav tm="100000">
+                                          <p:val>
+                                            <p:strVal val="#ppt_h"/>
+                                          </p:val>
+                                        </p:tav>
+                                      </p:tavLst>
+                                    </p:anim>
+                                    <p:animEffect transition="in" filter="fade">
+                                      <p:cBhvr>
+                                        <p:cTn id="19" dur="500"/>
+                                        <p:tgtEl>
+                                          <p:spTgt spid="25"/>
+                                        </p:tgtEl>
+                                      </p:cBhvr>
+                                    </p:animEffect>
+                                  </p:childTnLst>
+                                </p:cTn>
+                              </p:par>
+                              <p:par>
+                                <p:cTn id="20" presetID="53" presetClass="entr" presetSubtype="16" fill="hold" nodeType="withEffect">
+                                  <p:stCondLst>
+                                    <p:cond delay="300"/>
+                                  </p:stCondLst>
+                                  <p:childTnLst>
+                                    <p:set>
+                                      <p:cBhvr>
+                                        <p:cTn id="21" dur="1" fill="hold">
+                                          <p:stCondLst>
+                                            <p:cond delay="0"/>
+                                          </p:stCondLst>
+                                        </p:cTn>
+                                        <p:tgtEl>
+                                          <p:spTgt spid="5"/>
+                                        </p:tgtEl>
+                                        <p:attrNameLst>
+                                          <p:attrName>style.visibility</p:attrName>
+                                        </p:attrNameLst>
+                                      </p:cBhvr>
+                                      <p:to>
+                                        <p:strVal val="visible"/>
+                                      </p:to>
+                                    </p:set>
+                                    <p:anim calcmode="lin" valueType="num">
+                                      <p:cBhvr>
+                                        <p:cTn id="22" dur="500" fill="hold"/>
+                                        <p:tgtEl>
+                                          <p:spTgt spid="5"/>
+                                        </p:tgtEl>
+                                        <p:attrNameLst>
+                                          <p:attrName>ppt_w</p:attrName>
+                                        </p:attrNameLst>
+                                      </p:cBhvr>
+                                      <p:tavLst>
+                                        <p:tav tm="0">
+                                          <p:val>
+                                            <p:fltVal val="0"/>
+                                          </p:val>
+                                        </p:tav>
+                                        <p:tav tm="100000">
+                                          <p:val>
+                                            <p:strVal val="#ppt_w"/>
+                                          </p:val>
+                                        </p:tav>
+                                      </p:tavLst>
+                                    </p:anim>
+                                    <p:anim calcmode="lin" valueType="num">
+                                      <p:cBhvr>
+                                        <p:cTn id="23" dur="500" fill="hold"/>
+                                        <p:tgtEl>
+                                          <p:spTgt spid="5"/>
+                                        </p:tgtEl>
+                                        <p:attrNameLst>
+                                          <p:attrName>ppt_h</p:attrName>
+                                        </p:attrNameLst>
+                                      </p:cBhvr>
+                                      <p:tavLst>
+                                        <p:tav tm="0">
+                                          <p:val>
+                                            <p:fltVal val="0"/>
+                                          </p:val>
+                                        </p:tav>
+                                        <p:tav tm="100000">
+                                          <p:val>
+                                            <p:strVal val="#ppt_h"/>
+                                          </p:val>
+                                        </p:tav>
+                                      </p:tavLst>
+                                    </p:anim>
+                                    <p:animEffect transition="in" filter="fade">
+                                      <p:cBhvr>
+                                        <p:cTn id="24" dur="500"/>
+                                        <p:tgtEl>
+                                          <p:spTgt spid="5"/>
+                                        </p:tgtEl>
+                                      </p:cBhvr>
+                                    </p:animEffect>
+                                  </p:childTnLst>
+                                </p:cTn>
+                              </p:par>
+                              <p:par>
+                                <p:cTn id="25" presetID="53" presetClass="entr" presetSubtype="16" fill="hold" grpId="0" nodeType="withEffect">
+                                  <p:stCondLst>
+                                    <p:cond delay="400"/>
+                                  </p:stCondLst>
+                                  <p:childTnLst>
+                                    <p:set>
+                                      <p:cBhvr>
+                                        <p:cTn id="26" dur="1" fill="hold">
+                                          <p:stCondLst>
+                                            <p:cond delay="0"/>
+                                          </p:stCondLst>
+                                        </p:cTn>
+                                        <p:tgtEl>
+                                          <p:spTgt spid="41"/>
+                                        </p:tgtEl>
+                                        <p:attrNameLst>
+                                          <p:attrName>style.visibility</p:attrName>
+                                        </p:attrNameLst>
+                                      </p:cBhvr>
+                                      <p:to>
+                                        <p:strVal val="visible"/>
+                                      </p:to>
+                                    </p:set>
+                                    <p:anim calcmode="lin" valueType="num">
+                                      <p:cBhvr>
+                                        <p:cTn id="27" dur="500" fill="hold"/>
+                                        <p:tgtEl>
+                                          <p:spTgt spid="41"/>
+                                        </p:tgtEl>
+                                        <p:attrNameLst>
+                                          <p:attrName>ppt_w</p:attrName>
+                                        </p:attrNameLst>
+                                      </p:cBhvr>
+                                      <p:tavLst>
+                                        <p:tav tm="0">
+                                          <p:val>
+                                            <p:fltVal val="0"/>
+                                          </p:val>
+                                        </p:tav>
+                                        <p:tav tm="100000">
+                                          <p:val>
+                                            <p:strVal val="#ppt_w"/>
+                                          </p:val>
+                                        </p:tav>
+                                      </p:tavLst>
+                                    </p:anim>
+                                    <p:anim calcmode="lin" valueType="num">
+                                      <p:cBhvr>
+                                        <p:cTn id="28" dur="500" fill="hold"/>
+                                        <p:tgtEl>
+                                          <p:spTgt spid="41"/>
+                                        </p:tgtEl>
+                                        <p:attrNameLst>
+                                          <p:attrName>ppt_h</p:attrName>
+                                        </p:attrNameLst>
+                                      </p:cBhvr>
+                                      <p:tavLst>
+                                        <p:tav tm="0">
+                                          <p:val>
+                                            <p:fltVal val="0"/>
+                                          </p:val>
+                                        </p:tav>
+                                        <p:tav tm="100000">
+                                          <p:val>
+                                            <p:strVal val="#ppt_h"/>
+                                          </p:val>
+                                        </p:tav>
+                                      </p:tavLst>
+                                    </p:anim>
+                                    <p:animEffect transition="in" filter="fade">
+                                      <p:cBhvr>
+                                        <p:cTn id="29" dur="500"/>
+                                        <p:tgtEl>
+                                          <p:spTgt spid="41"/>
+                                        </p:tgtEl>
+                                      </p:cBhvr>
+                                    </p:animEffect>
+                                  </p:childTnLst>
+                                </p:cTn>
+                              </p:par>
+                              <p:par>
+                                <p:cTn id="30" presetID="53" presetClass="entr" presetSubtype="16" fill="hold" grpId="0" nodeType="withEffect">
+                                  <p:stCondLst>
+                                    <p:cond delay="500"/>
+                                  </p:stCondLst>
+                                  <p:childTnLst>
+                                    <p:set>
+                                      <p:cBhvr>
+                                        <p:cTn id="31" dur="1" fill="hold">
+                                          <p:stCondLst>
+                                            <p:cond delay="0"/>
+                                          </p:stCondLst>
+                                        </p:cTn>
+                                        <p:tgtEl>
+                                          <p:spTgt spid="42"/>
+                                        </p:tgtEl>
+                                        <p:attrNameLst>
+                                          <p:attrName>style.visibility</p:attrName>
+                                        </p:attrNameLst>
+                                      </p:cBhvr>
+                                      <p:to>
+                                        <p:strVal val="visible"/>
+                                      </p:to>
+                                    </p:set>
+                                    <p:anim calcmode="lin" valueType="num">
+                                      <p:cBhvr>
+                                        <p:cTn id="32" dur="500" fill="hold"/>
+                                        <p:tgtEl>
+                                          <p:spTgt spid="42"/>
+                                        </p:tgtEl>
+                                        <p:attrNameLst>
+                                          <p:attrName>ppt_w</p:attrName>
+                                        </p:attrNameLst>
+                                      </p:cBhvr>
+                                      <p:tavLst>
+                                        <p:tav tm="0">
+                                          <p:val>
+                                            <p:fltVal val="0"/>
+                                          </p:val>
+                                        </p:tav>
+                                        <p:tav tm="100000">
+                                          <p:val>
+                                            <p:strVal val="#ppt_w"/>
+                                          </p:val>
+                                        </p:tav>
+                                      </p:tavLst>
+                                    </p:anim>
+                                    <p:anim calcmode="lin" valueType="num">
+                                      <p:cBhvr>
+                                        <p:cTn id="33" dur="500" fill="hold"/>
+                                        <p:tgtEl>
+                                          <p:spTgt spid="42"/>
+                                        </p:tgtEl>
+                                        <p:attrNameLst>
+                                          <p:attrName>ppt_h</p:attrName>
+                                        </p:attrNameLst>
+                                      </p:cBhvr>
+                                      <p:tavLst>
+                                        <p:tav tm="0">
+                                          <p:val>
+                                            <p:fltVal val="0"/>
+                                          </p:val>
+                                        </p:tav>
+                                        <p:tav tm="100000">
+                                          <p:val>
+                                            <p:strVal val="#ppt_h"/>
+                                          </p:val>
+                                        </p:tav>
+                                      </p:tavLst>
+                                    </p:anim>
+                                    <p:animEffect transition="in" filter="fade">
+                                      <p:cBhvr>
+                                        <p:cTn id="34" dur="500"/>
+                                        <p:tgtEl>
+                                          <p:spTgt spid="42"/>
+                                        </p:tgtEl>
+                                      </p:cBhvr>
+                                    </p:animEffect>
+                                  </p:childTnLst>
+                                </p:cTn>
+                              </p:par>
+                            </p:childTnLst>
+                          </p:cTn>
+                        </p:par>
+                      </p:childTnLst>
+                    </p:cTn>
+                  </p:par>
+                  <p:par>
+                    <p:cTn id="35" fill="hold">
+                      <p:stCondLst>
+                        <p:cond delay="indefinite"/>
+                      </p:stCondLst>
+                      <p:childTnLst>
+                        <p:par>
+                          <p:cTn id="36" fill="hold">
+                            <p:stCondLst>
+                              <p:cond delay="0"/>
+                            </p:stCondLst>
+                            <p:childTnLst>
+                              <p:par>
+                                <p:cTn id="37" presetID="1" presetClass="entr" presetSubtype="0" fill="hold" grpId="0" nodeType="clickEffect">
+                                  <p:stCondLst>
+                                    <p:cond delay="0"/>
+                                  </p:stCondLst>
+                                  <p:childTnLst>
+                                    <p:set>
+                                      <p:cBhvr>
+                                        <p:cTn id="38" dur="1" fill="hold">
+                                          <p:stCondLst>
+                                            <p:cond delay="0"/>
+                                          </p:stCondLst>
+                                        </p:cTn>
+                                        <p:tgtEl>
+                                          <p:spTgt spid="39"/>
+                                        </p:tgtEl>
+                                        <p:attrNameLst>
+                                          <p:attrName>style.visibility</p:attrName>
+                                        </p:attrNameLst>
+                                      </p:cBhvr>
+                                      <p:to>
+                                        <p:strVal val="visible"/>
+                                      </p:to>
+                                    </p:set>
+                                  </p:childTnLst>
+                                </p:cTn>
+                              </p:par>
+                            </p:childTnLst>
+                          </p:cTn>
+                        </p:par>
+                        <p:par>
+                          <p:cTn id="39" fill="hold">
+                            <p:stCondLst>
+                              <p:cond delay="0"/>
+                            </p:stCondLst>
+                            <p:childTnLst>
+                              <p:par>
+                                <p:cTn id="40" presetID="22" presetClass="entr" presetSubtype="8" fill="hold" nodeType="afterEffect">
+                                  <p:stCondLst>
+                                    <p:cond delay="0"/>
+                                  </p:stCondLst>
+                                  <p:childTnLst>
+                                    <p:set>
+                                      <p:cBhvr>
+                                        <p:cTn id="41" dur="1" fill="hold">
+                                          <p:stCondLst>
+                                            <p:cond delay="0"/>
+                                          </p:stCondLst>
+                                        </p:cTn>
+                                        <p:tgtEl>
+                                          <p:spTgt spid="1031"/>
+                                        </p:tgtEl>
+                                        <p:attrNameLst>
+                                          <p:attrName>style.visibility</p:attrName>
+                                        </p:attrNameLst>
+                                      </p:cBhvr>
+                                      <p:to>
+                                        <p:strVal val="visible"/>
+                                      </p:to>
+                                    </p:set>
+                                    <p:animEffect transition="in" filter="wipe(left)">
+                                      <p:cBhvr>
+                                        <p:cTn id="42" dur="500"/>
+                                        <p:tgtEl>
+                                          <p:spTgt spid="1031"/>
+                                        </p:tgtEl>
+                                      </p:cBhvr>
+                                    </p:animEffect>
+                                  </p:childTnLst>
+                                </p:cTn>
+                              </p:par>
+                              <p:par>
+                                <p:cTn id="43" presetID="22" presetClass="entr" presetSubtype="8" fill="hold" nodeType="withEffect">
+                                  <p:stCondLst>
+                                    <p:cond delay="0"/>
+                                  </p:stCondLst>
+                                  <p:childTnLst>
+                                    <p:set>
+                                      <p:cBhvr>
+                                        <p:cTn id="44" dur="1" fill="hold">
+                                          <p:stCondLst>
+                                            <p:cond delay="0"/>
+                                          </p:stCondLst>
+                                        </p:cTn>
+                                        <p:tgtEl>
+                                          <p:spTgt spid="47"/>
+                                        </p:tgtEl>
+                                        <p:attrNameLst>
+                                          <p:attrName>style.visibility</p:attrName>
+                                        </p:attrNameLst>
+                                      </p:cBhvr>
+                                      <p:to>
+                                        <p:strVal val="visible"/>
+                                      </p:to>
+                                    </p:set>
+                                    <p:animEffect transition="in" filter="wipe(left)">
+                                      <p:cBhvr>
+                                        <p:cTn id="45" dur="500"/>
+                                        <p:tgtEl>
+                                          <p:spTgt spid="47"/>
+                                        </p:tgtEl>
+                                      </p:cBhvr>
+                                    </p:animEffect>
+                                  </p:childTnLst>
+                                </p:cTn>
+                              </p:par>
+                              <p:par>
+                                <p:cTn id="46" presetID="22" presetClass="entr" presetSubtype="8" fill="hold" nodeType="withEffect">
+                                  <p:stCondLst>
+                                    <p:cond delay="0"/>
+                                  </p:stCondLst>
+                                  <p:childTnLst>
+                                    <p:set>
+                                      <p:cBhvr>
+                                        <p:cTn id="47" dur="1" fill="hold">
+                                          <p:stCondLst>
+                                            <p:cond delay="0"/>
+                                          </p:stCondLst>
+                                        </p:cTn>
+                                        <p:tgtEl>
+                                          <p:spTgt spid="53"/>
+                                        </p:tgtEl>
+                                        <p:attrNameLst>
+                                          <p:attrName>style.visibility</p:attrName>
+                                        </p:attrNameLst>
+                                      </p:cBhvr>
+                                      <p:to>
+                                        <p:strVal val="visible"/>
+                                      </p:to>
+                                    </p:set>
+                                    <p:animEffect transition="in" filter="wipe(left)">
+                                      <p:cBhvr>
+                                        <p:cTn id="48" dur="500"/>
+                                        <p:tgtEl>
+                                          <p:spTgt spid="53"/>
+                                        </p:tgtEl>
+                                      </p:cBhvr>
+                                    </p:animEffect>
+                                  </p:childTnLst>
+                                </p:cTn>
+                              </p:par>
+                              <p:par>
+                                <p:cTn id="49" presetID="22" presetClass="entr" presetSubtype="8" fill="hold" nodeType="withEffect">
+                                  <p:stCondLst>
+                                    <p:cond delay="0"/>
+                                  </p:stCondLst>
+                                  <p:childTnLst>
+                                    <p:set>
+                                      <p:cBhvr>
+                                        <p:cTn id="50" dur="1" fill="hold">
+                                          <p:stCondLst>
+                                            <p:cond delay="0"/>
+                                          </p:stCondLst>
+                                        </p:cTn>
+                                        <p:tgtEl>
+                                          <p:spTgt spid="54"/>
+                                        </p:tgtEl>
+                                        <p:attrNameLst>
+                                          <p:attrName>style.visibility</p:attrName>
+                                        </p:attrNameLst>
+                                      </p:cBhvr>
+                                      <p:to>
+                                        <p:strVal val="visible"/>
+                                      </p:to>
+                                    </p:set>
+                                    <p:animEffect transition="in" filter="wipe(left)">
+                                      <p:cBhvr>
+                                        <p:cTn id="51" dur="500"/>
+                                        <p:tgtEl>
+                                          <p:spTgt spid="54"/>
+                                        </p:tgtEl>
+                                      </p:cBhvr>
+                                    </p:animEffect>
+                                  </p:childTnLst>
+                                </p:cTn>
+                              </p:par>
+                              <p:par>
+                                <p:cTn id="52" presetID="22" presetClass="entr" presetSubtype="8" fill="hold" nodeType="withEffect">
+                                  <p:stCondLst>
+                                    <p:cond delay="0"/>
+                                  </p:stCondLst>
+                                  <p:childTnLst>
+                                    <p:set>
+                                      <p:cBhvr>
+                                        <p:cTn id="53" dur="1" fill="hold">
+                                          <p:stCondLst>
+                                            <p:cond delay="0"/>
+                                          </p:stCondLst>
+                                        </p:cTn>
+                                        <p:tgtEl>
+                                          <p:spTgt spid="67"/>
+                                        </p:tgtEl>
+                                        <p:attrNameLst>
+                                          <p:attrName>style.visibility</p:attrName>
+                                        </p:attrNameLst>
+                                      </p:cBhvr>
+                                      <p:to>
+                                        <p:strVal val="visible"/>
+                                      </p:to>
+                                    </p:set>
+                                    <p:animEffect transition="in" filter="wipe(left)">
+                                      <p:cBhvr>
+                                        <p:cTn id="54" dur="500"/>
+                                        <p:tgtEl>
+                                          <p:spTgt spid="67"/>
+                                        </p:tgtEl>
+                                      </p:cBhvr>
+                                    </p:animEffect>
+                                  </p:childTnLst>
+                                </p:cTn>
+                              </p:par>
+                              <p:par>
+                                <p:cTn id="55" presetID="22" presetClass="entr" presetSubtype="8" fill="hold" nodeType="withEffect">
+                                  <p:stCondLst>
+                                    <p:cond delay="0"/>
+                                  </p:stCondLst>
+                                  <p:childTnLst>
+                                    <p:set>
+                                      <p:cBhvr>
+                                        <p:cTn id="56" dur="1" fill="hold">
+                                          <p:stCondLst>
+                                            <p:cond delay="0"/>
+                                          </p:stCondLst>
+                                        </p:cTn>
+                                        <p:tgtEl>
+                                          <p:spTgt spid="71"/>
+                                        </p:tgtEl>
+                                        <p:attrNameLst>
+                                          <p:attrName>style.visibility</p:attrName>
+                                        </p:attrNameLst>
+                                      </p:cBhvr>
+                                      <p:to>
+                                        <p:strVal val="visible"/>
+                                      </p:to>
+                                    </p:set>
+                                    <p:animEffect transition="in" filter="wipe(left)">
+                                      <p:cBhvr>
+                                        <p:cTn id="57" dur="500"/>
+                                        <p:tgtEl>
+                                          <p:spTgt spid="71"/>
+                                        </p:tgtEl>
+                                      </p:cBhvr>
+                                    </p:animEffect>
+                                  </p:childTnLst>
+                                </p:cTn>
+                              </p:par>
+                            </p:childTnLst>
+                          </p:cTn>
+                        </p:par>
+                      </p:childTnLst>
+                    </p:cTn>
+                  </p:par>
+                  <p:par>
+                    <p:cTn id="58" fill="hold">
+                      <p:stCondLst>
+                        <p:cond delay="indefinite"/>
+                      </p:stCondLst>
+                      <p:childTnLst>
+                        <p:par>
+                          <p:cTn id="59" fill="hold">
+                            <p:stCondLst>
+                              <p:cond delay="0"/>
+                            </p:stCondLst>
+                            <p:childTnLst>
+                              <p:par>
+                                <p:cTn id="60" presetID="1" presetClass="entr" presetSubtype="0" fill="hold" grpId="0" nodeType="clickEffect">
+                                  <p:stCondLst>
+                                    <p:cond delay="0"/>
+                                  </p:stCondLst>
+                                  <p:childTnLst>
+                                    <p:set>
+                                      <p:cBhvr>
+                                        <p:cTn id="61" dur="1" fill="hold">
+                                          <p:stCondLst>
+                                            <p:cond delay="0"/>
+                                          </p:stCondLst>
+                                        </p:cTn>
+                                        <p:tgtEl>
+                                          <p:spTgt spid="40"/>
+                                        </p:tgtEl>
+                                        <p:attrNameLst>
+                                          <p:attrName>style.visibility</p:attrName>
+                                        </p:attrNameLst>
+                                      </p:cBhvr>
+                                      <p:to>
+                                        <p:strVal val="visible"/>
+                                      </p:to>
+                                    </p:set>
+                                  </p:childTnLst>
+                                </p:cTn>
+                              </p:par>
+                            </p:childTnLst>
+                          </p:cTn>
+                        </p:par>
+                        <p:par>
+                          <p:cTn id="62" fill="hold">
+                            <p:stCondLst>
+                              <p:cond delay="0"/>
+                            </p:stCondLst>
+                            <p:childTnLst>
+                              <p:par>
+                                <p:cTn id="63" presetID="22" presetClass="entr" presetSubtype="2" fill="hold" nodeType="afterEffect">
+                                  <p:stCondLst>
+                                    <p:cond delay="0"/>
+                                  </p:stCondLst>
+                                  <p:childTnLst>
+                                    <p:set>
+                                      <p:cBhvr>
+                                        <p:cTn id="64" dur="1" fill="hold">
+                                          <p:stCondLst>
+                                            <p:cond delay="0"/>
+                                          </p:stCondLst>
+                                        </p:cTn>
+                                        <p:tgtEl>
+                                          <p:spTgt spid="74"/>
+                                        </p:tgtEl>
+                                        <p:attrNameLst>
+                                          <p:attrName>style.visibility</p:attrName>
+                                        </p:attrNameLst>
+                                      </p:cBhvr>
+                                      <p:to>
+                                        <p:strVal val="visible"/>
+                                      </p:to>
+                                    </p:set>
+                                    <p:animEffect transition="in" filter="wipe(right)">
+                                      <p:cBhvr>
+                                        <p:cTn id="65" dur="500"/>
+                                        <p:tgtEl>
+                                          <p:spTgt spid="74"/>
+                                        </p:tgtEl>
+                                      </p:cBhvr>
+                                    </p:animEffect>
+                                  </p:childTnLst>
+                                </p:cTn>
+                              </p:par>
+                              <p:par>
+                                <p:cTn id="66" presetID="22" presetClass="entr" presetSubtype="2" fill="hold" nodeType="withEffect">
+                                  <p:stCondLst>
+                                    <p:cond delay="0"/>
+                                  </p:stCondLst>
+                                  <p:childTnLst>
+                                    <p:set>
+                                      <p:cBhvr>
+                                        <p:cTn id="67" dur="1" fill="hold">
+                                          <p:stCondLst>
+                                            <p:cond delay="0"/>
+                                          </p:stCondLst>
+                                        </p:cTn>
+                                        <p:tgtEl>
+                                          <p:spTgt spid="75"/>
+                                        </p:tgtEl>
+                                        <p:attrNameLst>
+                                          <p:attrName>style.visibility</p:attrName>
+                                        </p:attrNameLst>
+                                      </p:cBhvr>
+                                      <p:to>
+                                        <p:strVal val="visible"/>
+                                      </p:to>
+                                    </p:set>
+                                    <p:animEffect transition="in" filter="wipe(right)">
+                                      <p:cBhvr>
+                                        <p:cTn id="68" dur="500"/>
+                                        <p:tgtEl>
+                                          <p:spTgt spid="75"/>
+                                        </p:tgtEl>
+                                      </p:cBhvr>
+                                    </p:animEffect>
+                                  </p:childTnLst>
+                                </p:cTn>
+                              </p:par>
+                              <p:par>
+                                <p:cTn id="69" presetID="22" presetClass="entr" presetSubtype="2" fill="hold" nodeType="withEffect">
+                                  <p:stCondLst>
+                                    <p:cond delay="0"/>
+                                  </p:stCondLst>
+                                  <p:childTnLst>
+                                    <p:set>
+                                      <p:cBhvr>
+                                        <p:cTn id="70" dur="1" fill="hold">
+                                          <p:stCondLst>
+                                            <p:cond delay="0"/>
+                                          </p:stCondLst>
+                                        </p:cTn>
+                                        <p:tgtEl>
+                                          <p:spTgt spid="76"/>
+                                        </p:tgtEl>
+                                        <p:attrNameLst>
+                                          <p:attrName>style.visibility</p:attrName>
+                                        </p:attrNameLst>
+                                      </p:cBhvr>
+                                      <p:to>
+                                        <p:strVal val="visible"/>
+                                      </p:to>
+                                    </p:set>
+                                    <p:animEffect transition="in" filter="wipe(right)">
+                                      <p:cBhvr>
+                                        <p:cTn id="71" dur="500"/>
+                                        <p:tgtEl>
+                                          <p:spTgt spid="76"/>
+                                        </p:tgtEl>
+                                      </p:cBhvr>
+                                    </p:animEffect>
+                                  </p:childTnLst>
+                                </p:cTn>
+                              </p:par>
+                              <p:par>
+                                <p:cTn id="72" presetID="22" presetClass="entr" presetSubtype="2" fill="hold" nodeType="withEffect">
+                                  <p:stCondLst>
+                                    <p:cond delay="0"/>
+                                  </p:stCondLst>
+                                  <p:childTnLst>
+                                    <p:set>
+                                      <p:cBhvr>
+                                        <p:cTn id="73" dur="1" fill="hold">
+                                          <p:stCondLst>
+                                            <p:cond delay="0"/>
+                                          </p:stCondLst>
+                                        </p:cTn>
+                                        <p:tgtEl>
+                                          <p:spTgt spid="77"/>
+                                        </p:tgtEl>
+                                        <p:attrNameLst>
+                                          <p:attrName>style.visibility</p:attrName>
+                                        </p:attrNameLst>
+                                      </p:cBhvr>
+                                      <p:to>
+                                        <p:strVal val="visible"/>
+                                      </p:to>
+                                    </p:set>
+                                    <p:animEffect transition="in" filter="wipe(right)">
+                                      <p:cBhvr>
+                                        <p:cTn id="74" dur="500"/>
+                                        <p:tgtEl>
+                                          <p:spTgt spid="77"/>
+                                        </p:tgtEl>
+                                      </p:cBhvr>
+                                    </p:animEffect>
+                                  </p:childTnLst>
+                                </p:cTn>
+                              </p:par>
+                              <p:par>
+                                <p:cTn id="75" presetID="22" presetClass="entr" presetSubtype="2" fill="hold" nodeType="withEffect">
+                                  <p:stCondLst>
+                                    <p:cond delay="0"/>
+                                  </p:stCondLst>
+                                  <p:childTnLst>
+                                    <p:set>
+                                      <p:cBhvr>
+                                        <p:cTn id="76" dur="1" fill="hold">
+                                          <p:stCondLst>
+                                            <p:cond delay="0"/>
+                                          </p:stCondLst>
+                                        </p:cTn>
+                                        <p:tgtEl>
+                                          <p:spTgt spid="78"/>
+                                        </p:tgtEl>
+                                        <p:attrNameLst>
+                                          <p:attrName>style.visibility</p:attrName>
+                                        </p:attrNameLst>
+                                      </p:cBhvr>
+                                      <p:to>
+                                        <p:strVal val="visible"/>
+                                      </p:to>
+                                    </p:set>
+                                    <p:animEffect transition="in" filter="wipe(right)">
+                                      <p:cBhvr>
+                                        <p:cTn id="77" dur="500"/>
+                                        <p:tgtEl>
+                                          <p:spTgt spid="78"/>
+                                        </p:tgtEl>
+                                      </p:cBhvr>
+                                    </p:animEffect>
+                                  </p:childTnLst>
+                                </p:cTn>
+                              </p:par>
+                              <p:par>
+                                <p:cTn id="78" presetID="22" presetClass="entr" presetSubtype="2" fill="hold" nodeType="withEffect">
+                                  <p:stCondLst>
+                                    <p:cond delay="0"/>
+                                  </p:stCondLst>
+                                  <p:childTnLst>
+                                    <p:set>
+                                      <p:cBhvr>
+                                        <p:cTn id="79" dur="1" fill="hold">
+                                          <p:stCondLst>
+                                            <p:cond delay="0"/>
+                                          </p:stCondLst>
+                                        </p:cTn>
+                                        <p:tgtEl>
+                                          <p:spTgt spid="79"/>
+                                        </p:tgtEl>
+                                        <p:attrNameLst>
+                                          <p:attrName>style.visibility</p:attrName>
+                                        </p:attrNameLst>
+                                      </p:cBhvr>
+                                      <p:to>
+                                        <p:strVal val="visible"/>
+                                      </p:to>
+                                    </p:set>
+                                    <p:animEffect transition="in" filter="wipe(right)">
+                                      <p:cBhvr>
+                                        <p:cTn id="80" dur="500"/>
+                                        <p:tgtEl>
+                                          <p:spTgt spid="79"/>
+                                        </p:tgtEl>
+                                      </p:cBhvr>
+                                    </p:animEffect>
+                                  </p:childTnLst>
+                                </p:cTn>
+                              </p:par>
+                            </p:childTnLst>
+                          </p:cTn>
+                        </p:par>
+                      </p:childTnLst>
+                    </p:cTn>
+                  </p:par>
+                  <p:par>
+                    <p:cTn id="81" fill="hold">
+                      <p:stCondLst>
+                        <p:cond delay="indefinite"/>
+                      </p:stCondLst>
+                      <p:childTnLst>
+                        <p:par>
+                          <p:cTn id="82" fill="hold">
+                            <p:stCondLst>
+                              <p:cond delay="0"/>
+                            </p:stCondLst>
+                            <p:childTnLst>
+                              <p:par>
+                                <p:cTn id="83" presetID="1" presetClass="exit" presetSubtype="0" fill="hold" nodeType="clickEffect">
+                                  <p:stCondLst>
+                                    <p:cond delay="0"/>
+                                  </p:stCondLst>
+                                  <p:childTnLst>
+                                    <p:set>
+                                      <p:cBhvr>
+                                        <p:cTn id="84" dur="1" fill="hold">
+                                          <p:stCondLst>
+                                            <p:cond delay="0"/>
+                                          </p:stCondLst>
+                                        </p:cTn>
+                                        <p:tgtEl>
+                                          <p:spTgt spid="1031"/>
+                                        </p:tgtEl>
+                                        <p:attrNameLst>
+                                          <p:attrName>style.visibility</p:attrName>
+                                        </p:attrNameLst>
+                                      </p:cBhvr>
+                                      <p:to>
+                                        <p:strVal val="hidden"/>
+                                      </p:to>
+                                    </p:set>
+                                  </p:childTnLst>
+                                </p:cTn>
+                              </p:par>
+                              <p:par>
+                                <p:cTn id="85" presetID="1" presetClass="exit" presetSubtype="0" fill="hold" nodeType="withEffect">
+                                  <p:stCondLst>
+                                    <p:cond delay="0"/>
+                                  </p:stCondLst>
+                                  <p:childTnLst>
+                                    <p:set>
+                                      <p:cBhvr>
+                                        <p:cTn id="86" dur="1" fill="hold">
+                                          <p:stCondLst>
+                                            <p:cond delay="0"/>
+                                          </p:stCondLst>
+                                        </p:cTn>
+                                        <p:tgtEl>
+                                          <p:spTgt spid="47"/>
+                                        </p:tgtEl>
+                                        <p:attrNameLst>
+                                          <p:attrName>style.visibility</p:attrName>
+                                        </p:attrNameLst>
+                                      </p:cBhvr>
+                                      <p:to>
+                                        <p:strVal val="hidden"/>
+                                      </p:to>
+                                    </p:set>
+                                  </p:childTnLst>
+                                </p:cTn>
+                              </p:par>
+                              <p:par>
+                                <p:cTn id="87" presetID="1" presetClass="exit" presetSubtype="0" fill="hold" nodeType="withEffect">
+                                  <p:stCondLst>
+                                    <p:cond delay="0"/>
+                                  </p:stCondLst>
+                                  <p:childTnLst>
+                                    <p:set>
+                                      <p:cBhvr>
+                                        <p:cTn id="88" dur="1" fill="hold">
+                                          <p:stCondLst>
+                                            <p:cond delay="0"/>
+                                          </p:stCondLst>
+                                        </p:cTn>
+                                        <p:tgtEl>
+                                          <p:spTgt spid="53"/>
+                                        </p:tgtEl>
+                                        <p:attrNameLst>
+                                          <p:attrName>style.visibility</p:attrName>
+                                        </p:attrNameLst>
+                                      </p:cBhvr>
+                                      <p:to>
+                                        <p:strVal val="hidden"/>
+                                      </p:to>
+                                    </p:set>
+                                  </p:childTnLst>
+                                </p:cTn>
+                              </p:par>
+                              <p:par>
+                                <p:cTn id="89" presetID="1" presetClass="exit" presetSubtype="0" fill="hold" nodeType="withEffect">
+                                  <p:stCondLst>
+                                    <p:cond delay="0"/>
+                                  </p:stCondLst>
+                                  <p:childTnLst>
+                                    <p:set>
+                                      <p:cBhvr>
+                                        <p:cTn id="90" dur="1" fill="hold">
+                                          <p:stCondLst>
+                                            <p:cond delay="0"/>
+                                          </p:stCondLst>
+                                        </p:cTn>
+                                        <p:tgtEl>
+                                          <p:spTgt spid="54"/>
+                                        </p:tgtEl>
+                                        <p:attrNameLst>
+                                          <p:attrName>style.visibility</p:attrName>
+                                        </p:attrNameLst>
+                                      </p:cBhvr>
+                                      <p:to>
+                                        <p:strVal val="hidden"/>
+                                      </p:to>
+                                    </p:set>
+                                  </p:childTnLst>
+                                </p:cTn>
+                              </p:par>
+                              <p:par>
+                                <p:cTn id="91" presetID="1" presetClass="exit" presetSubtype="0" fill="hold" nodeType="withEffect">
+                                  <p:stCondLst>
+                                    <p:cond delay="0"/>
+                                  </p:stCondLst>
+                                  <p:childTnLst>
+                                    <p:set>
+                                      <p:cBhvr>
+                                        <p:cTn id="92" dur="1" fill="hold">
+                                          <p:stCondLst>
+                                            <p:cond delay="0"/>
+                                          </p:stCondLst>
+                                        </p:cTn>
+                                        <p:tgtEl>
+                                          <p:spTgt spid="67"/>
+                                        </p:tgtEl>
+                                        <p:attrNameLst>
+                                          <p:attrName>style.visibility</p:attrName>
+                                        </p:attrNameLst>
+                                      </p:cBhvr>
+                                      <p:to>
+                                        <p:strVal val="hidden"/>
+                                      </p:to>
+                                    </p:set>
+                                  </p:childTnLst>
+                                </p:cTn>
+                              </p:par>
+                              <p:par>
+                                <p:cTn id="93" presetID="1" presetClass="exit" presetSubtype="0" fill="hold" nodeType="withEffect">
+                                  <p:stCondLst>
+                                    <p:cond delay="0"/>
+                                  </p:stCondLst>
+                                  <p:childTnLst>
+                                    <p:set>
+                                      <p:cBhvr>
+                                        <p:cTn id="94" dur="1" fill="hold">
+                                          <p:stCondLst>
+                                            <p:cond delay="0"/>
+                                          </p:stCondLst>
+                                        </p:cTn>
+                                        <p:tgtEl>
+                                          <p:spTgt spid="71"/>
+                                        </p:tgtEl>
+                                        <p:attrNameLst>
+                                          <p:attrName>style.visibility</p:attrName>
+                                        </p:attrNameLst>
+                                      </p:cBhvr>
+                                      <p:to>
+                                        <p:strVal val="hidden"/>
+                                      </p:to>
+                                    </p:set>
+                                  </p:childTnLst>
+                                </p:cTn>
+                              </p:par>
+                              <p:par>
+                                <p:cTn id="95" presetID="1" presetClass="exit" presetSubtype="0" fill="hold" nodeType="withEffect">
+                                  <p:stCondLst>
+                                    <p:cond delay="0"/>
+                                  </p:stCondLst>
+                                  <p:childTnLst>
+                                    <p:set>
+                                      <p:cBhvr>
+                                        <p:cTn id="96" dur="1" fill="hold">
+                                          <p:stCondLst>
+                                            <p:cond delay="0"/>
+                                          </p:stCondLst>
+                                        </p:cTn>
+                                        <p:tgtEl>
+                                          <p:spTgt spid="74"/>
+                                        </p:tgtEl>
+                                        <p:attrNameLst>
+                                          <p:attrName>style.visibility</p:attrName>
+                                        </p:attrNameLst>
+                                      </p:cBhvr>
+                                      <p:to>
+                                        <p:strVal val="hidden"/>
+                                      </p:to>
+                                    </p:set>
+                                  </p:childTnLst>
+                                </p:cTn>
+                              </p:par>
+                              <p:par>
+                                <p:cTn id="97" presetID="1" presetClass="exit" presetSubtype="0" fill="hold" nodeType="withEffect">
+                                  <p:stCondLst>
+                                    <p:cond delay="0"/>
+                                  </p:stCondLst>
+                                  <p:childTnLst>
+                                    <p:set>
+                                      <p:cBhvr>
+                                        <p:cTn id="98" dur="1" fill="hold">
+                                          <p:stCondLst>
+                                            <p:cond delay="0"/>
+                                          </p:stCondLst>
+                                        </p:cTn>
+                                        <p:tgtEl>
+                                          <p:spTgt spid="75"/>
+                                        </p:tgtEl>
+                                        <p:attrNameLst>
+                                          <p:attrName>style.visibility</p:attrName>
+                                        </p:attrNameLst>
+                                      </p:cBhvr>
+                                      <p:to>
+                                        <p:strVal val="hidden"/>
+                                      </p:to>
+                                    </p:set>
+                                  </p:childTnLst>
+                                </p:cTn>
+                              </p:par>
+                              <p:par>
+                                <p:cTn id="99" presetID="1" presetClass="exit" presetSubtype="0" fill="hold" nodeType="withEffect">
+                                  <p:stCondLst>
+                                    <p:cond delay="0"/>
+                                  </p:stCondLst>
+                                  <p:childTnLst>
+                                    <p:set>
+                                      <p:cBhvr>
+                                        <p:cTn id="100" dur="1" fill="hold">
+                                          <p:stCondLst>
+                                            <p:cond delay="0"/>
+                                          </p:stCondLst>
+                                        </p:cTn>
+                                        <p:tgtEl>
+                                          <p:spTgt spid="76"/>
+                                        </p:tgtEl>
+                                        <p:attrNameLst>
+                                          <p:attrName>style.visibility</p:attrName>
+                                        </p:attrNameLst>
+                                      </p:cBhvr>
+                                      <p:to>
+                                        <p:strVal val="hidden"/>
+                                      </p:to>
+                                    </p:set>
+                                  </p:childTnLst>
+                                </p:cTn>
+                              </p:par>
+                              <p:par>
+                                <p:cTn id="101" presetID="1" presetClass="exit" presetSubtype="0" fill="hold" nodeType="withEffect">
+                                  <p:stCondLst>
+                                    <p:cond delay="0"/>
+                                  </p:stCondLst>
+                                  <p:childTnLst>
+                                    <p:set>
+                                      <p:cBhvr>
+                                        <p:cTn id="102" dur="1" fill="hold">
+                                          <p:stCondLst>
+                                            <p:cond delay="0"/>
+                                          </p:stCondLst>
+                                        </p:cTn>
+                                        <p:tgtEl>
+                                          <p:spTgt spid="77"/>
+                                        </p:tgtEl>
+                                        <p:attrNameLst>
+                                          <p:attrName>style.visibility</p:attrName>
+                                        </p:attrNameLst>
+                                      </p:cBhvr>
+                                      <p:to>
+                                        <p:strVal val="hidden"/>
+                                      </p:to>
+                                    </p:set>
+                                  </p:childTnLst>
+                                </p:cTn>
+                              </p:par>
+                              <p:par>
+                                <p:cTn id="103" presetID="1" presetClass="exit" presetSubtype="0" fill="hold" nodeType="withEffect">
+                                  <p:stCondLst>
+                                    <p:cond delay="0"/>
+                                  </p:stCondLst>
+                                  <p:childTnLst>
+                                    <p:set>
+                                      <p:cBhvr>
+                                        <p:cTn id="104" dur="1" fill="hold">
+                                          <p:stCondLst>
+                                            <p:cond delay="0"/>
+                                          </p:stCondLst>
+                                        </p:cTn>
+                                        <p:tgtEl>
+                                          <p:spTgt spid="78"/>
+                                        </p:tgtEl>
+                                        <p:attrNameLst>
+                                          <p:attrName>style.visibility</p:attrName>
+                                        </p:attrNameLst>
+                                      </p:cBhvr>
+                                      <p:to>
+                                        <p:strVal val="hidden"/>
+                                      </p:to>
+                                    </p:set>
+                                  </p:childTnLst>
+                                </p:cTn>
+                              </p:par>
+                              <p:par>
+                                <p:cTn id="105" presetID="1" presetClass="exit" presetSubtype="0" fill="hold" nodeType="withEffect">
+                                  <p:stCondLst>
+                                    <p:cond delay="0"/>
+                                  </p:stCondLst>
+                                  <p:childTnLst>
+                                    <p:set>
+                                      <p:cBhvr>
+                                        <p:cTn id="106" dur="1" fill="hold">
+                                          <p:stCondLst>
+                                            <p:cond delay="0"/>
+                                          </p:stCondLst>
+                                        </p:cTn>
+                                        <p:tgtEl>
+                                          <p:spTgt spid="79"/>
+                                        </p:tgtEl>
+                                        <p:attrNameLst>
+                                          <p:attrName>style.visibility</p:attrName>
+                                        </p:attrNameLst>
+                                      </p:cBhvr>
+                                      <p:to>
+                                        <p:strVal val="hidden"/>
+                                      </p:to>
+                                    </p:set>
+                                  </p:childTnLst>
+                                </p:cTn>
+                              </p:par>
+                            </p:childTnLst>
+                          </p:cTn>
+                        </p:par>
+                        <p:par>
+                          <p:cTn id="107" fill="hold">
+                            <p:stCondLst>
+                              <p:cond delay="0"/>
+                            </p:stCondLst>
+                            <p:childTnLst>
+                              <p:par>
+                                <p:cTn id="108" presetID="35" presetClass="path" presetSubtype="0" accel="50000" decel="50000" fill="hold" grpId="1" nodeType="afterEffect">
+                                  <p:stCondLst>
+                                    <p:cond delay="0"/>
+                                  </p:stCondLst>
+                                  <p:childTnLst>
+                                    <p:animMotion origin="layout" path="M -3.125E-6 4.81481E-6 L -0.05182 4.81481E-6 " pathEditMode="relative" rAng="0" ptsTypes="AA">
+                                      <p:cBhvr>
+                                        <p:cTn id="109" dur="1000" fill="hold"/>
+                                        <p:tgtEl>
+                                          <p:spTgt spid="39"/>
+                                        </p:tgtEl>
+                                        <p:attrNameLst>
+                                          <p:attrName>ppt_x</p:attrName>
+                                          <p:attrName>ppt_y</p:attrName>
+                                        </p:attrNameLst>
+                                      </p:cBhvr>
+                                      <p:rCtr x="-2591" y="0"/>
+                                    </p:animMotion>
+                                  </p:childTnLst>
+                                </p:cTn>
+                              </p:par>
+                              <p:par>
+                                <p:cTn id="110" presetID="63" presetClass="path" presetSubtype="0" accel="50000" decel="50000" fill="hold" grpId="1" nodeType="withEffect">
+                                  <p:stCondLst>
+                                    <p:cond delay="0"/>
+                                  </p:stCondLst>
+                                  <p:childTnLst>
+                                    <p:animMotion origin="layout" path="M -2.08333E-7 -2.96296E-6 L 0.05313 -2.96296E-6 " pathEditMode="relative" rAng="0" ptsTypes="AA">
+                                      <p:cBhvr>
+                                        <p:cTn id="111" dur="1000" fill="hold"/>
+                                        <p:tgtEl>
+                                          <p:spTgt spid="40"/>
+                                        </p:tgtEl>
+                                        <p:attrNameLst>
+                                          <p:attrName>ppt_x</p:attrName>
+                                          <p:attrName>ppt_y</p:attrName>
+                                        </p:attrNameLst>
+                                      </p:cBhvr>
+                                      <p:rCtr x="2656" y="0"/>
+                                    </p:animMotion>
+                                  </p:childTnLst>
+                                </p:cTn>
+                              </p:par>
+                              <p:par>
+                                <p:cTn id="112" presetID="53" presetClass="entr" presetSubtype="16" fill="hold" grpId="0" nodeType="withEffect">
+                                  <p:stCondLst>
+                                    <p:cond delay="500"/>
+                                  </p:stCondLst>
+                                  <p:childTnLst>
+                                    <p:set>
+                                      <p:cBhvr>
+                                        <p:cTn id="113" dur="1" fill="hold">
+                                          <p:stCondLst>
+                                            <p:cond delay="0"/>
+                                          </p:stCondLst>
+                                        </p:cTn>
+                                        <p:tgtEl>
+                                          <p:spTgt spid="56"/>
+                                        </p:tgtEl>
+                                        <p:attrNameLst>
+                                          <p:attrName>style.visibility</p:attrName>
+                                        </p:attrNameLst>
+                                      </p:cBhvr>
+                                      <p:to>
+                                        <p:strVal val="visible"/>
+                                      </p:to>
+                                    </p:set>
+                                    <p:anim calcmode="lin" valueType="num">
+                                      <p:cBhvr>
+                                        <p:cTn id="114" dur="300" fill="hold"/>
+                                        <p:tgtEl>
+                                          <p:spTgt spid="56"/>
+                                        </p:tgtEl>
+                                        <p:attrNameLst>
+                                          <p:attrName>ppt_w</p:attrName>
+                                        </p:attrNameLst>
+                                      </p:cBhvr>
+                                      <p:tavLst>
+                                        <p:tav tm="0">
+                                          <p:val>
+                                            <p:fltVal val="0"/>
+                                          </p:val>
+                                        </p:tav>
+                                        <p:tav tm="100000">
+                                          <p:val>
+                                            <p:strVal val="#ppt_w"/>
+                                          </p:val>
+                                        </p:tav>
+                                      </p:tavLst>
+                                    </p:anim>
+                                    <p:anim calcmode="lin" valueType="num">
+                                      <p:cBhvr>
+                                        <p:cTn id="115" dur="300" fill="hold"/>
+                                        <p:tgtEl>
+                                          <p:spTgt spid="56"/>
+                                        </p:tgtEl>
+                                        <p:attrNameLst>
+                                          <p:attrName>ppt_h</p:attrName>
+                                        </p:attrNameLst>
+                                      </p:cBhvr>
+                                      <p:tavLst>
+                                        <p:tav tm="0">
+                                          <p:val>
+                                            <p:fltVal val="0"/>
+                                          </p:val>
+                                        </p:tav>
+                                        <p:tav tm="100000">
+                                          <p:val>
+                                            <p:strVal val="#ppt_h"/>
+                                          </p:val>
+                                        </p:tav>
+                                      </p:tavLst>
+                                    </p:anim>
+                                    <p:animEffect transition="in" filter="fade">
+                                      <p:cBhvr>
+                                        <p:cTn id="116" dur="300"/>
+                                        <p:tgtEl>
+                                          <p:spTgt spid="56"/>
+                                        </p:tgtEl>
+                                      </p:cBhvr>
+                                    </p:animEffect>
+                                  </p:childTnLst>
+                                </p:cTn>
+                              </p:par>
+                              <p:par>
+                                <p:cTn id="117" presetID="53" presetClass="entr" presetSubtype="16" fill="hold" grpId="0" nodeType="withEffect">
+                                  <p:stCondLst>
+                                    <p:cond delay="500"/>
+                                  </p:stCondLst>
+                                  <p:childTnLst>
+                                    <p:set>
+                                      <p:cBhvr>
+                                        <p:cTn id="118" dur="1" fill="hold">
+                                          <p:stCondLst>
+                                            <p:cond delay="0"/>
+                                          </p:stCondLst>
+                                        </p:cTn>
+                                        <p:tgtEl>
+                                          <p:spTgt spid="97"/>
+                                        </p:tgtEl>
+                                        <p:attrNameLst>
+                                          <p:attrName>style.visibility</p:attrName>
+                                        </p:attrNameLst>
+                                      </p:cBhvr>
+                                      <p:to>
+                                        <p:strVal val="visible"/>
+                                      </p:to>
+                                    </p:set>
+                                    <p:anim calcmode="lin" valueType="num">
+                                      <p:cBhvr>
+                                        <p:cTn id="119" dur="300" fill="hold"/>
+                                        <p:tgtEl>
+                                          <p:spTgt spid="97"/>
+                                        </p:tgtEl>
+                                        <p:attrNameLst>
+                                          <p:attrName>ppt_w</p:attrName>
+                                        </p:attrNameLst>
+                                      </p:cBhvr>
+                                      <p:tavLst>
+                                        <p:tav tm="0">
+                                          <p:val>
+                                            <p:fltVal val="0"/>
+                                          </p:val>
+                                        </p:tav>
+                                        <p:tav tm="100000">
+                                          <p:val>
+                                            <p:strVal val="#ppt_w"/>
+                                          </p:val>
+                                        </p:tav>
+                                      </p:tavLst>
+                                    </p:anim>
+                                    <p:anim calcmode="lin" valueType="num">
+                                      <p:cBhvr>
+                                        <p:cTn id="120" dur="300" fill="hold"/>
+                                        <p:tgtEl>
+                                          <p:spTgt spid="97"/>
+                                        </p:tgtEl>
+                                        <p:attrNameLst>
+                                          <p:attrName>ppt_h</p:attrName>
+                                        </p:attrNameLst>
+                                      </p:cBhvr>
+                                      <p:tavLst>
+                                        <p:tav tm="0">
+                                          <p:val>
+                                            <p:fltVal val="0"/>
+                                          </p:val>
+                                        </p:tav>
+                                        <p:tav tm="100000">
+                                          <p:val>
+                                            <p:strVal val="#ppt_h"/>
+                                          </p:val>
+                                        </p:tav>
+                                      </p:tavLst>
+                                    </p:anim>
+                                    <p:animEffect transition="in" filter="fade">
+                                      <p:cBhvr>
+                                        <p:cTn id="121" dur="300"/>
+                                        <p:tgtEl>
+                                          <p:spTgt spid="97"/>
+                                        </p:tgtEl>
+                                      </p:cBhvr>
+                                    </p:animEffect>
+                                  </p:childTnLst>
+                                </p:cTn>
+                              </p:par>
+                            </p:childTnLst>
+                          </p:cTn>
+                        </p:par>
+                        <p:par>
+                          <p:cTn id="122" fill="hold">
+                            <p:stCondLst>
+                              <p:cond delay="1000"/>
+                            </p:stCondLst>
+                            <p:childTnLst>
+                              <p:par>
+                                <p:cTn id="123" presetID="16" presetClass="entr" presetSubtype="42" fill="hold" grpId="0" nodeType="afterEffect">
+                                  <p:stCondLst>
+                                    <p:cond delay="0"/>
+                                  </p:stCondLst>
+                                  <p:childTnLst>
+                                    <p:set>
+                                      <p:cBhvr>
+                                        <p:cTn id="124" dur="1" fill="hold">
+                                          <p:stCondLst>
+                                            <p:cond delay="0"/>
+                                          </p:stCondLst>
+                                        </p:cTn>
+                                        <p:tgtEl>
+                                          <p:spTgt spid="57"/>
+                                        </p:tgtEl>
+                                        <p:attrNameLst>
+                                          <p:attrName>style.visibility</p:attrName>
+                                        </p:attrNameLst>
+                                      </p:cBhvr>
+                                      <p:to>
+                                        <p:strVal val="visible"/>
+                                      </p:to>
+                                    </p:set>
+                                    <p:animEffect transition="in" filter="barn(outHorizontal)">
+                                      <p:cBhvr>
+                                        <p:cTn id="125" dur="300"/>
+                                        <p:tgtEl>
+                                          <p:spTgt spid="57"/>
+                                        </p:tgtEl>
+                                      </p:cBhvr>
+                                    </p:animEffect>
+                                  </p:childTnLst>
+                                </p:cTn>
+                              </p:par>
+                              <p:par>
+                                <p:cTn id="126" presetID="16" presetClass="entr" presetSubtype="26" fill="hold" grpId="0" nodeType="withEffect">
+                                  <p:stCondLst>
+                                    <p:cond delay="0"/>
+                                  </p:stCondLst>
+                                  <p:childTnLst>
+                                    <p:set>
+                                      <p:cBhvr>
+                                        <p:cTn id="127" dur="1" fill="hold">
+                                          <p:stCondLst>
+                                            <p:cond delay="0"/>
+                                          </p:stCondLst>
+                                        </p:cTn>
+                                        <p:tgtEl>
+                                          <p:spTgt spid="100"/>
+                                        </p:tgtEl>
+                                        <p:attrNameLst>
+                                          <p:attrName>style.visibility</p:attrName>
+                                        </p:attrNameLst>
+                                      </p:cBhvr>
+                                      <p:to>
+                                        <p:strVal val="visible"/>
+                                      </p:to>
+                                    </p:set>
+                                    <p:animEffect transition="in" filter="barn(inHorizontal)">
+                                      <p:cBhvr>
+                                        <p:cTn id="128" dur="300"/>
+                                        <p:tgtEl>
+                                          <p:spTgt spid="100"/>
+                                        </p:tgtEl>
+                                      </p:cBhvr>
+                                    </p:animEffect>
+                                  </p:childTnLst>
+                                </p:cTn>
+                              </p:par>
+                              <p:par>
+                                <p:cTn id="129" presetID="16" presetClass="entr" presetSubtype="37" fill="hold" grpId="0" nodeType="withEffect">
+                                  <p:stCondLst>
+                                    <p:cond delay="0"/>
+                                  </p:stCondLst>
+                                  <p:childTnLst>
+                                    <p:set>
+                                      <p:cBhvr>
+                                        <p:cTn id="130" dur="1" fill="hold">
+                                          <p:stCondLst>
+                                            <p:cond delay="0"/>
+                                          </p:stCondLst>
+                                        </p:cTn>
+                                        <p:tgtEl>
+                                          <p:spTgt spid="101"/>
+                                        </p:tgtEl>
+                                        <p:attrNameLst>
+                                          <p:attrName>style.visibility</p:attrName>
+                                        </p:attrNameLst>
+                                      </p:cBhvr>
+                                      <p:to>
+                                        <p:strVal val="visible"/>
+                                      </p:to>
+                                    </p:set>
+                                    <p:animEffect transition="in" filter="barn(outVertical)">
+                                      <p:cBhvr>
+                                        <p:cTn id="131" dur="300"/>
+                                        <p:tgtEl>
+                                          <p:spTgt spid="101"/>
+                                        </p:tgtEl>
+                                      </p:cBhvr>
+                                    </p:animEffect>
+                                  </p:childTnLst>
+                                </p:cTn>
+                              </p:par>
+                              <p:par>
+                                <p:cTn id="132" presetID="16" presetClass="entr" presetSubtype="37" fill="hold" grpId="0" nodeType="withEffect">
+                                  <p:stCondLst>
+                                    <p:cond delay="0"/>
+                                  </p:stCondLst>
+                                  <p:childTnLst>
+                                    <p:set>
+                                      <p:cBhvr>
+                                        <p:cTn id="133" dur="1" fill="hold">
+                                          <p:stCondLst>
+                                            <p:cond delay="0"/>
+                                          </p:stCondLst>
+                                        </p:cTn>
+                                        <p:tgtEl>
+                                          <p:spTgt spid="102"/>
+                                        </p:tgtEl>
+                                        <p:attrNameLst>
+                                          <p:attrName>style.visibility</p:attrName>
+                                        </p:attrNameLst>
+                                      </p:cBhvr>
+                                      <p:to>
+                                        <p:strVal val="visible"/>
+                                      </p:to>
+                                    </p:set>
+                                    <p:animEffect transition="in" filter="barn(outVertical)">
+                                      <p:cBhvr>
+                                        <p:cTn id="134" dur="300"/>
+                                        <p:tgtEl>
+                                          <p:spTgt spid="102"/>
+                                        </p:tgtEl>
+                                      </p:cBhvr>
+                                    </p:animEffect>
+                                  </p:childTnLst>
+                                </p:cTn>
+                              </p:par>
+                            </p:childTnLst>
+                          </p:cTn>
+                        </p:par>
+                      </p:childTnLst>
+                    </p:cTn>
+                  </p:par>
+                  <p:par>
+                    <p:cTn id="135" fill="hold">
+                      <p:stCondLst>
+                        <p:cond delay="indefinite"/>
+                      </p:stCondLst>
+                      <p:childTnLst>
+                        <p:par>
+                          <p:cTn id="136" fill="hold">
+                            <p:stCondLst>
+                              <p:cond delay="0"/>
+                            </p:stCondLst>
+                            <p:childTnLst>
+                              <p:par>
+                                <p:cTn id="137" presetID="10" presetClass="exit" presetSubtype="0" fill="hold" nodeType="clickEffect">
+                                  <p:stCondLst>
+                                    <p:cond delay="0"/>
+                                  </p:stCondLst>
+                                  <p:childTnLst>
+                                    <p:animEffect transition="out" filter="fade">
+                                      <p:cBhvr>
+                                        <p:cTn id="138" dur="500"/>
+                                        <p:tgtEl>
+                                          <p:spTgt spid="27"/>
+                                        </p:tgtEl>
+                                      </p:cBhvr>
+                                    </p:animEffect>
+                                    <p:set>
+                                      <p:cBhvr>
+                                        <p:cTn id="139" dur="1" fill="hold">
+                                          <p:stCondLst>
+                                            <p:cond delay="499"/>
+                                          </p:stCondLst>
+                                        </p:cTn>
+                                        <p:tgtEl>
+                                          <p:spTgt spid="27"/>
+                                        </p:tgtEl>
+                                        <p:attrNameLst>
+                                          <p:attrName>style.visibility</p:attrName>
+                                        </p:attrNameLst>
+                                      </p:cBhvr>
+                                      <p:to>
+                                        <p:strVal val="hidden"/>
+                                      </p:to>
+                                    </p:set>
+                                  </p:childTnLst>
+                                </p:cTn>
+                              </p:par>
+                              <p:par>
+                                <p:cTn id="140" presetID="10" presetClass="exit" presetSubtype="0" fill="hold" nodeType="withEffect">
+                                  <p:stCondLst>
+                                    <p:cond delay="0"/>
+                                  </p:stCondLst>
+                                  <p:childTnLst>
+                                    <p:animEffect transition="out" filter="fade">
+                                      <p:cBhvr>
+                                        <p:cTn id="141" dur="500"/>
+                                        <p:tgtEl>
+                                          <p:spTgt spid="7"/>
+                                        </p:tgtEl>
+                                      </p:cBhvr>
+                                    </p:animEffect>
+                                    <p:set>
+                                      <p:cBhvr>
+                                        <p:cTn id="142" dur="1" fill="hold">
+                                          <p:stCondLst>
+                                            <p:cond delay="499"/>
+                                          </p:stCondLst>
+                                        </p:cTn>
+                                        <p:tgtEl>
+                                          <p:spTgt spid="7"/>
+                                        </p:tgtEl>
+                                        <p:attrNameLst>
+                                          <p:attrName>style.visibility</p:attrName>
+                                        </p:attrNameLst>
+                                      </p:cBhvr>
+                                      <p:to>
+                                        <p:strVal val="hidden"/>
+                                      </p:to>
+                                    </p:set>
+                                  </p:childTnLst>
+                                </p:cTn>
+                              </p:par>
+                              <p:par>
+                                <p:cTn id="143" presetID="10" presetClass="exit" presetSubtype="0" fill="hold" nodeType="withEffect">
+                                  <p:stCondLst>
+                                    <p:cond delay="0"/>
+                                  </p:stCondLst>
+                                  <p:childTnLst>
+                                    <p:animEffect transition="out" filter="fade">
+                                      <p:cBhvr>
+                                        <p:cTn id="144" dur="500"/>
+                                        <p:tgtEl>
+                                          <p:spTgt spid="25"/>
+                                        </p:tgtEl>
+                                      </p:cBhvr>
+                                    </p:animEffect>
+                                    <p:set>
+                                      <p:cBhvr>
+                                        <p:cTn id="145" dur="1" fill="hold">
+                                          <p:stCondLst>
+                                            <p:cond delay="499"/>
+                                          </p:stCondLst>
+                                        </p:cTn>
+                                        <p:tgtEl>
+                                          <p:spTgt spid="25"/>
+                                        </p:tgtEl>
+                                        <p:attrNameLst>
+                                          <p:attrName>style.visibility</p:attrName>
+                                        </p:attrNameLst>
+                                      </p:cBhvr>
+                                      <p:to>
+                                        <p:strVal val="hidden"/>
+                                      </p:to>
+                                    </p:set>
+                                  </p:childTnLst>
+                                </p:cTn>
+                              </p:par>
+                              <p:par>
+                                <p:cTn id="146" presetID="10" presetClass="exit" presetSubtype="0" fill="hold" nodeType="withEffect">
+                                  <p:stCondLst>
+                                    <p:cond delay="0"/>
+                                  </p:stCondLst>
+                                  <p:childTnLst>
+                                    <p:animEffect transition="out" filter="fade">
+                                      <p:cBhvr>
+                                        <p:cTn id="147" dur="500"/>
+                                        <p:tgtEl>
+                                          <p:spTgt spid="5"/>
+                                        </p:tgtEl>
+                                      </p:cBhvr>
+                                    </p:animEffect>
+                                    <p:set>
+                                      <p:cBhvr>
+                                        <p:cTn id="148" dur="1" fill="hold">
+                                          <p:stCondLst>
+                                            <p:cond delay="499"/>
+                                          </p:stCondLst>
+                                        </p:cTn>
+                                        <p:tgtEl>
+                                          <p:spTgt spid="5"/>
+                                        </p:tgtEl>
+                                        <p:attrNameLst>
+                                          <p:attrName>style.visibility</p:attrName>
+                                        </p:attrNameLst>
+                                      </p:cBhvr>
+                                      <p:to>
+                                        <p:strVal val="hidden"/>
+                                      </p:to>
+                                    </p:set>
+                                  </p:childTnLst>
+                                </p:cTn>
+                              </p:par>
+                              <p:par>
+                                <p:cTn id="149" presetID="10" presetClass="exit" presetSubtype="0" fill="hold" grpId="1" nodeType="withEffect">
+                                  <p:stCondLst>
+                                    <p:cond delay="0"/>
+                                  </p:stCondLst>
+                                  <p:childTnLst>
+                                    <p:animEffect transition="out" filter="fade">
+                                      <p:cBhvr>
+                                        <p:cTn id="150" dur="500"/>
+                                        <p:tgtEl>
+                                          <p:spTgt spid="41"/>
+                                        </p:tgtEl>
+                                      </p:cBhvr>
+                                    </p:animEffect>
+                                    <p:set>
+                                      <p:cBhvr>
+                                        <p:cTn id="151" dur="1" fill="hold">
+                                          <p:stCondLst>
+                                            <p:cond delay="499"/>
+                                          </p:stCondLst>
+                                        </p:cTn>
+                                        <p:tgtEl>
+                                          <p:spTgt spid="41"/>
+                                        </p:tgtEl>
+                                        <p:attrNameLst>
+                                          <p:attrName>style.visibility</p:attrName>
+                                        </p:attrNameLst>
+                                      </p:cBhvr>
+                                      <p:to>
+                                        <p:strVal val="hidden"/>
+                                      </p:to>
+                                    </p:set>
+                                  </p:childTnLst>
+                                </p:cTn>
+                              </p:par>
+                              <p:par>
+                                <p:cTn id="152" presetID="10" presetClass="exit" presetSubtype="0" fill="hold" grpId="1" nodeType="withEffect">
+                                  <p:stCondLst>
+                                    <p:cond delay="0"/>
+                                  </p:stCondLst>
+                                  <p:childTnLst>
+                                    <p:animEffect transition="out" filter="fade">
+                                      <p:cBhvr>
+                                        <p:cTn id="153" dur="500"/>
+                                        <p:tgtEl>
+                                          <p:spTgt spid="42"/>
+                                        </p:tgtEl>
+                                      </p:cBhvr>
+                                    </p:animEffect>
+                                    <p:set>
+                                      <p:cBhvr>
+                                        <p:cTn id="154" dur="1" fill="hold">
+                                          <p:stCondLst>
+                                            <p:cond delay="499"/>
+                                          </p:stCondLst>
+                                        </p:cTn>
+                                        <p:tgtEl>
+                                          <p:spTgt spid="42"/>
+                                        </p:tgtEl>
+                                        <p:attrNameLst>
+                                          <p:attrName>style.visibility</p:attrName>
+                                        </p:attrNameLst>
+                                      </p:cBhvr>
+                                      <p:to>
+                                        <p:strVal val="hidden"/>
+                                      </p:to>
+                                    </p:set>
+                                  </p:childTnLst>
+                                </p:cTn>
+                              </p:par>
+                              <p:par>
+                                <p:cTn id="155" presetID="10" presetClass="exit" presetSubtype="0" fill="hold" grpId="2" nodeType="withEffect">
+                                  <p:stCondLst>
+                                    <p:cond delay="0"/>
+                                  </p:stCondLst>
+                                  <p:childTnLst>
+                                    <p:animEffect transition="out" filter="fade">
+                                      <p:cBhvr>
+                                        <p:cTn id="156" dur="500"/>
+                                        <p:tgtEl>
+                                          <p:spTgt spid="39"/>
+                                        </p:tgtEl>
+                                      </p:cBhvr>
+                                    </p:animEffect>
+                                    <p:set>
+                                      <p:cBhvr>
+                                        <p:cTn id="157" dur="1" fill="hold">
+                                          <p:stCondLst>
+                                            <p:cond delay="499"/>
+                                          </p:stCondLst>
+                                        </p:cTn>
+                                        <p:tgtEl>
+                                          <p:spTgt spid="39"/>
+                                        </p:tgtEl>
+                                        <p:attrNameLst>
+                                          <p:attrName>style.visibility</p:attrName>
+                                        </p:attrNameLst>
+                                      </p:cBhvr>
+                                      <p:to>
+                                        <p:strVal val="hidden"/>
+                                      </p:to>
+                                    </p:set>
+                                  </p:childTnLst>
+                                </p:cTn>
+                              </p:par>
+                              <p:par>
+                                <p:cTn id="158" presetID="10" presetClass="exit" presetSubtype="0" fill="hold" grpId="2" nodeType="withEffect">
+                                  <p:stCondLst>
+                                    <p:cond delay="0"/>
+                                  </p:stCondLst>
+                                  <p:childTnLst>
+                                    <p:animEffect transition="out" filter="fade">
+                                      <p:cBhvr>
+                                        <p:cTn id="159" dur="500"/>
+                                        <p:tgtEl>
+                                          <p:spTgt spid="40"/>
+                                        </p:tgtEl>
+                                      </p:cBhvr>
+                                    </p:animEffect>
+                                    <p:set>
+                                      <p:cBhvr>
+                                        <p:cTn id="160" dur="1" fill="hold">
+                                          <p:stCondLst>
+                                            <p:cond delay="499"/>
+                                          </p:stCondLst>
+                                        </p:cTn>
+                                        <p:tgtEl>
+                                          <p:spTgt spid="40"/>
+                                        </p:tgtEl>
+                                        <p:attrNameLst>
+                                          <p:attrName>style.visibility</p:attrName>
+                                        </p:attrNameLst>
+                                      </p:cBhvr>
+                                      <p:to>
+                                        <p:strVal val="hidden"/>
+                                      </p:to>
+                                    </p:set>
+                                  </p:childTnLst>
+                                </p:cTn>
+                              </p:par>
+                              <p:par>
+                                <p:cTn id="161" presetID="10" presetClass="exit" presetSubtype="0" fill="hold" grpId="1" nodeType="withEffect">
+                                  <p:stCondLst>
+                                    <p:cond delay="0"/>
+                                  </p:stCondLst>
+                                  <p:childTnLst>
+                                    <p:animEffect transition="out" filter="fade">
+                                      <p:cBhvr>
+                                        <p:cTn id="162" dur="500"/>
+                                        <p:tgtEl>
+                                          <p:spTgt spid="57"/>
+                                        </p:tgtEl>
+                                      </p:cBhvr>
+                                    </p:animEffect>
+                                    <p:set>
+                                      <p:cBhvr>
+                                        <p:cTn id="163" dur="1" fill="hold">
+                                          <p:stCondLst>
+                                            <p:cond delay="499"/>
+                                          </p:stCondLst>
+                                        </p:cTn>
+                                        <p:tgtEl>
+                                          <p:spTgt spid="57"/>
+                                        </p:tgtEl>
+                                        <p:attrNameLst>
+                                          <p:attrName>style.visibility</p:attrName>
+                                        </p:attrNameLst>
+                                      </p:cBhvr>
+                                      <p:to>
+                                        <p:strVal val="hidden"/>
+                                      </p:to>
+                                    </p:set>
+                                  </p:childTnLst>
+                                </p:cTn>
+                              </p:par>
+                              <p:par>
+                                <p:cTn id="164" presetID="10" presetClass="exit" presetSubtype="0" fill="hold" grpId="1" nodeType="withEffect">
+                                  <p:stCondLst>
+                                    <p:cond delay="0"/>
+                                  </p:stCondLst>
+                                  <p:childTnLst>
+                                    <p:animEffect transition="out" filter="fade">
+                                      <p:cBhvr>
+                                        <p:cTn id="165" dur="500"/>
+                                        <p:tgtEl>
+                                          <p:spTgt spid="100"/>
+                                        </p:tgtEl>
+                                      </p:cBhvr>
+                                    </p:animEffect>
+                                    <p:set>
+                                      <p:cBhvr>
+                                        <p:cTn id="166" dur="1" fill="hold">
+                                          <p:stCondLst>
+                                            <p:cond delay="499"/>
+                                          </p:stCondLst>
+                                        </p:cTn>
+                                        <p:tgtEl>
+                                          <p:spTgt spid="100"/>
+                                        </p:tgtEl>
+                                        <p:attrNameLst>
+                                          <p:attrName>style.visibility</p:attrName>
+                                        </p:attrNameLst>
+                                      </p:cBhvr>
+                                      <p:to>
+                                        <p:strVal val="hidden"/>
+                                      </p:to>
+                                    </p:set>
+                                  </p:childTnLst>
+                                </p:cTn>
+                              </p:par>
+                              <p:par>
+                                <p:cTn id="167" presetID="10" presetClass="exit" presetSubtype="0" fill="hold" grpId="1" nodeType="withEffect">
+                                  <p:stCondLst>
+                                    <p:cond delay="0"/>
+                                  </p:stCondLst>
+                                  <p:childTnLst>
+                                    <p:animEffect transition="out" filter="fade">
+                                      <p:cBhvr>
+                                        <p:cTn id="168" dur="500"/>
+                                        <p:tgtEl>
+                                          <p:spTgt spid="101"/>
+                                        </p:tgtEl>
+                                      </p:cBhvr>
+                                    </p:animEffect>
+                                    <p:set>
+                                      <p:cBhvr>
+                                        <p:cTn id="169" dur="1" fill="hold">
+                                          <p:stCondLst>
+                                            <p:cond delay="499"/>
+                                          </p:stCondLst>
+                                        </p:cTn>
+                                        <p:tgtEl>
+                                          <p:spTgt spid="101"/>
+                                        </p:tgtEl>
+                                        <p:attrNameLst>
+                                          <p:attrName>style.visibility</p:attrName>
+                                        </p:attrNameLst>
+                                      </p:cBhvr>
+                                      <p:to>
+                                        <p:strVal val="hidden"/>
+                                      </p:to>
+                                    </p:set>
+                                  </p:childTnLst>
+                                </p:cTn>
+                              </p:par>
+                              <p:par>
+                                <p:cTn id="170" presetID="10" presetClass="exit" presetSubtype="0" fill="hold" grpId="1" nodeType="withEffect">
+                                  <p:stCondLst>
+                                    <p:cond delay="0"/>
+                                  </p:stCondLst>
+                                  <p:childTnLst>
+                                    <p:animEffect transition="out" filter="fade">
+                                      <p:cBhvr>
+                                        <p:cTn id="171" dur="500"/>
+                                        <p:tgtEl>
+                                          <p:spTgt spid="102"/>
+                                        </p:tgtEl>
+                                      </p:cBhvr>
+                                    </p:animEffect>
+                                    <p:set>
+                                      <p:cBhvr>
+                                        <p:cTn id="172" dur="1" fill="hold">
+                                          <p:stCondLst>
+                                            <p:cond delay="499"/>
+                                          </p:stCondLst>
+                                        </p:cTn>
+                                        <p:tgtEl>
+                                          <p:spTgt spid="102"/>
+                                        </p:tgtEl>
+                                        <p:attrNameLst>
+                                          <p:attrName>style.visibility</p:attrName>
+                                        </p:attrNameLst>
+                                      </p:cBhvr>
+                                      <p:to>
+                                        <p:strVal val="hidden"/>
+                                      </p:to>
+                                    </p:set>
+                                  </p:childTnLst>
+                                </p:cTn>
+                              </p:par>
+                              <p:par>
+                                <p:cTn id="173" presetID="63" presetClass="path" presetSubtype="0" accel="50000" decel="50000" fill="hold" grpId="1" nodeType="withEffect">
+                                  <p:stCondLst>
+                                    <p:cond delay="300"/>
+                                  </p:stCondLst>
+                                  <p:childTnLst>
+                                    <p:animMotion origin="layout" path="M 4.16667E-6 4.81481E-6 L 0.18489 4.81481E-6 " pathEditMode="relative" rAng="0" ptsTypes="AA">
+                                      <p:cBhvr>
+                                        <p:cTn id="174" dur="1000" fill="hold"/>
+                                        <p:tgtEl>
+                                          <p:spTgt spid="56"/>
+                                        </p:tgtEl>
+                                        <p:attrNameLst>
+                                          <p:attrName>ppt_x</p:attrName>
+                                          <p:attrName>ppt_y</p:attrName>
+                                        </p:attrNameLst>
+                                      </p:cBhvr>
+                                      <p:rCtr x="9245" y="0"/>
+                                    </p:animMotion>
+                                  </p:childTnLst>
+                                </p:cTn>
+                              </p:par>
+                              <p:par>
+                                <p:cTn id="175" presetID="35" presetClass="path" presetSubtype="0" accel="50000" decel="50000" fill="hold" grpId="1" nodeType="withEffect">
+                                  <p:stCondLst>
+                                    <p:cond delay="300"/>
+                                  </p:stCondLst>
+                                  <p:childTnLst>
+                                    <p:animMotion origin="layout" path="M -2.29167E-6 -3.7037E-6 L -0.19414 -3.7037E-6 " pathEditMode="relative" rAng="0" ptsTypes="AA">
+                                      <p:cBhvr>
+                                        <p:cTn id="176" dur="1000" fill="hold"/>
+                                        <p:tgtEl>
+                                          <p:spTgt spid="97"/>
+                                        </p:tgtEl>
+                                        <p:attrNameLst>
+                                          <p:attrName>ppt_x</p:attrName>
+                                          <p:attrName>ppt_y</p:attrName>
+                                        </p:attrNameLst>
+                                      </p:cBhvr>
+                                      <p:rCtr x="-9714" y="0"/>
+                                    </p:animMotion>
+                                  </p:childTnLst>
+                                </p:cTn>
+                              </p:par>
+                            </p:childTnLst>
+                          </p:cTn>
+                        </p:par>
+                        <p:par>
+                          <p:cTn id="177" fill="hold">
+                            <p:stCondLst>
+                              <p:cond delay="1300"/>
+                            </p:stCondLst>
+                            <p:childTnLst>
+                              <p:par>
+                                <p:cTn id="178" presetID="10" presetClass="entr" presetSubtype="0" fill="hold" grpId="0" nodeType="afterEffect">
+                                  <p:stCondLst>
+                                    <p:cond delay="0"/>
+                                  </p:stCondLst>
+                                  <p:childTnLst>
+                                    <p:set>
+                                      <p:cBhvr>
+                                        <p:cTn id="179" dur="1" fill="hold">
+                                          <p:stCondLst>
+                                            <p:cond delay="0"/>
+                                          </p:stCondLst>
+                                        </p:cTn>
+                                        <p:tgtEl>
+                                          <p:spTgt spid="111"/>
+                                        </p:tgtEl>
+                                        <p:attrNameLst>
+                                          <p:attrName>style.visibility</p:attrName>
+                                        </p:attrNameLst>
+                                      </p:cBhvr>
+                                      <p:to>
+                                        <p:strVal val="visible"/>
+                                      </p:to>
+                                    </p:set>
+                                    <p:animEffect transition="in" filter="fade">
+                                      <p:cBhvr>
+                                        <p:cTn id="180" dur="500"/>
+                                        <p:tgtEl>
+                                          <p:spTgt spid="111"/>
+                                        </p:tgtEl>
+                                      </p:cBhvr>
+                                    </p:animEffect>
+                                  </p:childTnLst>
+                                </p:cTn>
+                              </p:par>
+                            </p:childTnLst>
+                          </p:cTn>
+                        </p:par>
+                      </p:childTnLst>
+                    </p:cTn>
+                  </p:par>
+                </p:childTnLst>
+              </p:cTn>
+              <p:prevCondLst>
+                <p:cond evt="onPrev" delay="0">
+                  <p:tgtEl>
+                    <p:sldTgt/>
+                  </p:tgtEl>
+                </p:cond>
+              </p:prevCondLst>
+              <p:nextCondLst>
+                <p:cond evt="onNext" delay="0">
+                  <p:tgtEl>
+                    <p:sldTgt/>
+                  </p:tgtEl>
+                </p:cond>
+              </p:nextCondLst>
+            </p:seq>
+          </p:childTnLst>
+        </p:cTn>
+      </p:par>
+    </p:tnLst>
+    <p:bldLst>
+      <p:bldP spid="39" grpId="0"/>
+      <p:bldP spid="39" grpId="1"/>
+      <p:bldP spid="39" grpId="2"/>
+      <p:bldP spid="40" grpId="0"/>
+      <p:bldP spid="40" grpId="1"/>
+      <p:bldP spid="40" grpId="2"/>
+      <p:bldP spid="41" grpId="0"/>
+      <p:bldP spid="41" grpId="1"/>
+      <p:bldP spid="42" grpId="0"/>
+      <p:bldP spid="42" grpId="1"/>
+      <p:bldP spid="56" grpId="0" animBg="1"/>
+      <p:bldP spid="56" grpId="1" animBg="1"/>
+      <p:bldP spid="97" grpId="0" animBg="1"/>
+      <p:bldP spid="97" grpId="1" animBg="1"/>
+      <p:bldP spid="57" grpId="0" animBg="1"/>
+      <p:bldP spid="57" grpId="1" animBg="1"/>
+      <p:bldP spid="100" grpId="0" animBg="1"/>
+      <p:bldP spid="100" grpId="1" animBg="1"/>
+      <p:bldP spid="101" grpId="0" animBg="1"/>
+      <p:bldP spid="101" grpId="1" animBg="1"/>
+      <p:bldP spid="102" grpId="0" animBg="1"/>
+      <p:bldP spid="102" grpId="1" animBg="1"/>
+      <p:bldP spid="111" grpId="0"/>
+    </p:bldLst>
+  </p:timing>
+</p:sld>
+</file>
+
+<file path=ppt/slides/slide4.xml><?xml version="1.0" encoding="utf-8"?>
+<p:sld xmlns:a="http://schemas.openxmlformats.org/drawingml/2006/main" xmlns:r="http://schemas.openxmlformats.org/officeDocument/2006/relationships" xmlns:p="http://schemas.openxmlformats.org/presentationml/2006/main">
+  <p:cSld>
+    <p:bg>
+      <p:bgPr>
+        <a:solidFill>
+          <a:srgbClr val="2E75B6"/>
+        </a:solidFill>
+        <a:effectLst/>
+      </p:bgPr>
+    </p:bg>
+    <p:spTree>
+      <p:nvGrpSpPr>
+        <p:cNvPr id="1" name=""/>
+        <p:cNvGrpSpPr/>
+        <p:nvPr/>
+      </p:nvGrpSpPr>
+      <p:grpSpPr>
+        <a:xfrm>
+          <a:off x="0" y="0"/>
+          <a:ext cx="0" cy="0"/>
+          <a:chOff x="0" y="0"/>
+          <a:chExt cx="0" cy="0"/>
+        </a:xfrm>
+      </p:grpSpPr>
+      <p:grpSp>
+        <p:nvGrpSpPr>
+          <p:cNvPr id="8" name="组 7"/>
+          <p:cNvGrpSpPr/>
+          <p:nvPr/>
+        </p:nvGrpSpPr>
+        <p:grpSpPr>
+          <a:xfrm>
+            <a:off x="4336628" y="254335"/>
             <a:ext cx="3637679" cy="552750"/>
             <a:chOff x="4018483" y="238837"/>
             <a:chExt cx="3467198" cy="552750"/>
@@ -8110,7 +12189,7 @@
                 <a:t>{ </a:t>
               </a:r>
               <a:r>
-                <a:rPr lang="en-US" altLang="zh-CN" sz="3200" dirty="0" smtClean="0">
+                <a:rPr lang="en-US" altLang="zh-CN" sz="3200" dirty="0">
                   <a:solidFill>
                     <a:schemeClr val="bg1"/>
                   </a:solidFill>
@@ -8121,7 +12200,7 @@
                 <a:t>AH</a:t>
               </a:r>
               <a:r>
-                <a:rPr lang="zh-CN" altLang="en-US" sz="2800" dirty="0" smtClean="0">
+                <a:rPr lang="zh-CN" altLang="en-US" sz="2800" dirty="0">
                   <a:solidFill>
                     <a:schemeClr val="bg1"/>
                   </a:solidFill>
@@ -8132,7 +12211,7 @@
                 <a:t> </a:t>
               </a:r>
               <a:r>
-                <a:rPr lang="en-US" altLang="zh-CN" sz="2800" dirty="0" smtClean="0">
+                <a:rPr lang="en-US" altLang="zh-CN" sz="2800" dirty="0">
                   <a:solidFill>
                     <a:schemeClr val="bg1"/>
                   </a:solidFill>
@@ -8143,7 +12222,7 @@
                 <a:t>} ·</a:t>
               </a:r>
               <a:r>
-                <a:rPr lang="zh-CN" altLang="en-US" sz="2800" dirty="0" smtClean="0">
+                <a:rPr lang="zh-CN" altLang="en-US" sz="2800" dirty="0">
                   <a:solidFill>
                     <a:schemeClr val="bg1"/>
                   </a:solidFill>
@@ -8154,7 +12233,7 @@
                 <a:t> </a:t>
               </a:r>
               <a:r>
-                <a:rPr lang="en-US" altLang="zh-CN" sz="2800" dirty="0" smtClean="0">
+                <a:rPr lang="en-US" altLang="zh-CN" sz="2800" dirty="0">
                   <a:solidFill>
                     <a:schemeClr val="bg1"/>
                   </a:solidFill>
@@ -8162,7 +12241,7 @@
                   <a:ea typeface="Century Gothic" charset="0"/>
                   <a:cs typeface="Century Gothic" charset="0"/>
                 </a:rPr>
-                <a:t>Scenario</a:t>
+                <a:t>Features</a:t>
               </a:r>
               <a:endParaRPr lang="zh-CN" altLang="en-US" sz="2800" dirty="0">
                 <a:solidFill>
@@ -8184,7 +12263,7 @@
             <p:nvPr/>
           </p:nvPicPr>
           <p:blipFill>
-            <a:blip r:embed="rId2">
+            <a:blip r:embed="rId3">
               <a:extLst>
                 <a:ext uri="{28A0092B-C50C-407E-A947-70E740481C1C}">
                   <a14:useLocalDpi xmlns:a14="http://schemas.microsoft.com/office/drawing/2010/main" val="0"/>
@@ -8206,6 +12285,751 @@
           </p:spPr>
         </p:pic>
       </p:grpSp>
+      <p:grpSp>
+        <p:nvGrpSpPr>
+          <p:cNvPr id="7" name="Group 6"/>
+          <p:cNvGrpSpPr/>
+          <p:nvPr/>
+        </p:nvGrpSpPr>
+        <p:grpSpPr>
+          <a:xfrm>
+            <a:off x="482600" y="1954143"/>
+            <a:ext cx="3276600" cy="3175000"/>
+            <a:chOff x="736600" y="1954143"/>
+            <a:chExt cx="4635500" cy="3175000"/>
+          </a:xfrm>
+        </p:grpSpPr>
+        <p:sp>
+          <p:nvSpPr>
+            <p:cNvPr id="2" name="Rectangle 1"/>
+            <p:cNvSpPr/>
+            <p:nvPr/>
+          </p:nvSpPr>
+          <p:spPr>
+            <a:xfrm>
+              <a:off x="736600" y="2928828"/>
+              <a:ext cx="4635500" cy="1938992"/>
+            </a:xfrm>
+            <a:prstGeom prst="rect">
+              <a:avLst/>
+            </a:prstGeom>
+          </p:spPr>
+          <p:txBody>
+            <a:bodyPr wrap="square">
+              <a:spAutoFit/>
+            </a:bodyPr>
+            <a:lstStyle/>
+            <a:p>
+              <a:pPr marL="342900" indent="-342900">
+                <a:buFont typeface="Arial" panose="020B0604020202020204" pitchFamily="34" charset="0"/>
+                <a:buChar char="•"/>
+              </a:pPr>
+              <a:r>
+                <a:rPr lang="en-US" altLang="zh-CN" sz="2000" dirty="0">
+                  <a:solidFill>
+                    <a:schemeClr val="bg1"/>
+                  </a:solidFill>
+                  <a:latin typeface="Century Gothic" panose="020B0502020202020204" pitchFamily="34" charset="0"/>
+                </a:rPr>
+                <a:t>Publish an event and automatically </a:t>
+              </a:r>
+              <a:r>
+                <a:rPr lang="en-US" altLang="zh-CN" sz="2000" b="1" dirty="0">
+                  <a:solidFill>
+                    <a:srgbClr val="FFFF00"/>
+                  </a:solidFill>
+                  <a:latin typeface="Century Gothic" panose="020B0502020202020204" pitchFamily="34" charset="0"/>
+                </a:rPr>
+                <a:t>tweet</a:t>
+              </a:r>
+              <a:r>
+                <a:rPr lang="en-US" altLang="zh-CN" sz="2000" dirty="0">
+                  <a:solidFill>
+                    <a:schemeClr val="bg1"/>
+                  </a:solidFill>
+                  <a:latin typeface="Century Gothic" panose="020B0502020202020204" pitchFamily="34" charset="0"/>
+                </a:rPr>
+                <a:t> &amp; generate </a:t>
+              </a:r>
+              <a:r>
+                <a:rPr lang="en-US" altLang="zh-CN" sz="2000" b="1" dirty="0" err="1">
+                  <a:solidFill>
+                    <a:srgbClr val="FFFF00"/>
+                  </a:solidFill>
+                  <a:latin typeface="Century Gothic" panose="020B0502020202020204" pitchFamily="34" charset="0"/>
+                </a:rPr>
+                <a:t>QRcode</a:t>
+              </a:r>
+              <a:r>
+                <a:rPr lang="en-US" altLang="zh-CN" sz="2000" dirty="0">
+                  <a:solidFill>
+                    <a:schemeClr val="bg1"/>
+                  </a:solidFill>
+                  <a:latin typeface="Century Gothic" panose="020B0502020202020204" pitchFamily="34" charset="0"/>
+                </a:rPr>
+                <a:t>.</a:t>
+              </a:r>
+            </a:p>
+            <a:p>
+              <a:pPr marL="342900" lvl="0" indent="-342900">
+                <a:buFont typeface="Arial" panose="020B0604020202020204" pitchFamily="34" charset="0"/>
+                <a:buChar char="•"/>
+                <a:defRPr/>
+              </a:pPr>
+              <a:r>
+                <a:rPr lang="en-US" altLang="zh-CN" sz="2000" b="1" dirty="0">
+                  <a:solidFill>
+                    <a:srgbClr val="FFFF00"/>
+                  </a:solidFill>
+                  <a:latin typeface="Century Gothic" panose="020B0502020202020204" pitchFamily="34" charset="0"/>
+                </a:rPr>
+                <a:t>Resource integrate </a:t>
+              </a:r>
+              <a:r>
+                <a:rPr lang="en-US" altLang="zh-CN" sz="2000" dirty="0">
+                  <a:solidFill>
+                    <a:schemeClr val="bg1"/>
+                  </a:solidFill>
+                  <a:latin typeface="Century Gothic" panose="020B0502020202020204" pitchFamily="34" charset="0"/>
+                </a:rPr>
+                <a:t>including ppt &amp; </a:t>
+              </a:r>
+              <a:r>
+                <a:rPr lang="en-US" altLang="zh-CN" sz="2000" dirty="0" err="1">
+                  <a:solidFill>
+                    <a:schemeClr val="bg1"/>
+                  </a:solidFill>
+                  <a:latin typeface="Century Gothic" panose="020B0502020202020204" pitchFamily="34" charset="0"/>
+                </a:rPr>
+                <a:t>youtube</a:t>
+              </a:r>
+              <a:r>
+                <a:rPr lang="en-US" altLang="zh-CN" sz="2000" dirty="0">
+                  <a:solidFill>
+                    <a:schemeClr val="bg1"/>
+                  </a:solidFill>
+                  <a:latin typeface="Century Gothic" panose="020B0502020202020204" pitchFamily="34" charset="0"/>
+                </a:rPr>
+                <a:t> videos</a:t>
+              </a:r>
+            </a:p>
+          </p:txBody>
+        </p:sp>
+        <p:grpSp>
+          <p:nvGrpSpPr>
+            <p:cNvPr id="6" name="Group 5"/>
+            <p:cNvGrpSpPr/>
+            <p:nvPr/>
+          </p:nvGrpSpPr>
+          <p:grpSpPr>
+            <a:xfrm>
+              <a:off x="736600" y="1954143"/>
+              <a:ext cx="4635500" cy="3175000"/>
+              <a:chOff x="342900" y="2082800"/>
+              <a:chExt cx="5930900" cy="3175000"/>
+            </a:xfrm>
+          </p:grpSpPr>
+          <p:sp>
+            <p:nvSpPr>
+              <p:cNvPr id="3" name="Rectangle 2"/>
+              <p:cNvSpPr/>
+              <p:nvPr/>
+            </p:nvSpPr>
+            <p:spPr>
+              <a:xfrm>
+                <a:off x="342900" y="2082800"/>
+                <a:ext cx="5930900" cy="643235"/>
+              </a:xfrm>
+              <a:prstGeom prst="rect">
+                <a:avLst/>
+              </a:prstGeom>
+              <a:noFill/>
+              <a:ln w="19050">
+                <a:solidFill>
+                  <a:schemeClr val="bg1"/>
+                </a:solidFill>
+              </a:ln>
+            </p:spPr>
+            <p:style>
+              <a:lnRef idx="2">
+                <a:schemeClr val="accent1">
+                  <a:shade val="50000"/>
+                </a:schemeClr>
+              </a:lnRef>
+              <a:fillRef idx="1">
+                <a:schemeClr val="accent1"/>
+              </a:fillRef>
+              <a:effectRef idx="0">
+                <a:schemeClr val="accent1"/>
+              </a:effectRef>
+              <a:fontRef idx="minor">
+                <a:schemeClr val="lt1"/>
+              </a:fontRef>
+            </p:style>
+            <p:txBody>
+              <a:bodyPr rtlCol="0" anchor="ctr"/>
+              <a:lstStyle/>
+              <a:p>
+                <a:pPr algn="ctr"/>
+                <a:r>
+                  <a:rPr lang="en-US" altLang="zh-CN" sz="2000" dirty="0">
+                    <a:solidFill>
+                      <a:schemeClr val="bg1"/>
+                    </a:solidFill>
+                    <a:latin typeface="Century Gothic" panose="020B0502020202020204" pitchFamily="34" charset="0"/>
+                  </a:rPr>
+                  <a:t>Events Related</a:t>
+                </a:r>
+                <a:endParaRPr lang="zh-CN" altLang="en-US" sz="2000" dirty="0">
+                  <a:solidFill>
+                    <a:schemeClr val="bg1"/>
+                  </a:solidFill>
+                  <a:latin typeface="Century Gothic" panose="020B0502020202020204" pitchFamily="34" charset="0"/>
+                </a:endParaRPr>
+              </a:p>
+            </p:txBody>
+          </p:sp>
+          <p:sp>
+            <p:nvSpPr>
+              <p:cNvPr id="10" name="Rectangle 9"/>
+              <p:cNvSpPr/>
+              <p:nvPr/>
+            </p:nvSpPr>
+            <p:spPr>
+              <a:xfrm>
+                <a:off x="342900" y="2726035"/>
+                <a:ext cx="5930900" cy="2531765"/>
+              </a:xfrm>
+              <a:prstGeom prst="rect">
+                <a:avLst/>
+              </a:prstGeom>
+              <a:noFill/>
+              <a:ln w="19050">
+                <a:solidFill>
+                  <a:schemeClr val="bg1"/>
+                </a:solidFill>
+              </a:ln>
+            </p:spPr>
+            <p:style>
+              <a:lnRef idx="2">
+                <a:schemeClr val="accent1">
+                  <a:shade val="50000"/>
+                </a:schemeClr>
+              </a:lnRef>
+              <a:fillRef idx="1">
+                <a:schemeClr val="accent1"/>
+              </a:fillRef>
+              <a:effectRef idx="0">
+                <a:schemeClr val="accent1"/>
+              </a:effectRef>
+              <a:fontRef idx="minor">
+                <a:schemeClr val="lt1"/>
+              </a:fontRef>
+            </p:style>
+            <p:txBody>
+              <a:bodyPr rtlCol="0" anchor="ctr"/>
+              <a:lstStyle/>
+              <a:p>
+                <a:pPr algn="ctr"/>
+                <a:endParaRPr lang="zh-CN" altLang="en-US"/>
+              </a:p>
+            </p:txBody>
+          </p:sp>
+        </p:grpSp>
+      </p:grpSp>
+      <p:grpSp>
+        <p:nvGrpSpPr>
+          <p:cNvPr id="13" name="Group 12"/>
+          <p:cNvGrpSpPr/>
+          <p:nvPr/>
+        </p:nvGrpSpPr>
+        <p:grpSpPr>
+          <a:xfrm>
+            <a:off x="4481807" y="1954143"/>
+            <a:ext cx="3276600" cy="3175000"/>
+            <a:chOff x="736600" y="1954143"/>
+            <a:chExt cx="4635500" cy="3175000"/>
+          </a:xfrm>
+        </p:grpSpPr>
+        <p:sp>
+          <p:nvSpPr>
+            <p:cNvPr id="14" name="Rectangle 13"/>
+            <p:cNvSpPr/>
+            <p:nvPr/>
+          </p:nvSpPr>
+          <p:spPr>
+            <a:xfrm>
+              <a:off x="736600" y="2928828"/>
+              <a:ext cx="4635500" cy="1938992"/>
+            </a:xfrm>
+            <a:prstGeom prst="rect">
+              <a:avLst/>
+            </a:prstGeom>
+          </p:spPr>
+          <p:txBody>
+            <a:bodyPr wrap="square">
+              <a:spAutoFit/>
+            </a:bodyPr>
+            <a:lstStyle/>
+            <a:p>
+              <a:pPr marL="342900" indent="-342900">
+                <a:buFont typeface="Arial" panose="020B0604020202020204" pitchFamily="34" charset="0"/>
+                <a:buChar char="•"/>
+              </a:pPr>
+              <a:r>
+                <a:rPr lang="en-US" altLang="zh-CN" sz="2000" dirty="0">
+                  <a:solidFill>
+                    <a:schemeClr val="bg1"/>
+                  </a:solidFill>
+                  <a:latin typeface="Century Gothic" panose="020B0502020202020204" pitchFamily="34" charset="0"/>
+                </a:rPr>
+                <a:t>Binding with </a:t>
+              </a:r>
+              <a:r>
+                <a:rPr lang="en-US" altLang="zh-CN" sz="2000" b="1" dirty="0" err="1">
+                  <a:solidFill>
+                    <a:srgbClr val="FFFF00"/>
+                  </a:solidFill>
+                  <a:latin typeface="Century Gothic" panose="020B0502020202020204" pitchFamily="34" charset="0"/>
+                </a:rPr>
+                <a:t>Linkedin</a:t>
+              </a:r>
+              <a:r>
+                <a:rPr lang="en-US" altLang="zh-CN" sz="2000" dirty="0">
+                  <a:solidFill>
+                    <a:schemeClr val="bg1"/>
+                  </a:solidFill>
+                  <a:latin typeface="Century Gothic" panose="020B0502020202020204" pitchFamily="34" charset="0"/>
+                </a:rPr>
+                <a:t> &amp; Own </a:t>
+              </a:r>
+              <a:r>
+                <a:rPr lang="en-US" altLang="zh-CN" sz="2000" b="1" dirty="0">
+                  <a:solidFill>
+                    <a:srgbClr val="FFFF00"/>
+                  </a:solidFill>
+                  <a:latin typeface="Century Gothic" panose="020B0502020202020204" pitchFamily="34" charset="0"/>
+                </a:rPr>
+                <a:t>Homepage</a:t>
+              </a:r>
+            </a:p>
+            <a:p>
+              <a:pPr marL="342900" indent="-342900">
+                <a:buFont typeface="Arial" panose="020B0604020202020204" pitchFamily="34" charset="0"/>
+                <a:buChar char="•"/>
+              </a:pPr>
+              <a:r>
+                <a:rPr lang="en-US" altLang="zh-CN" sz="2000" dirty="0">
+                  <a:solidFill>
+                    <a:schemeClr val="bg1"/>
+                  </a:solidFill>
+                  <a:latin typeface="Century Gothic" panose="020B0502020202020204" pitchFamily="34" charset="0"/>
+                </a:rPr>
+                <a:t>Login with </a:t>
+              </a:r>
+              <a:r>
+                <a:rPr lang="en-US" altLang="zh-CN" sz="2000" b="1" dirty="0">
+                  <a:solidFill>
+                    <a:srgbClr val="FFFF00"/>
+                  </a:solidFill>
+                  <a:latin typeface="Century Gothic" panose="020B0502020202020204" pitchFamily="34" charset="0"/>
+                </a:rPr>
+                <a:t>Twitter</a:t>
+              </a:r>
+              <a:r>
+                <a:rPr lang="en-US" altLang="zh-CN" sz="2000" dirty="0">
+                  <a:solidFill>
+                    <a:schemeClr val="bg1"/>
+                  </a:solidFill>
+                  <a:latin typeface="Century Gothic" panose="020B0502020202020204" pitchFamily="34" charset="0"/>
+                </a:rPr>
+                <a:t>(Auto </a:t>
+              </a:r>
+              <a:r>
+                <a:rPr lang="en-US" altLang="zh-CN" sz="2000" dirty="0" err="1">
+                  <a:solidFill>
+                    <a:schemeClr val="bg1"/>
+                  </a:solidFill>
+                  <a:latin typeface="Century Gothic" panose="020B0502020202020204" pitchFamily="34" charset="0"/>
+                </a:rPr>
+                <a:t>Binded</a:t>
+              </a:r>
+              <a:r>
+                <a:rPr lang="en-US" altLang="zh-CN" sz="2000" dirty="0">
+                  <a:solidFill>
+                    <a:schemeClr val="bg1"/>
+                  </a:solidFill>
+                  <a:latin typeface="Century Gothic" panose="020B0502020202020204" pitchFamily="34" charset="0"/>
+                </a:rPr>
+                <a:t>)</a:t>
+              </a:r>
+            </a:p>
+            <a:p>
+              <a:pPr marL="342900" indent="-342900">
+                <a:buFont typeface="Arial" panose="020B0604020202020204" pitchFamily="34" charset="0"/>
+                <a:buChar char="•"/>
+              </a:pPr>
+              <a:r>
+                <a:rPr lang="en-US" altLang="zh-CN" sz="2000" dirty="0">
+                  <a:solidFill>
+                    <a:schemeClr val="bg1"/>
+                  </a:solidFill>
+                  <a:latin typeface="Century Gothic" panose="020B0502020202020204" pitchFamily="34" charset="0"/>
+                </a:rPr>
+                <a:t>Can integrate with </a:t>
+              </a:r>
+              <a:r>
+                <a:rPr lang="en-US" altLang="zh-CN" sz="2000" b="1" dirty="0" err="1">
+                  <a:solidFill>
+                    <a:srgbClr val="FFFF00"/>
+                  </a:solidFill>
+                  <a:latin typeface="Century Gothic" panose="020B0502020202020204" pitchFamily="34" charset="0"/>
+                </a:rPr>
+                <a:t>Github</a:t>
+              </a:r>
+              <a:r>
+                <a:rPr lang="en-US" altLang="zh-CN" sz="2000" b="1" dirty="0">
+                  <a:solidFill>
+                    <a:srgbClr val="FFFF00"/>
+                  </a:solidFill>
+                  <a:latin typeface="Century Gothic" panose="020B0502020202020204" pitchFamily="34" charset="0"/>
+                </a:rPr>
+                <a:t>, Facebook </a:t>
+              </a:r>
+              <a:r>
+                <a:rPr lang="en-US" altLang="zh-CN" sz="2000" dirty="0" err="1">
+                  <a:solidFill>
+                    <a:schemeClr val="bg1"/>
+                  </a:solidFill>
+                  <a:latin typeface="Century Gothic" panose="020B0502020202020204" pitchFamily="34" charset="0"/>
+                </a:rPr>
+                <a:t>ect</a:t>
+              </a:r>
+              <a:r>
+                <a:rPr lang="en-US" altLang="zh-CN" sz="2000" dirty="0">
+                  <a:solidFill>
+                    <a:schemeClr val="bg1"/>
+                  </a:solidFill>
+                  <a:latin typeface="Century Gothic" panose="020B0502020202020204" pitchFamily="34" charset="0"/>
+                </a:rPr>
+                <a:t>.</a:t>
+              </a:r>
+            </a:p>
+          </p:txBody>
+        </p:sp>
+        <p:grpSp>
+          <p:nvGrpSpPr>
+            <p:cNvPr id="15" name="Group 14"/>
+            <p:cNvGrpSpPr/>
+            <p:nvPr/>
+          </p:nvGrpSpPr>
+          <p:grpSpPr>
+            <a:xfrm>
+              <a:off x="736600" y="1954143"/>
+              <a:ext cx="4635500" cy="3175000"/>
+              <a:chOff x="342900" y="2082800"/>
+              <a:chExt cx="5930900" cy="3175000"/>
+            </a:xfrm>
+          </p:grpSpPr>
+          <p:sp>
+            <p:nvSpPr>
+              <p:cNvPr id="16" name="Rectangle 15"/>
+              <p:cNvSpPr/>
+              <p:nvPr/>
+            </p:nvSpPr>
+            <p:spPr>
+              <a:xfrm>
+                <a:off x="342900" y="2082800"/>
+                <a:ext cx="5930900" cy="643235"/>
+              </a:xfrm>
+              <a:prstGeom prst="rect">
+                <a:avLst/>
+              </a:prstGeom>
+              <a:noFill/>
+              <a:ln w="19050">
+                <a:solidFill>
+                  <a:schemeClr val="bg1"/>
+                </a:solidFill>
+              </a:ln>
+            </p:spPr>
+            <p:style>
+              <a:lnRef idx="2">
+                <a:schemeClr val="accent1">
+                  <a:shade val="50000"/>
+                </a:schemeClr>
+              </a:lnRef>
+              <a:fillRef idx="1">
+                <a:schemeClr val="accent1"/>
+              </a:fillRef>
+              <a:effectRef idx="0">
+                <a:schemeClr val="accent1"/>
+              </a:effectRef>
+              <a:fontRef idx="minor">
+                <a:schemeClr val="lt1"/>
+              </a:fontRef>
+            </p:style>
+            <p:txBody>
+              <a:bodyPr rtlCol="0" anchor="ctr"/>
+              <a:lstStyle/>
+              <a:p>
+                <a:pPr algn="ctr"/>
+                <a:r>
+                  <a:rPr lang="en-US" altLang="zh-CN" sz="2000" dirty="0">
+                    <a:solidFill>
+                      <a:schemeClr val="bg1"/>
+                    </a:solidFill>
+                    <a:latin typeface="Century Gothic" panose="020B0502020202020204" pitchFamily="34" charset="0"/>
+                  </a:rPr>
+                  <a:t>Social Media Related</a:t>
+                </a:r>
+                <a:endParaRPr lang="zh-CN" altLang="en-US" sz="2000" dirty="0">
+                  <a:solidFill>
+                    <a:schemeClr val="bg1"/>
+                  </a:solidFill>
+                  <a:latin typeface="Century Gothic" panose="020B0502020202020204" pitchFamily="34" charset="0"/>
+                </a:endParaRPr>
+              </a:p>
+            </p:txBody>
+          </p:sp>
+          <p:sp>
+            <p:nvSpPr>
+              <p:cNvPr id="17" name="Rectangle 16"/>
+              <p:cNvSpPr/>
+              <p:nvPr/>
+            </p:nvSpPr>
+            <p:spPr>
+              <a:xfrm>
+                <a:off x="342900" y="2726035"/>
+                <a:ext cx="5930900" cy="2531765"/>
+              </a:xfrm>
+              <a:prstGeom prst="rect">
+                <a:avLst/>
+              </a:prstGeom>
+              <a:noFill/>
+              <a:ln w="19050">
+                <a:solidFill>
+                  <a:schemeClr val="bg1"/>
+                </a:solidFill>
+              </a:ln>
+            </p:spPr>
+            <p:style>
+              <a:lnRef idx="2">
+                <a:schemeClr val="accent1">
+                  <a:shade val="50000"/>
+                </a:schemeClr>
+              </a:lnRef>
+              <a:fillRef idx="1">
+                <a:schemeClr val="accent1"/>
+              </a:fillRef>
+              <a:effectRef idx="0">
+                <a:schemeClr val="accent1"/>
+              </a:effectRef>
+              <a:fontRef idx="minor">
+                <a:schemeClr val="lt1"/>
+              </a:fontRef>
+            </p:style>
+            <p:txBody>
+              <a:bodyPr rtlCol="0" anchor="ctr"/>
+              <a:lstStyle/>
+              <a:p>
+                <a:pPr algn="ctr"/>
+                <a:endParaRPr lang="zh-CN" altLang="en-US"/>
+              </a:p>
+            </p:txBody>
+          </p:sp>
+        </p:grpSp>
+      </p:grpSp>
+      <p:grpSp>
+        <p:nvGrpSpPr>
+          <p:cNvPr id="18" name="Group 17"/>
+          <p:cNvGrpSpPr/>
+          <p:nvPr/>
+        </p:nvGrpSpPr>
+        <p:grpSpPr>
+          <a:xfrm>
+            <a:off x="8481014" y="1954143"/>
+            <a:ext cx="3276600" cy="3175000"/>
+            <a:chOff x="736600" y="1954143"/>
+            <a:chExt cx="4635500" cy="3175000"/>
+          </a:xfrm>
+        </p:grpSpPr>
+        <p:sp>
+          <p:nvSpPr>
+            <p:cNvPr id="19" name="Rectangle 18"/>
+            <p:cNvSpPr/>
+            <p:nvPr/>
+          </p:nvSpPr>
+          <p:spPr>
+            <a:xfrm>
+              <a:off x="736600" y="2928828"/>
+              <a:ext cx="4635500" cy="1323439"/>
+            </a:xfrm>
+            <a:prstGeom prst="rect">
+              <a:avLst/>
+            </a:prstGeom>
+          </p:spPr>
+          <p:txBody>
+            <a:bodyPr wrap="square">
+              <a:spAutoFit/>
+            </a:bodyPr>
+            <a:lstStyle/>
+            <a:p>
+              <a:pPr marL="342900" indent="-342900">
+                <a:buFont typeface="Arial" panose="020B0604020202020204" pitchFamily="34" charset="0"/>
+                <a:buChar char="•"/>
+              </a:pPr>
+              <a:r>
+                <a:rPr lang="en-US" altLang="zh-CN" sz="2000" dirty="0">
+                  <a:solidFill>
+                    <a:schemeClr val="bg1"/>
+                  </a:solidFill>
+                  <a:latin typeface="Century Gothic" panose="020B0502020202020204" pitchFamily="34" charset="0"/>
+                </a:rPr>
+                <a:t>Do the </a:t>
+              </a:r>
+              <a:r>
+                <a:rPr lang="en-US" altLang="zh-CN" sz="2000" b="1" dirty="0">
+                  <a:solidFill>
+                    <a:srgbClr val="FFFF00"/>
+                  </a:solidFill>
+                  <a:latin typeface="Century Gothic" panose="020B0502020202020204" pitchFamily="34" charset="0"/>
+                </a:rPr>
+                <a:t>docs recommendation </a:t>
+              </a:r>
+              <a:r>
+                <a:rPr lang="en-US" altLang="zh-CN" sz="2000" dirty="0">
+                  <a:solidFill>
+                    <a:schemeClr val="bg1"/>
+                  </a:solidFill>
+                  <a:latin typeface="Century Gothic" panose="020B0502020202020204" pitchFamily="34" charset="0"/>
+                </a:rPr>
+                <a:t>based on talks’ subject</a:t>
+              </a:r>
+            </a:p>
+          </p:txBody>
+        </p:sp>
+        <p:grpSp>
+          <p:nvGrpSpPr>
+            <p:cNvPr id="20" name="Group 19"/>
+            <p:cNvGrpSpPr/>
+            <p:nvPr/>
+          </p:nvGrpSpPr>
+          <p:grpSpPr>
+            <a:xfrm>
+              <a:off x="736600" y="1954143"/>
+              <a:ext cx="4635500" cy="3175000"/>
+              <a:chOff x="342900" y="2082800"/>
+              <a:chExt cx="5930900" cy="3175000"/>
+            </a:xfrm>
+          </p:grpSpPr>
+          <p:sp>
+            <p:nvSpPr>
+              <p:cNvPr id="21" name="Rectangle 20"/>
+              <p:cNvSpPr/>
+              <p:nvPr/>
+            </p:nvSpPr>
+            <p:spPr>
+              <a:xfrm>
+                <a:off x="342900" y="2082800"/>
+                <a:ext cx="5930900" cy="643235"/>
+              </a:xfrm>
+              <a:prstGeom prst="rect">
+                <a:avLst/>
+              </a:prstGeom>
+              <a:noFill/>
+              <a:ln w="19050">
+                <a:solidFill>
+                  <a:schemeClr val="bg1"/>
+                </a:solidFill>
+              </a:ln>
+            </p:spPr>
+            <p:style>
+              <a:lnRef idx="2">
+                <a:schemeClr val="accent1">
+                  <a:shade val="50000"/>
+                </a:schemeClr>
+              </a:lnRef>
+              <a:fillRef idx="1">
+                <a:schemeClr val="accent1"/>
+              </a:fillRef>
+              <a:effectRef idx="0">
+                <a:schemeClr val="accent1"/>
+              </a:effectRef>
+              <a:fontRef idx="minor">
+                <a:schemeClr val="lt1"/>
+              </a:fontRef>
+            </p:style>
+            <p:txBody>
+              <a:bodyPr rtlCol="0" anchor="ctr"/>
+              <a:lstStyle/>
+              <a:p>
+                <a:pPr algn="ctr"/>
+                <a:r>
+                  <a:rPr lang="en-US" altLang="zh-CN" sz="2000" dirty="0">
+                    <a:solidFill>
+                      <a:schemeClr val="bg1"/>
+                    </a:solidFill>
+                    <a:latin typeface="Century Gothic" panose="020B0502020202020204" pitchFamily="34" charset="0"/>
+                  </a:rPr>
+                  <a:t>Recommendation</a:t>
+                </a:r>
+                <a:endParaRPr lang="zh-CN" altLang="en-US" sz="2000" dirty="0">
+                  <a:solidFill>
+                    <a:schemeClr val="bg1"/>
+                  </a:solidFill>
+                  <a:latin typeface="Century Gothic" panose="020B0502020202020204" pitchFamily="34" charset="0"/>
+                </a:endParaRPr>
+              </a:p>
+            </p:txBody>
+          </p:sp>
+          <p:sp>
+            <p:nvSpPr>
+              <p:cNvPr id="22" name="Rectangle 21"/>
+              <p:cNvSpPr/>
+              <p:nvPr/>
+            </p:nvSpPr>
+            <p:spPr>
+              <a:xfrm>
+                <a:off x="342900" y="2726035"/>
+                <a:ext cx="5930900" cy="2531765"/>
+              </a:xfrm>
+              <a:prstGeom prst="rect">
+                <a:avLst/>
+              </a:prstGeom>
+              <a:noFill/>
+              <a:ln w="19050">
+                <a:solidFill>
+                  <a:schemeClr val="bg1"/>
+                </a:solidFill>
+              </a:ln>
+            </p:spPr>
+            <p:style>
+              <a:lnRef idx="2">
+                <a:schemeClr val="accent1">
+                  <a:shade val="50000"/>
+                </a:schemeClr>
+              </a:lnRef>
+              <a:fillRef idx="1">
+                <a:schemeClr val="accent1"/>
+              </a:fillRef>
+              <a:effectRef idx="0">
+                <a:schemeClr val="accent1"/>
+              </a:effectRef>
+              <a:fontRef idx="minor">
+                <a:schemeClr val="lt1"/>
+              </a:fontRef>
+            </p:style>
+            <p:txBody>
+              <a:bodyPr rtlCol="0" anchor="ctr"/>
+              <a:lstStyle/>
+              <a:p>
+                <a:pPr algn="ctr"/>
+                <a:endParaRPr lang="zh-CN" altLang="en-US"/>
+              </a:p>
+            </p:txBody>
+          </p:sp>
+        </p:grpSp>
+      </p:grpSp>
     </p:spTree>
     <p:extLst>
       <p:ext uri="{BB962C8B-B14F-4D97-AF65-F5344CB8AC3E}">
@@ -8222,16 +13046,268 @@
   <p:timing>
     <p:tnLst>
       <p:par>
-        <p:cTn id="1" dur="indefinite" restart="never" nodeType="tmRoot"/>
+        <p:cTn id="1" dur="indefinite" restart="never" nodeType="tmRoot">
+          <p:childTnLst>
+            <p:seq concurrent="1" nextAc="seek">
+              <p:cTn id="2" dur="indefinite" nodeType="mainSeq">
+                <p:childTnLst>
+                  <p:par>
+                    <p:cTn id="3" fill="hold">
+                      <p:stCondLst>
+                        <p:cond delay="indefinite"/>
+                      </p:stCondLst>
+                      <p:childTnLst>
+                        <p:par>
+                          <p:cTn id="4" fill="hold">
+                            <p:stCondLst>
+                              <p:cond delay="0"/>
+                            </p:stCondLst>
+                            <p:childTnLst>
+                              <p:par>
+                                <p:cTn id="5" presetID="10" presetClass="entr" presetSubtype="0" fill="hold" nodeType="clickEffect">
+                                  <p:stCondLst>
+                                    <p:cond delay="0"/>
+                                  </p:stCondLst>
+                                  <p:childTnLst>
+                                    <p:set>
+                                      <p:cBhvr>
+                                        <p:cTn id="6" dur="1" fill="hold">
+                                          <p:stCondLst>
+                                            <p:cond delay="0"/>
+                                          </p:stCondLst>
+                                        </p:cTn>
+                                        <p:tgtEl>
+                                          <p:spTgt spid="7"/>
+                                        </p:tgtEl>
+                                        <p:attrNameLst>
+                                          <p:attrName>style.visibility</p:attrName>
+                                        </p:attrNameLst>
+                                      </p:cBhvr>
+                                      <p:to>
+                                        <p:strVal val="visible"/>
+                                      </p:to>
+                                    </p:set>
+                                    <p:animEffect transition="in" filter="fade">
+                                      <p:cBhvr>
+                                        <p:cTn id="7" dur="500"/>
+                                        <p:tgtEl>
+                                          <p:spTgt spid="7"/>
+                                        </p:tgtEl>
+                                      </p:cBhvr>
+                                    </p:animEffect>
+                                  </p:childTnLst>
+                                </p:cTn>
+                              </p:par>
+                            </p:childTnLst>
+                          </p:cTn>
+                        </p:par>
+                      </p:childTnLst>
+                    </p:cTn>
+                  </p:par>
+                  <p:par>
+                    <p:cTn id="8" fill="hold">
+                      <p:stCondLst>
+                        <p:cond delay="indefinite"/>
+                      </p:stCondLst>
+                      <p:childTnLst>
+                        <p:par>
+                          <p:cTn id="9" fill="hold">
+                            <p:stCondLst>
+                              <p:cond delay="0"/>
+                            </p:stCondLst>
+                            <p:childTnLst>
+                              <p:par>
+                                <p:cTn id="10" presetID="10" presetClass="entr" presetSubtype="0" fill="hold" nodeType="clickEffect">
+                                  <p:stCondLst>
+                                    <p:cond delay="0"/>
+                                  </p:stCondLst>
+                                  <p:childTnLst>
+                                    <p:set>
+                                      <p:cBhvr>
+                                        <p:cTn id="11" dur="1" fill="hold">
+                                          <p:stCondLst>
+                                            <p:cond delay="0"/>
+                                          </p:stCondLst>
+                                        </p:cTn>
+                                        <p:tgtEl>
+                                          <p:spTgt spid="13"/>
+                                        </p:tgtEl>
+                                        <p:attrNameLst>
+                                          <p:attrName>style.visibility</p:attrName>
+                                        </p:attrNameLst>
+                                      </p:cBhvr>
+                                      <p:to>
+                                        <p:strVal val="visible"/>
+                                      </p:to>
+                                    </p:set>
+                                    <p:animEffect transition="in" filter="fade">
+                                      <p:cBhvr>
+                                        <p:cTn id="12" dur="500"/>
+                                        <p:tgtEl>
+                                          <p:spTgt spid="13"/>
+                                        </p:tgtEl>
+                                      </p:cBhvr>
+                                    </p:animEffect>
+                                  </p:childTnLst>
+                                </p:cTn>
+                              </p:par>
+                              <p:par>
+                                <p:cTn id="13" presetID="9" presetClass="emph" presetSubtype="0" nodeType="withEffect">
+                                  <p:stCondLst>
+                                    <p:cond delay="0"/>
+                                  </p:stCondLst>
+                                  <p:childTnLst>
+                                    <p:set>
+                                      <p:cBhvr>
+                                        <p:cTn id="14" dur="indefinite"/>
+                                        <p:tgtEl>
+                                          <p:spTgt spid="7"/>
+                                        </p:tgtEl>
+                                        <p:attrNameLst>
+                                          <p:attrName>style.opacity</p:attrName>
+                                        </p:attrNameLst>
+                                      </p:cBhvr>
+                                      <p:to>
+                                        <p:strVal val="0.3"/>
+                                      </p:to>
+                                    </p:set>
+                                    <p:animEffect filter="image" prLst="opacity: 0.3">
+                                      <p:cBhvr rctx="IE">
+                                        <p:cTn id="15" dur="indefinite"/>
+                                        <p:tgtEl>
+                                          <p:spTgt spid="7"/>
+                                        </p:tgtEl>
+                                      </p:cBhvr>
+                                    </p:animEffect>
+                                  </p:childTnLst>
+                                </p:cTn>
+                              </p:par>
+                            </p:childTnLst>
+                          </p:cTn>
+                        </p:par>
+                      </p:childTnLst>
+                    </p:cTn>
+                  </p:par>
+                  <p:par>
+                    <p:cTn id="16" fill="hold">
+                      <p:stCondLst>
+                        <p:cond delay="indefinite"/>
+                      </p:stCondLst>
+                      <p:childTnLst>
+                        <p:par>
+                          <p:cTn id="17" fill="hold">
+                            <p:stCondLst>
+                              <p:cond delay="0"/>
+                            </p:stCondLst>
+                            <p:childTnLst>
+                              <p:par>
+                                <p:cTn id="18" presetID="10" presetClass="entr" presetSubtype="0" fill="hold" nodeType="clickEffect">
+                                  <p:stCondLst>
+                                    <p:cond delay="0"/>
+                                  </p:stCondLst>
+                                  <p:childTnLst>
+                                    <p:set>
+                                      <p:cBhvr>
+                                        <p:cTn id="19" dur="1" fill="hold">
+                                          <p:stCondLst>
+                                            <p:cond delay="0"/>
+                                          </p:stCondLst>
+                                        </p:cTn>
+                                        <p:tgtEl>
+                                          <p:spTgt spid="18"/>
+                                        </p:tgtEl>
+                                        <p:attrNameLst>
+                                          <p:attrName>style.visibility</p:attrName>
+                                        </p:attrNameLst>
+                                      </p:cBhvr>
+                                      <p:to>
+                                        <p:strVal val="visible"/>
+                                      </p:to>
+                                    </p:set>
+                                    <p:animEffect transition="in" filter="fade">
+                                      <p:cBhvr>
+                                        <p:cTn id="20" dur="500"/>
+                                        <p:tgtEl>
+                                          <p:spTgt spid="18"/>
+                                        </p:tgtEl>
+                                      </p:cBhvr>
+                                    </p:animEffect>
+                                  </p:childTnLst>
+                                </p:cTn>
+                              </p:par>
+                              <p:par>
+                                <p:cTn id="21" presetID="9" presetClass="emph" presetSubtype="0" nodeType="withEffect">
+                                  <p:stCondLst>
+                                    <p:cond delay="0"/>
+                                  </p:stCondLst>
+                                  <p:childTnLst>
+                                    <p:set>
+                                      <p:cBhvr>
+                                        <p:cTn id="22" dur="indefinite"/>
+                                        <p:tgtEl>
+                                          <p:spTgt spid="13"/>
+                                        </p:tgtEl>
+                                        <p:attrNameLst>
+                                          <p:attrName>style.opacity</p:attrName>
+                                        </p:attrNameLst>
+                                      </p:cBhvr>
+                                      <p:to>
+                                        <p:strVal val="0.3"/>
+                                      </p:to>
+                                    </p:set>
+                                    <p:animEffect filter="image" prLst="opacity: 0.3">
+                                      <p:cBhvr rctx="IE">
+                                        <p:cTn id="23" dur="indefinite"/>
+                                        <p:tgtEl>
+                                          <p:spTgt spid="13"/>
+                                        </p:tgtEl>
+                                      </p:cBhvr>
+                                    </p:animEffect>
+                                  </p:childTnLst>
+                                </p:cTn>
+                              </p:par>
+                            </p:childTnLst>
+                          </p:cTn>
+                        </p:par>
+                      </p:childTnLst>
+                    </p:cTn>
+                  </p:par>
+                </p:childTnLst>
+              </p:cTn>
+              <p:prevCondLst>
+                <p:cond evt="onPrev" delay="0">
+                  <p:tgtEl>
+                    <p:sldTgt/>
+                  </p:tgtEl>
+                </p:cond>
+              </p:prevCondLst>
+              <p:nextCondLst>
+                <p:cond evt="onNext" delay="0">
+                  <p:tgtEl>
+                    <p:sldTgt/>
+                  </p:tgtEl>
+                </p:cond>
+              </p:nextCondLst>
+            </p:seq>
+          </p:childTnLst>
+        </p:cTn>
       </p:par>
     </p:tnLst>
   </p:timing>
 </p:sld>
 </file>
 
-<file path=ppt/slides/slide4.xml><?xml version="1.0" encoding="utf-8"?>
+<file path=ppt/slides/slide5.xml><?xml version="1.0" encoding="utf-8"?>
 <p:sld xmlns:a="http://schemas.openxmlformats.org/drawingml/2006/main" xmlns:r="http://schemas.openxmlformats.org/officeDocument/2006/relationships" xmlns:p="http://schemas.openxmlformats.org/presentationml/2006/main">
   <p:cSld>
+    <p:bg>
+      <p:bgPr>
+        <a:solidFill>
+          <a:srgbClr val="2E75B6"/>
+        </a:solidFill>
+        <a:effectLst/>
+      </p:bgPr>
+    </p:bg>
     <p:spTree>
       <p:nvGrpSpPr>
         <p:cNvPr id="1" name=""/>
@@ -8254,7 +13330,7 @@
         </p:nvGrpSpPr>
         <p:grpSpPr>
           <a:xfrm>
-            <a:off x="4746904" y="300830"/>
+            <a:off x="4525360" y="300830"/>
             <a:ext cx="3048744" cy="552750"/>
             <a:chOff x="4018483" y="238837"/>
             <a:chExt cx="3048744" cy="552750"/>
@@ -8314,7 +13390,7 @@
                 <a:t>{ </a:t>
               </a:r>
               <a:r>
-                <a:rPr lang="en-US" altLang="zh-CN" sz="3200" dirty="0" smtClean="0">
+                <a:rPr lang="en-US" altLang="zh-CN" sz="3200" dirty="0">
                   <a:solidFill>
                     <a:schemeClr val="bg1"/>
                   </a:solidFill>
@@ -8325,7 +13401,7 @@
                 <a:t>AH</a:t>
               </a:r>
               <a:r>
-                <a:rPr lang="zh-CN" altLang="en-US" sz="2800" dirty="0" smtClean="0">
+                <a:rPr lang="zh-CN" altLang="en-US" sz="2800" dirty="0">
                   <a:solidFill>
                     <a:schemeClr val="bg1"/>
                   </a:solidFill>
@@ -8336,7 +13412,7 @@
                 <a:t> </a:t>
               </a:r>
               <a:r>
-                <a:rPr lang="en-US" altLang="zh-CN" sz="2800" dirty="0" smtClean="0">
+                <a:rPr lang="en-US" altLang="zh-CN" sz="2800" dirty="0">
                   <a:solidFill>
                     <a:schemeClr val="bg1"/>
                   </a:solidFill>
@@ -8347,7 +13423,7 @@
                 <a:t>} ·</a:t>
               </a:r>
               <a:r>
-                <a:rPr lang="zh-CN" altLang="en-US" sz="2800" dirty="0" smtClean="0">
+                <a:rPr lang="zh-CN" altLang="en-US" sz="2800" dirty="0">
                   <a:solidFill>
                     <a:schemeClr val="bg1"/>
                   </a:solidFill>
@@ -8358,7 +13434,7 @@
                 <a:t> </a:t>
               </a:r>
               <a:r>
-                <a:rPr lang="en-US" altLang="zh-CN" sz="2800" dirty="0" smtClean="0">
+                <a:rPr lang="en-US" altLang="zh-CN" sz="2800" dirty="0">
                   <a:solidFill>
                     <a:schemeClr val="bg1"/>
                   </a:solidFill>
@@ -8388,7 +13464,7 @@
             <p:nvPr/>
           </p:nvPicPr>
           <p:blipFill>
-            <a:blip r:embed="rId2">
+            <a:blip r:embed="rId3">
               <a:extLst>
                 <a:ext uri="{28A0092B-C50C-407E-A947-70E740481C1C}">
                   <a14:useLocalDpi xmlns:a14="http://schemas.microsoft.com/office/drawing/2010/main" val="0"/>
@@ -8410,6 +13486,76 @@
           </p:spPr>
         </p:pic>
       </p:grpSp>
+      <p:sp>
+        <p:nvSpPr>
+          <p:cNvPr id="2" name="Rectangle 1">
+            <a:hlinkClick r:id="rId4"/>
+          </p:cNvPr>
+          <p:cNvSpPr/>
+          <p:nvPr/>
+        </p:nvSpPr>
+        <p:spPr>
+          <a:xfrm>
+            <a:off x="4746904" y="3134836"/>
+            <a:ext cx="2605656" cy="461665"/>
+          </a:xfrm>
+          <a:prstGeom prst="rect">
+            <a:avLst/>
+          </a:prstGeom>
+          <a:solidFill>
+            <a:schemeClr val="bg1"/>
+          </a:solidFill>
+        </p:spPr>
+        <p:txBody>
+          <a:bodyPr wrap="square">
+            <a:spAutoFit/>
+          </a:bodyPr>
+          <a:lstStyle/>
+          <a:p>
+            <a:pPr algn="ctr"/>
+            <a:r>
+              <a:rPr lang="en-US" altLang="zh-CN" sz="2400" i="1" dirty="0">
+                <a:solidFill>
+                  <a:srgbClr val="FFFF00"/>
+                </a:solidFill>
+                <a:latin typeface="Consolas" panose="020B0609020204030204" pitchFamily="49" charset="0"/>
+                <a:hlinkClick r:id="rId4"/>
+              </a:rPr>
+              <a:t>Online Demo</a:t>
+            </a:r>
+            <a:endParaRPr lang="zh-CN" altLang="en-US" sz="2400" i="1" dirty="0">
+              <a:solidFill>
+                <a:srgbClr val="FFFF00"/>
+              </a:solidFill>
+              <a:latin typeface="Consolas" panose="020B0609020204030204" pitchFamily="49" charset="0"/>
+            </a:endParaRPr>
+          </a:p>
+        </p:txBody>
+      </p:sp>
+      <p:pic>
+        <p:nvPicPr>
+          <p:cNvPr id="13" name="Picture 12"/>
+          <p:cNvPicPr>
+            <a:picLocks noChangeAspect="1"/>
+          </p:cNvPicPr>
+          <p:nvPr/>
+        </p:nvPicPr>
+        <p:blipFill>
+          <a:blip r:embed="rId5"/>
+          <a:stretch>
+            <a:fillRect/>
+          </a:stretch>
+        </p:blipFill>
+        <p:spPr>
+          <a:xfrm>
+            <a:off x="6424382" y="1936918"/>
+            <a:ext cx="2857500" cy="2857500"/>
+          </a:xfrm>
+          <a:prstGeom prst="rect">
+            <a:avLst/>
+          </a:prstGeom>
+        </p:spPr>
+      </p:pic>
     </p:spTree>
     <p:extLst>
       <p:ext uri="{BB962C8B-B14F-4D97-AF65-F5344CB8AC3E}">
@@ -8426,9 +13572,113 @@
   <p:timing>
     <p:tnLst>
       <p:par>
-        <p:cTn id="1" dur="indefinite" restart="never" nodeType="tmRoot"/>
+        <p:cTn id="1" dur="indefinite" restart="never" nodeType="tmRoot">
+          <p:childTnLst>
+            <p:seq concurrent="1" nextAc="seek">
+              <p:cTn id="2" dur="indefinite" nodeType="mainSeq">
+                <p:childTnLst>
+                  <p:par>
+                    <p:cTn id="3" fill="hold">
+                      <p:stCondLst>
+                        <p:cond delay="indefinite"/>
+                        <p:cond evt="onBegin" delay="0">
+                          <p:tn val="2"/>
+                        </p:cond>
+                      </p:stCondLst>
+                      <p:childTnLst>
+                        <p:par>
+                          <p:cTn id="4" fill="hold">
+                            <p:stCondLst>
+                              <p:cond delay="0"/>
+                            </p:stCondLst>
+                            <p:childTnLst>
+                              <p:par>
+                                <p:cTn id="5" presetID="35" presetClass="path" presetSubtype="0" accel="50000" decel="50000" fill="hold" grpId="0" nodeType="withEffect">
+                                  <p:stCondLst>
+                                    <p:cond delay="0"/>
+                                  </p:stCondLst>
+                                  <p:childTnLst>
+                                    <p:animMotion origin="layout" path="M -3.95833E-6 -7.40741E-7 L -0.14518 -7.40741E-7 " pathEditMode="relative" rAng="0" ptsTypes="AA">
+                                      <p:cBhvr>
+                                        <p:cTn id="6" dur="1000" fill="hold"/>
+                                        <p:tgtEl>
+                                          <p:spTgt spid="2"/>
+                                        </p:tgtEl>
+                                        <p:attrNameLst>
+                                          <p:attrName>ppt_x</p:attrName>
+                                          <p:attrName>ppt_y</p:attrName>
+                                        </p:attrNameLst>
+                                      </p:cBhvr>
+                                      <p:rCtr x="-7266" y="0"/>
+                                    </p:animMotion>
+                                  </p:childTnLst>
+                                </p:cTn>
+                              </p:par>
+                              <p:par>
+                                <p:cTn id="7" presetID="10" presetClass="entr" presetSubtype="0" fill="hold" nodeType="withEffect">
+                                  <p:stCondLst>
+                                    <p:cond delay="500"/>
+                                  </p:stCondLst>
+                                  <p:childTnLst>
+                                    <p:set>
+                                      <p:cBhvr>
+                                        <p:cTn id="8" dur="1" fill="hold">
+                                          <p:stCondLst>
+                                            <p:cond delay="0"/>
+                                          </p:stCondLst>
+                                        </p:cTn>
+                                        <p:tgtEl>
+                                          <p:spTgt spid="13"/>
+                                        </p:tgtEl>
+                                        <p:attrNameLst>
+                                          <p:attrName>style.visibility</p:attrName>
+                                        </p:attrNameLst>
+                                      </p:cBhvr>
+                                      <p:to>
+                                        <p:strVal val="visible"/>
+                                      </p:to>
+                                    </p:set>
+                                    <p:animEffect transition="in" filter="fade">
+                                      <p:cBhvr>
+                                        <p:cTn id="9" dur="500"/>
+                                        <p:tgtEl>
+                                          <p:spTgt spid="13"/>
+                                        </p:tgtEl>
+                                      </p:cBhvr>
+                                    </p:animEffect>
+                                  </p:childTnLst>
+                                </p:cTn>
+                              </p:par>
+                            </p:childTnLst>
+                          </p:cTn>
+                        </p:par>
+                      </p:childTnLst>
+                    </p:cTn>
+                  </p:par>
+                </p:childTnLst>
+              </p:cTn>
+              <p:prevCondLst>
+                <p:cond evt="onPrev" delay="0">
+                  <p:tgtEl>
+                    <p:sldTgt/>
+                  </p:tgtEl>
+                </p:cond>
+              </p:prevCondLst>
+              <p:nextCondLst>
+                <p:cond evt="onNext" delay="0">
+                  <p:tgtEl>
+                    <p:sldTgt/>
+                  </p:tgtEl>
+                </p:cond>
+              </p:nextCondLst>
+            </p:seq>
+          </p:childTnLst>
+        </p:cTn>
       </p:par>
     </p:tnLst>
+    <p:bldLst>
+      <p:bldP spid="2" grpId="0" animBg="1"/>
+    </p:bldLst>
   </p:timing>
 </p:sld>
 </file>
